--- a/Presentation2.pptx
+++ b/Presentation2.pptx
@@ -5,25 +5,19 @@
     <p:sldMasterId id="2147483648" r:id="rId4"/>
   </p:sldMasterIdLst>
   <p:notesMasterIdLst>
-    <p:notesMasterId r:id="rId18"/>
+    <p:notesMasterId r:id="rId12"/>
   </p:notesMasterIdLst>
   <p:handoutMasterIdLst>
-    <p:handoutMasterId r:id="rId19"/>
+    <p:handoutMasterId r:id="rId13"/>
   </p:handoutMasterIdLst>
   <p:sldIdLst>
     <p:sldId id="325" r:id="rId5"/>
-    <p:sldId id="326" r:id="rId6"/>
-    <p:sldId id="327" r:id="rId7"/>
-    <p:sldId id="328" r:id="rId8"/>
-    <p:sldId id="329" r:id="rId9"/>
-    <p:sldId id="330" r:id="rId10"/>
-    <p:sldId id="331" r:id="rId11"/>
-    <p:sldId id="334" r:id="rId12"/>
-    <p:sldId id="335" r:id="rId13"/>
-    <p:sldId id="336" r:id="rId14"/>
-    <p:sldId id="337" r:id="rId15"/>
-    <p:sldId id="338" r:id="rId16"/>
-    <p:sldId id="339" r:id="rId17"/>
+    <p:sldId id="327" r:id="rId6"/>
+    <p:sldId id="330" r:id="rId7"/>
+    <p:sldId id="334" r:id="rId8"/>
+    <p:sldId id="336" r:id="rId9"/>
+    <p:sldId id="337" r:id="rId10"/>
+    <p:sldId id="339" r:id="rId11"/>
   </p:sldIdLst>
   <p:sldSz cx="12192000" cy="6858000"/>
   <p:notesSz cx="6858000" cy="9144000"/>
@@ -153,1146 +147,6 @@
 </p:cmAuthorLst>
 </file>
 
-<file path=ppt/charts/chart1.xml><?xml version="1.0" encoding="utf-8"?>
-<c:chartSpace xmlns:c="http://schemas.openxmlformats.org/drawingml/2006/chart" xmlns:a="http://schemas.openxmlformats.org/drawingml/2006/main" xmlns:r="http://schemas.openxmlformats.org/officeDocument/2006/relationships" xmlns:c16r2="http://schemas.microsoft.com/office/drawing/2015/06/chart">
-  <c:date1904 val="0"/>
-  <c:lang val="en-US"/>
-  <c:roundedCorners val="0"/>
-  <mc:AlternateContent xmlns:mc="http://schemas.openxmlformats.org/markup-compatibility/2006">
-    <mc:Choice xmlns:c14="http://schemas.microsoft.com/office/drawing/2007/8/2/chart" Requires="c14">
-      <c14:style val="102"/>
-    </mc:Choice>
-    <mc:Fallback>
-      <c:style val="2"/>
-    </mc:Fallback>
-  </mc:AlternateContent>
-  <c:chart>
-    <c:autoTitleDeleted val="1"/>
-    <c:plotArea>
-      <c:layout/>
-      <c:barChart>
-        <c:barDir val="bar"/>
-        <c:grouping val="clustered"/>
-        <c:varyColors val="0"/>
-        <c:ser>
-          <c:idx val="0"/>
-          <c:order val="0"/>
-          <c:tx>
-            <c:strRef>
-              <c:f>Sheet1!$B$1</c:f>
-              <c:strCache>
-                <c:ptCount val="1"/>
-                <c:pt idx="0">
-                  <c:v>Series 3</c:v>
-                </c:pt>
-              </c:strCache>
-            </c:strRef>
-          </c:tx>
-          <c:spPr>
-            <a:solidFill>
-              <a:schemeClr val="accent1"/>
-            </a:solidFill>
-            <a:ln>
-              <a:noFill/>
-            </a:ln>
-            <a:effectLst/>
-          </c:spPr>
-          <c:invertIfNegative val="0"/>
-          <c:dLbls>
-            <c:spPr>
-              <a:noFill/>
-              <a:ln>
-                <a:noFill/>
-              </a:ln>
-              <a:effectLst/>
-            </c:spPr>
-            <c:txPr>
-              <a:bodyPr rot="0" spcFirstLastPara="1" vertOverflow="ellipsis" vert="horz" wrap="square" anchor="ctr" anchorCtr="1"/>
-              <a:lstStyle/>
-              <a:p>
-                <a:pPr>
-                  <a:defRPr sz="1400" b="0" i="0" u="none" strike="noStrike" kern="1200" cap="all" baseline="0">
-                    <a:solidFill>
-                      <a:schemeClr val="tx1">
-                        <a:lumMod val="75000"/>
-                        <a:lumOff val="25000"/>
-                      </a:schemeClr>
-                    </a:solidFill>
-                    <a:latin typeface="Daytona Pro Condensed Light" panose="020B0306030503040204" pitchFamily="34" charset="0"/>
-                    <a:ea typeface="+mn-ea"/>
-                    <a:cs typeface="+mn-cs"/>
-                  </a:defRPr>
-                </a:pPr>
-                <a:endParaRPr lang="en-US"/>
-              </a:p>
-            </c:txPr>
-            <c:dLblPos val="outEnd"/>
-            <c:showLegendKey val="0"/>
-            <c:showVal val="1"/>
-            <c:showCatName val="0"/>
-            <c:showSerName val="0"/>
-            <c:showPercent val="0"/>
-            <c:showBubbleSize val="0"/>
-            <c:showLeaderLines val="0"/>
-            <c:extLst>
-              <c:ext xmlns:c15="http://schemas.microsoft.com/office/drawing/2012/chart" uri="{CE6537A1-D6FC-4f65-9D91-7224C49458BB}">
-                <c15:showLeaderLines val="1"/>
-                <c15:leaderLines>
-                  <c:spPr>
-                    <a:ln w="9525" cap="flat" cmpd="sng" algn="ctr">
-                      <a:solidFill>
-                        <a:schemeClr val="tx1">
-                          <a:lumMod val="35000"/>
-                          <a:lumOff val="65000"/>
-                        </a:schemeClr>
-                      </a:solidFill>
-                      <a:round/>
-                    </a:ln>
-                    <a:effectLst/>
-                  </c:spPr>
-                </c15:leaderLines>
-              </c:ext>
-            </c:extLst>
-          </c:dLbls>
-          <c:cat>
-            <c:strRef>
-              <c:f>Sheet1!$A$2:$A$5</c:f>
-              <c:strCache>
-                <c:ptCount val="4"/>
-                <c:pt idx="0">
-                  <c:v>Q4</c:v>
-                </c:pt>
-                <c:pt idx="1">
-                  <c:v>Q3</c:v>
-                </c:pt>
-                <c:pt idx="2">
-                  <c:v>Q2</c:v>
-                </c:pt>
-                <c:pt idx="3">
-                  <c:v>Q1</c:v>
-                </c:pt>
-              </c:strCache>
-            </c:strRef>
-          </c:cat>
-          <c:val>
-            <c:numRef>
-              <c:f>Sheet1!$B$2:$B$5</c:f>
-              <c:numCache>
-                <c:formatCode>_(* #,##0.0_);_(* \(#,##0.0\);_(* "-"??_);_(@_)</c:formatCode>
-                <c:ptCount val="4"/>
-                <c:pt idx="0">
-                  <c:v>4.5</c:v>
-                </c:pt>
-                <c:pt idx="1">
-                  <c:v>3.5</c:v>
-                </c:pt>
-                <c:pt idx="2">
-                  <c:v>2.5</c:v>
-                </c:pt>
-                <c:pt idx="3">
-                  <c:v>4.3</c:v>
-                </c:pt>
-              </c:numCache>
-            </c:numRef>
-          </c:val>
-          <c:extLst>
-            <c:ext xmlns:c16="http://schemas.microsoft.com/office/drawing/2014/chart" uri="{C3380CC4-5D6E-409C-BE32-E72D297353CC}">
-              <c16:uniqueId val="{00000000-CB5A-4DC1-BE56-D923280050CD}"/>
-            </c:ext>
-          </c:extLst>
-        </c:ser>
-        <c:ser>
-          <c:idx val="1"/>
-          <c:order val="1"/>
-          <c:tx>
-            <c:strRef>
-              <c:f>Sheet1!$C$1</c:f>
-              <c:strCache>
-                <c:ptCount val="1"/>
-                <c:pt idx="0">
-                  <c:v>Series 2</c:v>
-                </c:pt>
-              </c:strCache>
-            </c:strRef>
-          </c:tx>
-          <c:spPr>
-            <a:solidFill>
-              <a:schemeClr val="accent3"/>
-            </a:solidFill>
-            <a:ln>
-              <a:noFill/>
-            </a:ln>
-            <a:effectLst/>
-          </c:spPr>
-          <c:invertIfNegative val="0"/>
-          <c:dLbls>
-            <c:spPr>
-              <a:noFill/>
-              <a:ln>
-                <a:noFill/>
-              </a:ln>
-              <a:effectLst/>
-            </c:spPr>
-            <c:txPr>
-              <a:bodyPr rot="0" spcFirstLastPara="1" vertOverflow="ellipsis" vert="horz" wrap="square" anchor="ctr" anchorCtr="1"/>
-              <a:lstStyle/>
-              <a:p>
-                <a:pPr>
-                  <a:defRPr sz="1400" b="0" i="0" u="none" strike="noStrike" kern="1200" cap="all" baseline="0">
-                    <a:solidFill>
-                      <a:schemeClr val="tx1">
-                        <a:lumMod val="75000"/>
-                        <a:lumOff val="25000"/>
-                      </a:schemeClr>
-                    </a:solidFill>
-                    <a:latin typeface="Daytona Pro Condensed Light" panose="020B0306030503040204" pitchFamily="34" charset="0"/>
-                    <a:ea typeface="+mn-ea"/>
-                    <a:cs typeface="+mn-cs"/>
-                  </a:defRPr>
-                </a:pPr>
-                <a:endParaRPr lang="en-US"/>
-              </a:p>
-            </c:txPr>
-            <c:dLblPos val="outEnd"/>
-            <c:showLegendKey val="0"/>
-            <c:showVal val="1"/>
-            <c:showCatName val="0"/>
-            <c:showSerName val="0"/>
-            <c:showPercent val="0"/>
-            <c:showBubbleSize val="0"/>
-            <c:showLeaderLines val="0"/>
-            <c:extLst>
-              <c:ext xmlns:c15="http://schemas.microsoft.com/office/drawing/2012/chart" uri="{CE6537A1-D6FC-4f65-9D91-7224C49458BB}">
-                <c15:showLeaderLines val="1"/>
-                <c15:leaderLines>
-                  <c:spPr>
-                    <a:ln w="9525" cap="flat" cmpd="sng" algn="ctr">
-                      <a:solidFill>
-                        <a:schemeClr val="tx1">
-                          <a:lumMod val="35000"/>
-                          <a:lumOff val="65000"/>
-                        </a:schemeClr>
-                      </a:solidFill>
-                      <a:round/>
-                    </a:ln>
-                    <a:effectLst/>
-                  </c:spPr>
-                </c15:leaderLines>
-              </c:ext>
-            </c:extLst>
-          </c:dLbls>
-          <c:cat>
-            <c:strRef>
-              <c:f>Sheet1!$A$2:$A$5</c:f>
-              <c:strCache>
-                <c:ptCount val="4"/>
-                <c:pt idx="0">
-                  <c:v>Q4</c:v>
-                </c:pt>
-                <c:pt idx="1">
-                  <c:v>Q3</c:v>
-                </c:pt>
-                <c:pt idx="2">
-                  <c:v>Q2</c:v>
-                </c:pt>
-                <c:pt idx="3">
-                  <c:v>Q1</c:v>
-                </c:pt>
-              </c:strCache>
-            </c:strRef>
-          </c:cat>
-          <c:val>
-            <c:numRef>
-              <c:f>Sheet1!$C$2:$C$5</c:f>
-              <c:numCache>
-                <c:formatCode>_(* #,##0.0_);_(* \(#,##0.0\);_(* "-"??_);_(@_)</c:formatCode>
-                <c:ptCount val="4"/>
-                <c:pt idx="0">
-                  <c:v>2.8</c:v>
-                </c:pt>
-                <c:pt idx="1">
-                  <c:v>1.8</c:v>
-                </c:pt>
-                <c:pt idx="2">
-                  <c:v>4.4000000000000004</c:v>
-                </c:pt>
-                <c:pt idx="3">
-                  <c:v>2.4</c:v>
-                </c:pt>
-              </c:numCache>
-            </c:numRef>
-          </c:val>
-          <c:extLst>
-            <c:ext xmlns:c16="http://schemas.microsoft.com/office/drawing/2014/chart" uri="{C3380CC4-5D6E-409C-BE32-E72D297353CC}">
-              <c16:uniqueId val="{00000001-CB5A-4DC1-BE56-D923280050CD}"/>
-            </c:ext>
-          </c:extLst>
-        </c:ser>
-        <c:ser>
-          <c:idx val="2"/>
-          <c:order val="2"/>
-          <c:tx>
-            <c:strRef>
-              <c:f>Sheet1!$D$1</c:f>
-              <c:strCache>
-                <c:ptCount val="1"/>
-                <c:pt idx="0">
-                  <c:v>Series 1</c:v>
-                </c:pt>
-              </c:strCache>
-            </c:strRef>
-          </c:tx>
-          <c:spPr>
-            <a:solidFill>
-              <a:schemeClr val="accent4"/>
-            </a:solidFill>
-            <a:ln>
-              <a:noFill/>
-            </a:ln>
-            <a:effectLst/>
-          </c:spPr>
-          <c:invertIfNegative val="0"/>
-          <c:dLbls>
-            <c:spPr>
-              <a:noFill/>
-              <a:ln>
-                <a:noFill/>
-              </a:ln>
-              <a:effectLst/>
-            </c:spPr>
-            <c:txPr>
-              <a:bodyPr rot="0" spcFirstLastPara="1" vertOverflow="ellipsis" vert="horz" wrap="square" anchor="ctr" anchorCtr="1"/>
-              <a:lstStyle/>
-              <a:p>
-                <a:pPr>
-                  <a:defRPr sz="1400" b="0" i="0" u="none" strike="noStrike" kern="1200" cap="all" baseline="0">
-                    <a:solidFill>
-                      <a:schemeClr val="tx1">
-                        <a:lumMod val="75000"/>
-                        <a:lumOff val="25000"/>
-                      </a:schemeClr>
-                    </a:solidFill>
-                    <a:latin typeface="Daytona Pro Condensed Light" panose="020B0306030503040204" pitchFamily="34" charset="0"/>
-                    <a:ea typeface="+mn-ea"/>
-                    <a:cs typeface="+mn-cs"/>
-                  </a:defRPr>
-                </a:pPr>
-                <a:endParaRPr lang="en-US"/>
-              </a:p>
-            </c:txPr>
-            <c:dLblPos val="outEnd"/>
-            <c:showLegendKey val="0"/>
-            <c:showVal val="1"/>
-            <c:showCatName val="0"/>
-            <c:showSerName val="0"/>
-            <c:showPercent val="0"/>
-            <c:showBubbleSize val="0"/>
-            <c:showLeaderLines val="0"/>
-            <c:extLst>
-              <c:ext xmlns:c15="http://schemas.microsoft.com/office/drawing/2012/chart" uri="{CE6537A1-D6FC-4f65-9D91-7224C49458BB}">
-                <c15:showLeaderLines val="1"/>
-                <c15:leaderLines>
-                  <c:spPr>
-                    <a:ln w="9525" cap="flat" cmpd="sng" algn="ctr">
-                      <a:solidFill>
-                        <a:schemeClr val="tx1">
-                          <a:lumMod val="35000"/>
-                          <a:lumOff val="65000"/>
-                        </a:schemeClr>
-                      </a:solidFill>
-                      <a:round/>
-                    </a:ln>
-                    <a:effectLst/>
-                  </c:spPr>
-                </c15:leaderLines>
-              </c:ext>
-            </c:extLst>
-          </c:dLbls>
-          <c:cat>
-            <c:strRef>
-              <c:f>Sheet1!$A$2:$A$5</c:f>
-              <c:strCache>
-                <c:ptCount val="4"/>
-                <c:pt idx="0">
-                  <c:v>Q4</c:v>
-                </c:pt>
-                <c:pt idx="1">
-                  <c:v>Q3</c:v>
-                </c:pt>
-                <c:pt idx="2">
-                  <c:v>Q2</c:v>
-                </c:pt>
-                <c:pt idx="3">
-                  <c:v>Q1</c:v>
-                </c:pt>
-              </c:strCache>
-            </c:strRef>
-          </c:cat>
-          <c:val>
-            <c:numRef>
-              <c:f>Sheet1!$D$2:$D$5</c:f>
-              <c:numCache>
-                <c:formatCode>_(* #,##0.0_);_(* \(#,##0.0\);_(* "-"??_);_(@_)</c:formatCode>
-                <c:ptCount val="4"/>
-                <c:pt idx="0">
-                  <c:v>5</c:v>
-                </c:pt>
-                <c:pt idx="1">
-                  <c:v>3</c:v>
-                </c:pt>
-                <c:pt idx="2">
-                  <c:v>2</c:v>
-                </c:pt>
-                <c:pt idx="3">
-                  <c:v>2</c:v>
-                </c:pt>
-              </c:numCache>
-            </c:numRef>
-          </c:val>
-          <c:extLst>
-            <c:ext xmlns:c16="http://schemas.microsoft.com/office/drawing/2014/chart" uri="{C3380CC4-5D6E-409C-BE32-E72D297353CC}">
-              <c16:uniqueId val="{00000002-CB5A-4DC1-BE56-D923280050CD}"/>
-            </c:ext>
-          </c:extLst>
-        </c:ser>
-        <c:dLbls>
-          <c:dLblPos val="outEnd"/>
-          <c:showLegendKey val="0"/>
-          <c:showVal val="1"/>
-          <c:showCatName val="0"/>
-          <c:showSerName val="0"/>
-          <c:showPercent val="0"/>
-          <c:showBubbleSize val="0"/>
-        </c:dLbls>
-        <c:gapWidth val="182"/>
-        <c:axId val="1111705064"/>
-        <c:axId val="1111706704"/>
-      </c:barChart>
-      <c:catAx>
-        <c:axId val="1111705064"/>
-        <c:scaling>
-          <c:orientation val="minMax"/>
-        </c:scaling>
-        <c:delete val="0"/>
-        <c:axPos val="l"/>
-        <c:numFmt formatCode="General" sourceLinked="1"/>
-        <c:majorTickMark val="none"/>
-        <c:minorTickMark val="none"/>
-        <c:tickLblPos val="nextTo"/>
-        <c:spPr>
-          <a:noFill/>
-          <a:ln w="9525" cap="flat" cmpd="sng" algn="ctr">
-            <a:solidFill>
-              <a:schemeClr val="tx1">
-                <a:lumMod val="15000"/>
-                <a:lumOff val="85000"/>
-              </a:schemeClr>
-            </a:solidFill>
-            <a:round/>
-          </a:ln>
-          <a:effectLst/>
-        </c:spPr>
-        <c:txPr>
-          <a:bodyPr rot="-60000000" spcFirstLastPara="1" vertOverflow="ellipsis" vert="horz" wrap="square" anchor="ctr" anchorCtr="1"/>
-          <a:lstStyle/>
-          <a:p>
-            <a:pPr>
-              <a:defRPr sz="1400" b="0" i="0" u="none" strike="noStrike" kern="1200" cap="all" baseline="0">
-                <a:solidFill>
-                  <a:schemeClr val="tx1">
-                    <a:lumMod val="65000"/>
-                    <a:lumOff val="35000"/>
-                  </a:schemeClr>
-                </a:solidFill>
-                <a:latin typeface="Daytona Pro Condensed Light" panose="020B0306030503040204" pitchFamily="34" charset="0"/>
-                <a:ea typeface="+mn-ea"/>
-                <a:cs typeface="+mn-cs"/>
-              </a:defRPr>
-            </a:pPr>
-            <a:endParaRPr lang="en-US"/>
-          </a:p>
-        </c:txPr>
-        <c:crossAx val="1111706704"/>
-        <c:crosses val="autoZero"/>
-        <c:auto val="1"/>
-        <c:lblAlgn val="ctr"/>
-        <c:lblOffset val="100"/>
-        <c:noMultiLvlLbl val="0"/>
-      </c:catAx>
-      <c:valAx>
-        <c:axId val="1111706704"/>
-        <c:scaling>
-          <c:orientation val="minMax"/>
-        </c:scaling>
-        <c:delete val="0"/>
-        <c:axPos val="b"/>
-        <c:majorGridlines>
-          <c:spPr>
-            <a:ln w="9525" cap="flat" cmpd="sng" algn="ctr">
-              <a:solidFill>
-                <a:schemeClr val="tx1">
-                  <a:lumMod val="15000"/>
-                  <a:lumOff val="85000"/>
-                </a:schemeClr>
-              </a:solidFill>
-              <a:round/>
-            </a:ln>
-            <a:effectLst/>
-          </c:spPr>
-        </c:majorGridlines>
-        <c:numFmt formatCode="_(* #,##0.0_);_(* \(#,##0.0\);_(* &quot;-&quot;??_);_(@_)" sourceLinked="1"/>
-        <c:majorTickMark val="none"/>
-        <c:minorTickMark val="none"/>
-        <c:tickLblPos val="nextTo"/>
-        <c:spPr>
-          <a:noFill/>
-          <a:ln>
-            <a:noFill/>
-          </a:ln>
-          <a:effectLst/>
-        </c:spPr>
-        <c:txPr>
-          <a:bodyPr rot="-60000000" spcFirstLastPara="1" vertOverflow="ellipsis" vert="horz" wrap="square" anchor="ctr" anchorCtr="1"/>
-          <a:lstStyle/>
-          <a:p>
-            <a:pPr>
-              <a:defRPr sz="1400" b="0" i="0" u="none" strike="noStrike" kern="1200" cap="all" baseline="0">
-                <a:solidFill>
-                  <a:schemeClr val="tx1">
-                    <a:lumMod val="65000"/>
-                    <a:lumOff val="35000"/>
-                  </a:schemeClr>
-                </a:solidFill>
-                <a:latin typeface="Daytona Pro Condensed Light" panose="020B0306030503040204" pitchFamily="34" charset="0"/>
-                <a:ea typeface="+mn-ea"/>
-                <a:cs typeface="+mn-cs"/>
-              </a:defRPr>
-            </a:pPr>
-            <a:endParaRPr lang="en-US"/>
-          </a:p>
-        </c:txPr>
-        <c:crossAx val="1111705064"/>
-        <c:crosses val="autoZero"/>
-        <c:crossBetween val="between"/>
-      </c:valAx>
-      <c:spPr>
-        <a:noFill/>
-        <a:ln>
-          <a:noFill/>
-        </a:ln>
-        <a:effectLst/>
-      </c:spPr>
-    </c:plotArea>
-    <c:legend>
-      <c:legendPos val="b"/>
-      <c:overlay val="0"/>
-      <c:spPr>
-        <a:noFill/>
-        <a:ln>
-          <a:noFill/>
-        </a:ln>
-        <a:effectLst/>
-      </c:spPr>
-      <c:txPr>
-        <a:bodyPr rot="0" spcFirstLastPara="1" vertOverflow="ellipsis" vert="horz" wrap="square" anchor="ctr" anchorCtr="1"/>
-        <a:lstStyle/>
-        <a:p>
-          <a:pPr>
-            <a:defRPr sz="1400" b="0" i="0" u="none" strike="noStrike" kern="1200" cap="all" baseline="0">
-              <a:solidFill>
-                <a:schemeClr val="tx1">
-                  <a:lumMod val="65000"/>
-                  <a:lumOff val="35000"/>
-                </a:schemeClr>
-              </a:solidFill>
-              <a:latin typeface="Daytona Pro Condensed Light" panose="020B0306030503040204" pitchFamily="34" charset="0"/>
-              <a:ea typeface="+mn-ea"/>
-              <a:cs typeface="+mn-cs"/>
-            </a:defRPr>
-          </a:pPr>
-          <a:endParaRPr lang="en-US"/>
-        </a:p>
-      </c:txPr>
-    </c:legend>
-    <c:plotVisOnly val="1"/>
-    <c:dispBlanksAs val="gap"/>
-    <c:extLst>
-      <c:ext xmlns:c16r3="http://schemas.microsoft.com/office/drawing/2017/03/chart" uri="{56B9EC1D-385E-4148-901F-78D8002777C0}">
-        <c16r3:dataDisplayOptions16>
-          <c16r3:dispNaAsBlank val="1"/>
-        </c16r3:dataDisplayOptions16>
-      </c:ext>
-    </c:extLst>
-    <c:showDLblsOverMax val="0"/>
-  </c:chart>
-  <c:spPr>
-    <a:noFill/>
-    <a:ln>
-      <a:noFill/>
-    </a:ln>
-    <a:effectLst/>
-  </c:spPr>
-  <c:txPr>
-    <a:bodyPr/>
-    <a:lstStyle/>
-    <a:p>
-      <a:pPr>
-        <a:defRPr sz="1400" cap="all" baseline="0"/>
-      </a:pPr>
-      <a:endParaRPr lang="en-US"/>
-    </a:p>
-  </c:txPr>
-  <c:externalData r:id="rId3">
-    <c:autoUpdate val="0"/>
-  </c:externalData>
-</c:chartSpace>
-</file>
-
-<file path=ppt/charts/colors1.xml><?xml version="1.0" encoding="utf-8"?>
-<cs:colorStyle xmlns:cs="http://schemas.microsoft.com/office/drawing/2012/chartStyle" xmlns:a="http://schemas.openxmlformats.org/drawingml/2006/main" meth="cycle" id="10">
-  <a:schemeClr val="accent1"/>
-  <a:schemeClr val="accent2"/>
-  <a:schemeClr val="accent3"/>
-  <a:schemeClr val="accent4"/>
-  <a:schemeClr val="accent5"/>
-  <a:schemeClr val="accent6"/>
-  <cs:variation/>
-  <cs:variation>
-    <a:lumMod val="60000"/>
-  </cs:variation>
-  <cs:variation>
-    <a:lumMod val="80000"/>
-    <a:lumOff val="20000"/>
-  </cs:variation>
-  <cs:variation>
-    <a:lumMod val="80000"/>
-  </cs:variation>
-  <cs:variation>
-    <a:lumMod val="60000"/>
-    <a:lumOff val="40000"/>
-  </cs:variation>
-  <cs:variation>
-    <a:lumMod val="50000"/>
-  </cs:variation>
-  <cs:variation>
-    <a:lumMod val="70000"/>
-    <a:lumOff val="30000"/>
-  </cs:variation>
-  <cs:variation>
-    <a:lumMod val="70000"/>
-  </cs:variation>
-  <cs:variation>
-    <a:lumMod val="50000"/>
-    <a:lumOff val="50000"/>
-  </cs:variation>
-</cs:colorStyle>
-</file>
-
-<file path=ppt/charts/style1.xml><?xml version="1.0" encoding="utf-8"?>
-<cs:chartStyle xmlns:cs="http://schemas.microsoft.com/office/drawing/2012/chartStyle" xmlns:a="http://schemas.openxmlformats.org/drawingml/2006/main" id="216">
-  <cs:axisTitle>
-    <cs:lnRef idx="0"/>
-    <cs:fillRef idx="0"/>
-    <cs:effectRef idx="0"/>
-    <cs:fontRef idx="minor">
-      <a:schemeClr val="tx1">
-        <a:lumMod val="65000"/>
-        <a:lumOff val="35000"/>
-      </a:schemeClr>
-    </cs:fontRef>
-    <cs:defRPr sz="1330" kern="1200"/>
-  </cs:axisTitle>
-  <cs:categoryAxis>
-    <cs:lnRef idx="0"/>
-    <cs:fillRef idx="0"/>
-    <cs:effectRef idx="0"/>
-    <cs:fontRef idx="minor">
-      <a:schemeClr val="tx1">
-        <a:lumMod val="65000"/>
-        <a:lumOff val="35000"/>
-      </a:schemeClr>
-    </cs:fontRef>
-    <cs:spPr>
-      <a:ln w="9525" cap="flat" cmpd="sng" algn="ctr">
-        <a:solidFill>
-          <a:schemeClr val="tx1">
-            <a:lumMod val="15000"/>
-            <a:lumOff val="85000"/>
-          </a:schemeClr>
-        </a:solidFill>
-        <a:round/>
-      </a:ln>
-    </cs:spPr>
-    <cs:defRPr sz="1197" kern="1200"/>
-  </cs:categoryAxis>
-  <cs:chartArea mods="allowNoFillOverride allowNoLineOverride">
-    <cs:lnRef idx="0"/>
-    <cs:fillRef idx="0"/>
-    <cs:effectRef idx="0"/>
-    <cs:fontRef idx="minor">
-      <a:schemeClr val="tx1"/>
-    </cs:fontRef>
-    <cs:spPr>
-      <a:solidFill>
-        <a:schemeClr val="bg1"/>
-      </a:solidFill>
-      <a:ln w="9525" cap="flat" cmpd="sng" algn="ctr">
-        <a:solidFill>
-          <a:schemeClr val="tx1">
-            <a:lumMod val="15000"/>
-            <a:lumOff val="85000"/>
-          </a:schemeClr>
-        </a:solidFill>
-        <a:round/>
-      </a:ln>
-    </cs:spPr>
-    <cs:defRPr sz="1330" kern="1200"/>
-  </cs:chartArea>
-  <cs:dataLabel>
-    <cs:lnRef idx="0"/>
-    <cs:fillRef idx="0"/>
-    <cs:effectRef idx="0"/>
-    <cs:fontRef idx="minor">
-      <a:schemeClr val="tx1">
-        <a:lumMod val="75000"/>
-        <a:lumOff val="25000"/>
-      </a:schemeClr>
-    </cs:fontRef>
-    <cs:defRPr sz="1197" kern="1200"/>
-  </cs:dataLabel>
-  <cs:dataLabelCallout>
-    <cs:lnRef idx="0"/>
-    <cs:fillRef idx="0"/>
-    <cs:effectRef idx="0"/>
-    <cs:fontRef idx="minor">
-      <a:schemeClr val="dk1">
-        <a:lumMod val="65000"/>
-        <a:lumOff val="35000"/>
-      </a:schemeClr>
-    </cs:fontRef>
-    <cs:spPr>
-      <a:solidFill>
-        <a:schemeClr val="lt1"/>
-      </a:solidFill>
-      <a:ln>
-        <a:solidFill>
-          <a:schemeClr val="dk1">
-            <a:lumMod val="25000"/>
-            <a:lumOff val="75000"/>
-          </a:schemeClr>
-        </a:solidFill>
-      </a:ln>
-    </cs:spPr>
-    <cs:defRPr sz="1197" kern="1200"/>
-    <cs:bodyPr rot="0" spcFirstLastPara="1" vertOverflow="clip" horzOverflow="clip" vert="horz" wrap="square" lIns="36576" tIns="18288" rIns="36576" bIns="18288" anchor="ctr" anchorCtr="1">
-      <a:spAutoFit/>
-    </cs:bodyPr>
-  </cs:dataLabelCallout>
-  <cs:dataPoint>
-    <cs:lnRef idx="0"/>
-    <cs:fillRef idx="1">
-      <cs:styleClr val="auto"/>
-    </cs:fillRef>
-    <cs:effectRef idx="0"/>
-    <cs:fontRef idx="minor">
-      <a:schemeClr val="tx1"/>
-    </cs:fontRef>
-  </cs:dataPoint>
-  <cs:dataPoint3D>
-    <cs:lnRef idx="0"/>
-    <cs:fillRef idx="1">
-      <cs:styleClr val="auto"/>
-    </cs:fillRef>
-    <cs:effectRef idx="0"/>
-    <cs:fontRef idx="minor">
-      <a:schemeClr val="tx1"/>
-    </cs:fontRef>
-  </cs:dataPoint3D>
-  <cs:dataPointLine>
-    <cs:lnRef idx="0">
-      <cs:styleClr val="auto"/>
-    </cs:lnRef>
-    <cs:fillRef idx="1"/>
-    <cs:effectRef idx="0"/>
-    <cs:fontRef idx="minor">
-      <a:schemeClr val="tx1"/>
-    </cs:fontRef>
-    <cs:spPr>
-      <a:ln w="28575" cap="rnd">
-        <a:solidFill>
-          <a:schemeClr val="phClr"/>
-        </a:solidFill>
-        <a:round/>
-      </a:ln>
-    </cs:spPr>
-  </cs:dataPointLine>
-  <cs:dataPointMarker>
-    <cs:lnRef idx="0">
-      <cs:styleClr val="auto"/>
-    </cs:lnRef>
-    <cs:fillRef idx="1">
-      <cs:styleClr val="auto"/>
-    </cs:fillRef>
-    <cs:effectRef idx="0"/>
-    <cs:fontRef idx="minor">
-      <a:schemeClr val="tx1"/>
-    </cs:fontRef>
-    <cs:spPr>
-      <a:ln w="9525">
-        <a:solidFill>
-          <a:schemeClr val="phClr"/>
-        </a:solidFill>
-      </a:ln>
-    </cs:spPr>
-  </cs:dataPointMarker>
-  <cs:dataPointMarkerLayout symbol="circle" size="5"/>
-  <cs:dataPointWireframe>
-    <cs:lnRef idx="0">
-      <cs:styleClr val="auto"/>
-    </cs:lnRef>
-    <cs:fillRef idx="1"/>
-    <cs:effectRef idx="0"/>
-    <cs:fontRef idx="minor">
-      <a:schemeClr val="tx1"/>
-    </cs:fontRef>
-    <cs:spPr>
-      <a:ln w="9525" cap="rnd">
-        <a:solidFill>
-          <a:schemeClr val="phClr"/>
-        </a:solidFill>
-        <a:round/>
-      </a:ln>
-    </cs:spPr>
-  </cs:dataPointWireframe>
-  <cs:dataTable>
-    <cs:lnRef idx="0"/>
-    <cs:fillRef idx="0"/>
-    <cs:effectRef idx="0"/>
-    <cs:fontRef idx="minor">
-      <a:schemeClr val="tx1">
-        <a:lumMod val="65000"/>
-        <a:lumOff val="35000"/>
-      </a:schemeClr>
-    </cs:fontRef>
-    <cs:spPr>
-      <a:noFill/>
-      <a:ln w="9525" cap="flat" cmpd="sng" algn="ctr">
-        <a:solidFill>
-          <a:schemeClr val="tx1">
-            <a:lumMod val="15000"/>
-            <a:lumOff val="85000"/>
-          </a:schemeClr>
-        </a:solidFill>
-        <a:round/>
-      </a:ln>
-    </cs:spPr>
-    <cs:defRPr sz="1197" kern="1200"/>
-  </cs:dataTable>
-  <cs:downBar>
-    <cs:lnRef idx="0"/>
-    <cs:fillRef idx="0"/>
-    <cs:effectRef idx="0"/>
-    <cs:fontRef idx="minor">
-      <a:schemeClr val="tx1"/>
-    </cs:fontRef>
-    <cs:spPr>
-      <a:solidFill>
-        <a:schemeClr val="dk1">
-          <a:lumMod val="75000"/>
-          <a:lumOff val="25000"/>
-        </a:schemeClr>
-      </a:solidFill>
-      <a:ln w="9525" cap="flat" cmpd="sng" algn="ctr">
-        <a:solidFill>
-          <a:schemeClr val="tx1">
-            <a:lumMod val="65000"/>
-            <a:lumOff val="35000"/>
-          </a:schemeClr>
-        </a:solidFill>
-        <a:round/>
-      </a:ln>
-    </cs:spPr>
-  </cs:downBar>
-  <cs:dropLine>
-    <cs:lnRef idx="0"/>
-    <cs:fillRef idx="0"/>
-    <cs:effectRef idx="0"/>
-    <cs:fontRef idx="minor">
-      <a:schemeClr val="tx1"/>
-    </cs:fontRef>
-    <cs:spPr>
-      <a:ln w="9525" cap="flat" cmpd="sng" algn="ctr">
-        <a:solidFill>
-          <a:schemeClr val="tx1">
-            <a:lumMod val="35000"/>
-            <a:lumOff val="65000"/>
-          </a:schemeClr>
-        </a:solidFill>
-        <a:round/>
-      </a:ln>
-    </cs:spPr>
-  </cs:dropLine>
-  <cs:errorBar>
-    <cs:lnRef idx="0"/>
-    <cs:fillRef idx="0"/>
-    <cs:effectRef idx="0"/>
-    <cs:fontRef idx="minor">
-      <a:schemeClr val="tx1"/>
-    </cs:fontRef>
-    <cs:spPr>
-      <a:ln w="9525" cap="flat" cmpd="sng" algn="ctr">
-        <a:solidFill>
-          <a:schemeClr val="tx1">
-            <a:lumMod val="65000"/>
-            <a:lumOff val="35000"/>
-          </a:schemeClr>
-        </a:solidFill>
-        <a:round/>
-      </a:ln>
-    </cs:spPr>
-  </cs:errorBar>
-  <cs:floor>
-    <cs:lnRef idx="0"/>
-    <cs:fillRef idx="0"/>
-    <cs:effectRef idx="0"/>
-    <cs:fontRef idx="minor">
-      <a:schemeClr val="tx1"/>
-    </cs:fontRef>
-    <cs:spPr>
-      <a:noFill/>
-      <a:ln>
-        <a:noFill/>
-      </a:ln>
-    </cs:spPr>
-  </cs:floor>
-  <cs:gridlineMajor>
-    <cs:lnRef idx="0"/>
-    <cs:fillRef idx="0"/>
-    <cs:effectRef idx="0"/>
-    <cs:fontRef idx="minor">
-      <a:schemeClr val="tx1"/>
-    </cs:fontRef>
-    <cs:spPr>
-      <a:ln w="9525" cap="flat" cmpd="sng" algn="ctr">
-        <a:solidFill>
-          <a:schemeClr val="tx1">
-            <a:lumMod val="15000"/>
-            <a:lumOff val="85000"/>
-          </a:schemeClr>
-        </a:solidFill>
-        <a:round/>
-      </a:ln>
-    </cs:spPr>
-  </cs:gridlineMajor>
-  <cs:gridlineMinor>
-    <cs:lnRef idx="0"/>
-    <cs:fillRef idx="0"/>
-    <cs:effectRef idx="0"/>
-    <cs:fontRef idx="minor">
-      <a:schemeClr val="tx1"/>
-    </cs:fontRef>
-    <cs:spPr>
-      <a:ln w="9525" cap="flat" cmpd="sng" algn="ctr">
-        <a:solidFill>
-          <a:schemeClr val="tx1">
-            <a:lumMod val="5000"/>
-            <a:lumOff val="95000"/>
-          </a:schemeClr>
-        </a:solidFill>
-        <a:round/>
-      </a:ln>
-    </cs:spPr>
-  </cs:gridlineMinor>
-  <cs:hiLoLine>
-    <cs:lnRef idx="0"/>
-    <cs:fillRef idx="0"/>
-    <cs:effectRef idx="0"/>
-    <cs:fontRef idx="minor">
-      <a:schemeClr val="tx1"/>
-    </cs:fontRef>
-    <cs:spPr>
-      <a:ln w="9525" cap="flat" cmpd="sng" algn="ctr">
-        <a:solidFill>
-          <a:schemeClr val="tx1">
-            <a:lumMod val="50000"/>
-            <a:lumOff val="50000"/>
-          </a:schemeClr>
-        </a:solidFill>
-        <a:round/>
-      </a:ln>
-    </cs:spPr>
-  </cs:hiLoLine>
-  <cs:leaderLine>
-    <cs:lnRef idx="0"/>
-    <cs:fillRef idx="0"/>
-    <cs:effectRef idx="0"/>
-    <cs:fontRef idx="minor">
-      <a:schemeClr val="tx1"/>
-    </cs:fontRef>
-    <cs:spPr>
-      <a:ln w="9525" cap="flat" cmpd="sng" algn="ctr">
-        <a:solidFill>
-          <a:schemeClr val="tx1">
-            <a:lumMod val="35000"/>
-            <a:lumOff val="65000"/>
-          </a:schemeClr>
-        </a:solidFill>
-        <a:round/>
-      </a:ln>
-    </cs:spPr>
-  </cs:leaderLine>
-  <cs:legend>
-    <cs:lnRef idx="0"/>
-    <cs:fillRef idx="0"/>
-    <cs:effectRef idx="0"/>
-    <cs:fontRef idx="minor">
-      <a:schemeClr val="tx1">
-        <a:lumMod val="65000"/>
-        <a:lumOff val="35000"/>
-      </a:schemeClr>
-    </cs:fontRef>
-    <cs:defRPr sz="1197" kern="1200"/>
-  </cs:legend>
-  <cs:plotArea mods="allowNoFillOverride allowNoLineOverride">
-    <cs:lnRef idx="0"/>
-    <cs:fillRef idx="0"/>
-    <cs:effectRef idx="0"/>
-    <cs:fontRef idx="minor">
-      <a:schemeClr val="tx1"/>
-    </cs:fontRef>
-  </cs:plotArea>
-  <cs:plotArea3D mods="allowNoFillOverride allowNoLineOverride">
-    <cs:lnRef idx="0"/>
-    <cs:fillRef idx="0"/>
-    <cs:effectRef idx="0"/>
-    <cs:fontRef idx="minor">
-      <a:schemeClr val="tx1"/>
-    </cs:fontRef>
-  </cs:plotArea3D>
-  <cs:seriesAxis>
-    <cs:lnRef idx="0"/>
-    <cs:fillRef idx="0"/>
-    <cs:effectRef idx="0"/>
-    <cs:fontRef idx="minor">
-      <a:schemeClr val="tx1">
-        <a:lumMod val="65000"/>
-        <a:lumOff val="35000"/>
-      </a:schemeClr>
-    </cs:fontRef>
-    <cs:defRPr sz="1197" kern="1200"/>
-  </cs:seriesAxis>
-  <cs:seriesLine>
-    <cs:lnRef idx="0"/>
-    <cs:fillRef idx="0"/>
-    <cs:effectRef idx="0"/>
-    <cs:fontRef idx="minor">
-      <a:schemeClr val="tx1"/>
-    </cs:fontRef>
-    <cs:spPr>
-      <a:ln w="9525" cap="flat" cmpd="sng" algn="ctr">
-        <a:solidFill>
-          <a:schemeClr val="tx1">
-            <a:lumMod val="35000"/>
-            <a:lumOff val="65000"/>
-          </a:schemeClr>
-        </a:solidFill>
-        <a:round/>
-      </a:ln>
-    </cs:spPr>
-  </cs:seriesLine>
-  <cs:title>
-    <cs:lnRef idx="0"/>
-    <cs:fillRef idx="0"/>
-    <cs:effectRef idx="0"/>
-    <cs:fontRef idx="minor">
-      <a:schemeClr val="tx1">
-        <a:lumMod val="65000"/>
-        <a:lumOff val="35000"/>
-      </a:schemeClr>
-    </cs:fontRef>
-    <cs:defRPr sz="1862" b="0" kern="1200" spc="0" baseline="0"/>
-  </cs:title>
-  <cs:trendline>
-    <cs:lnRef idx="0">
-      <cs:styleClr val="auto"/>
-    </cs:lnRef>
-    <cs:fillRef idx="0"/>
-    <cs:effectRef idx="0"/>
-    <cs:fontRef idx="minor">
-      <a:schemeClr val="tx1"/>
-    </cs:fontRef>
-    <cs:spPr>
-      <a:ln w="19050" cap="rnd">
-        <a:solidFill>
-          <a:schemeClr val="phClr"/>
-        </a:solidFill>
-        <a:prstDash val="sysDot"/>
-      </a:ln>
-    </cs:spPr>
-  </cs:trendline>
-  <cs:trendlineLabel>
-    <cs:lnRef idx="0"/>
-    <cs:fillRef idx="0"/>
-    <cs:effectRef idx="0"/>
-    <cs:fontRef idx="minor">
-      <a:schemeClr val="tx1">
-        <a:lumMod val="65000"/>
-        <a:lumOff val="35000"/>
-      </a:schemeClr>
-    </cs:fontRef>
-    <cs:defRPr sz="1197" kern="1200"/>
-  </cs:trendlineLabel>
-  <cs:upBar>
-    <cs:lnRef idx="0"/>
-    <cs:fillRef idx="0"/>
-    <cs:effectRef idx="0"/>
-    <cs:fontRef idx="minor">
-      <a:schemeClr val="tx1"/>
-    </cs:fontRef>
-    <cs:spPr>
-      <a:solidFill>
-        <a:schemeClr val="lt1"/>
-      </a:solidFill>
-      <a:ln w="9525" cap="flat" cmpd="sng" algn="ctr">
-        <a:solidFill>
-          <a:schemeClr val="tx1">
-            <a:lumMod val="65000"/>
-            <a:lumOff val="35000"/>
-          </a:schemeClr>
-        </a:solidFill>
-        <a:round/>
-      </a:ln>
-    </cs:spPr>
-  </cs:upBar>
-  <cs:valueAxis>
-    <cs:lnRef idx="0"/>
-    <cs:fillRef idx="0"/>
-    <cs:effectRef idx="0"/>
-    <cs:fontRef idx="minor">
-      <a:schemeClr val="tx1">
-        <a:lumMod val="65000"/>
-        <a:lumOff val="35000"/>
-      </a:schemeClr>
-    </cs:fontRef>
-    <cs:defRPr sz="1197" kern="1200"/>
-  </cs:valueAxis>
-  <cs:wall>
-    <cs:lnRef idx="0"/>
-    <cs:fillRef idx="0"/>
-    <cs:effectRef idx="0"/>
-    <cs:fontRef idx="minor">
-      <a:schemeClr val="tx1"/>
-    </cs:fontRef>
-    <cs:spPr>
-      <a:noFill/>
-      <a:ln>
-        <a:noFill/>
-      </a:ln>
-    </cs:spPr>
-  </cs:wall>
-</cs:chartStyle>
-</file>
-
 <file path=ppt/handoutMasters/handoutMaster1.xml><?xml version="1.0" encoding="utf-8"?>
 <p:handoutMaster xmlns:a="http://schemas.openxmlformats.org/drawingml/2006/main" xmlns:r="http://schemas.openxmlformats.org/officeDocument/2006/relationships" xmlns:p="http://schemas.openxmlformats.org/presentationml/2006/main">
   <p:cSld>
@@ -1387,7 +241,7 @@
           <a:p>
             <a:fld id="{7FF95820-84BB-3447-8286-60A51307E7F2}" type="datetimeFigureOut">
               <a:rPr lang="en-US" smtClean="0"/>
-              <a:t>12/6/2022</a:t>
+              <a:t>12/8/2022</a:t>
             </a:fld>
             <a:endParaRPr lang="en-US" dirty="0"/>
           </a:p>
@@ -1565,7 +419,7 @@
           <a:p>
             <a:fld id="{FC08FC54-6AE4-6A4A-9756-823A0F1BE5A6}" type="datetimeFigureOut">
               <a:rPr lang="en-US" smtClean="0"/>
-              <a:t>12/6/2022</a:t>
+              <a:t>12/8/2022</a:t>
             </a:fld>
             <a:endParaRPr lang="en-US" dirty="0"/>
           </a:p>
@@ -12536,7 +11390,7 @@
       </p:grpSpPr>
       <p:pic>
         <p:nvPicPr>
-          <p:cNvPr id="5" name="Picture Placeholder 4" descr="A petri dish with some transparent capsules">
+          <p:cNvPr id="5" name="Picture Placeholder 4">
             <a:extLst>
               <a:ext uri="{FF2B5EF4-FFF2-40B4-BE49-F238E27FC236}">
                 <a16:creationId xmlns:a16="http://schemas.microsoft.com/office/drawing/2014/main" id="{F8B829FC-0ACD-46C3-5D7E-74FB2C721D7D}"/>
@@ -12554,27 +11408,38 @@
           <a:blip r:embed="rId2">
             <a:clrChange>
               <a:clrFrom>
-                <a:srgbClr val="F3F4F9"/>
+                <a:srgbClr val="A9A9A9"/>
               </a:clrFrom>
               <a:clrTo>
-                <a:srgbClr val="F3F4F9">
+                <a:srgbClr val="A9A9A9">
                   <a:alpha val="0"/>
                 </a:srgbClr>
               </a:clrTo>
             </a:clrChange>
-            <a:alphaModFix amt="65000"/>
-            <a:extLst>
-              <a:ext uri="{28A0092B-C50C-407E-A947-70E740481C1C}">
-                <a14:useLocalDpi xmlns:a14="http://schemas.microsoft.com/office/drawing/2010/main" val="0"/>
+            <a:extLst>
+              <a:ext uri="{BEBA8EAE-BF5A-486C-A8C5-ECC9F3942E4B}">
+                <a14:imgProps xmlns:a14="http://schemas.microsoft.com/office/drawing/2010/main">
+                  <a14:imgLayer r:embed="rId3">
+                    <a14:imgEffect>
+                      <a14:artisticWatercolorSponge/>
+                    </a14:imgEffect>
+                    <a14:imgEffect>
+                      <a14:brightnessContrast bright="20000" contrast="-40000"/>
+                    </a14:imgEffect>
+                  </a14:imgLayer>
+                </a14:imgProps>
               </a:ext>
             </a:extLst>
           </a:blip>
           <a:srcRect/>
-          <a:stretch>
-            <a:fillRect/>
-          </a:stretch>
+          <a:stretch/>
         </p:blipFill>
-        <p:spPr/>
+        <p:spPr>
+          <a:xfrm>
+            <a:off x="2004503" y="608030"/>
+            <a:ext cx="7760933" cy="5173955"/>
+          </a:xfrm>
+        </p:spPr>
       </p:pic>
       <p:sp>
         <p:nvSpPr>
@@ -12650,7 +11515,7 @@
 </p:sld>
 </file>
 
-<file path=ppt/slides/slide10.xml><?xml version="1.0" encoding="utf-8"?>
+<file path=ppt/slides/slide2.xml><?xml version="1.0" encoding="utf-8"?>
 <p:sld xmlns:a="http://schemas.openxmlformats.org/drawingml/2006/main" xmlns:r="http://schemas.openxmlformats.org/officeDocument/2006/relationships" xmlns:p="http://schemas.openxmlformats.org/presentationml/2006/main">
   <p:cSld>
     <p:spTree>
@@ -12667,12 +11532,40 @@
           <a:chExt cx="0" cy="0"/>
         </a:xfrm>
       </p:grpSpPr>
+      <p:sp>
+        <p:nvSpPr>
+          <p:cNvPr id="2" name="Title 1">
+            <a:extLst>
+              <a:ext uri="{FF2B5EF4-FFF2-40B4-BE49-F238E27FC236}">
+                <a16:creationId xmlns:a16="http://schemas.microsoft.com/office/drawing/2014/main" id="{F0984788-646A-CF90-D67D-14752A71745D}"/>
+              </a:ext>
+            </a:extLst>
+          </p:cNvPr>
+          <p:cNvSpPr>
+            <a:spLocks noGrp="1"/>
+          </p:cNvSpPr>
+          <p:nvPr>
+            <p:ph type="title"/>
+          </p:nvPr>
+        </p:nvSpPr>
+        <p:spPr/>
+        <p:txBody>
+          <a:bodyPr/>
+          <a:lstStyle/>
+          <a:p>
+            <a:r>
+              <a:rPr lang="en-US" dirty="0"/>
+              <a:t>Introduction</a:t>
+            </a:r>
+          </a:p>
+        </p:txBody>
+      </p:sp>
       <p:pic>
         <p:nvPicPr>
-          <p:cNvPr id="39" name="Picture Placeholder 38" descr="White DNA structure">
-            <a:extLst>
-              <a:ext uri="{FF2B5EF4-FFF2-40B4-BE49-F238E27FC236}">
-                <a16:creationId xmlns:a16="http://schemas.microsoft.com/office/drawing/2014/main" id="{F90B3248-E185-8C9D-93CE-A79DE50A6F35}"/>
+          <p:cNvPr id="7" name="Picture Placeholder 6">
+            <a:extLst>
+              <a:ext uri="{FF2B5EF4-FFF2-40B4-BE49-F238E27FC236}">
+                <a16:creationId xmlns:a16="http://schemas.microsoft.com/office/drawing/2014/main" id="{7FFC92DA-E590-4A49-8738-10A5D4DBBE6E}"/>
               </a:ext>
             </a:extLst>
           </p:cNvPr>
@@ -12684,518 +11577,13 @@
           </p:nvPr>
         </p:nvPicPr>
         <p:blipFill>
-          <a:blip r:embed="rId2">
-            <a:extLst>
-              <a:ext uri="{28A0092B-C50C-407E-A947-70E740481C1C}">
-                <a14:useLocalDpi xmlns:a14="http://schemas.microsoft.com/office/drawing/2010/main" val="0"/>
-              </a:ext>
-            </a:extLst>
-          </a:blip>
-          <a:srcRect/>
-          <a:stretch>
-            <a:fillRect/>
-          </a:stretch>
-        </p:blipFill>
-        <p:spPr/>
-      </p:pic>
-      <p:sp>
-        <p:nvSpPr>
-          <p:cNvPr id="48" name="Rectangle 47">
-            <a:extLst>
-              <a:ext uri="{FF2B5EF4-FFF2-40B4-BE49-F238E27FC236}">
-                <a16:creationId xmlns:a16="http://schemas.microsoft.com/office/drawing/2014/main" id="{217F23FC-AC97-DC78-C63F-66C5BF23A07A}"/>
-              </a:ext>
-              <a:ext uri="{C183D7F6-B498-43B3-948B-1728B52AA6E4}">
-                <adec:decorative xmlns:adec="http://schemas.microsoft.com/office/drawing/2017/decorative" val="1"/>
-              </a:ext>
-            </a:extLst>
-          </p:cNvPr>
-          <p:cNvSpPr/>
-          <p:nvPr/>
-        </p:nvSpPr>
-        <p:spPr>
-          <a:xfrm>
-            <a:off x="2120552" y="12357"/>
-            <a:ext cx="10071448" cy="6858000"/>
-          </a:xfrm>
-          <a:prstGeom prst="rect">
-            <a:avLst/>
-          </a:prstGeom>
-          <a:gradFill>
-            <a:gsLst>
-              <a:gs pos="0">
-                <a:schemeClr val="bg1">
-                  <a:alpha val="0"/>
-                </a:schemeClr>
-              </a:gs>
-              <a:gs pos="42000">
-                <a:schemeClr val="bg1"/>
-              </a:gs>
-            </a:gsLst>
-            <a:lin ang="0" scaled="0"/>
-          </a:gradFill>
-          <a:ln>
-            <a:noFill/>
-          </a:ln>
-        </p:spPr>
-        <p:style>
-          <a:lnRef idx="2">
-            <a:schemeClr val="accent1">
-              <a:shade val="50000"/>
-            </a:schemeClr>
-          </a:lnRef>
-          <a:fillRef idx="1">
-            <a:schemeClr val="accent1"/>
-          </a:fillRef>
-          <a:effectRef idx="0">
-            <a:schemeClr val="accent1"/>
-          </a:effectRef>
-          <a:fontRef idx="minor">
-            <a:schemeClr val="lt1"/>
-          </a:fontRef>
-        </p:style>
-        <p:txBody>
-          <a:bodyPr rtlCol="0" anchor="ctr"/>
-          <a:lstStyle/>
-          <a:p>
-            <a:pPr algn="ctr"/>
-            <a:endParaRPr lang="en-US" dirty="0"/>
-          </a:p>
-        </p:txBody>
-      </p:sp>
-      <p:sp>
-        <p:nvSpPr>
-          <p:cNvPr id="3" name="Title 2">
-            <a:extLst>
-              <a:ext uri="{FF2B5EF4-FFF2-40B4-BE49-F238E27FC236}">
-                <a16:creationId xmlns:a16="http://schemas.microsoft.com/office/drawing/2014/main" id="{B3E315A2-4CED-23BB-CA3C-C8962E2419FD}"/>
-              </a:ext>
-            </a:extLst>
-          </p:cNvPr>
-          <p:cNvSpPr>
-            <a:spLocks noGrp="1"/>
-          </p:cNvSpPr>
-          <p:nvPr>
-            <p:ph type="title"/>
-          </p:nvPr>
-        </p:nvSpPr>
-        <p:spPr/>
-        <p:txBody>
-          <a:bodyPr/>
-          <a:lstStyle/>
-          <a:p>
-            <a:r>
-              <a:rPr lang="en-US" dirty="0"/>
-              <a:t>Areas of focus</a:t>
-            </a:r>
-          </a:p>
-        </p:txBody>
-      </p:sp>
-      <p:sp>
-        <p:nvSpPr>
-          <p:cNvPr id="9" name="Footer Placeholder 8">
-            <a:extLst>
-              <a:ext uri="{FF2B5EF4-FFF2-40B4-BE49-F238E27FC236}">
-                <a16:creationId xmlns:a16="http://schemas.microsoft.com/office/drawing/2014/main" id="{90FCB302-A0EE-7CF7-A4B2-ED343BFF9BC0}"/>
-              </a:ext>
-            </a:extLst>
-          </p:cNvPr>
-          <p:cNvSpPr>
-            <a:spLocks noGrp="1"/>
-          </p:cNvSpPr>
-          <p:nvPr>
-            <p:ph type="ftr" sz="quarter" idx="12"/>
-          </p:nvPr>
-        </p:nvSpPr>
-        <p:spPr/>
-        <p:txBody>
-          <a:bodyPr/>
-          <a:lstStyle/>
-          <a:p>
-            <a:r>
-              <a:rPr lang="en-US" dirty="0"/>
-              <a:t>presentation title</a:t>
-            </a:r>
-          </a:p>
-        </p:txBody>
-      </p:sp>
-      <p:sp>
-        <p:nvSpPr>
-          <p:cNvPr id="8" name="Slide Number Placeholder 7">
-            <a:extLst>
-              <a:ext uri="{FF2B5EF4-FFF2-40B4-BE49-F238E27FC236}">
-                <a16:creationId xmlns:a16="http://schemas.microsoft.com/office/drawing/2014/main" id="{2205EC8C-AC41-F14C-3C63-5BF0F54D1D23}"/>
-              </a:ext>
-            </a:extLst>
-          </p:cNvPr>
-          <p:cNvSpPr>
-            <a:spLocks noGrp="1"/>
-          </p:cNvSpPr>
-          <p:nvPr>
-            <p:ph type="sldNum" sz="quarter" idx="11"/>
-          </p:nvPr>
-        </p:nvSpPr>
-        <p:spPr/>
-        <p:txBody>
-          <a:bodyPr/>
-          <a:lstStyle/>
-          <a:p>
-            <a:fld id="{75DF2D63-3FF5-D547-96B9-BE9CCD1ABA58}" type="slidenum">
-              <a:rPr lang="en-US" smtClean="0"/>
-              <a:pPr/>
-              <a:t>10</a:t>
-            </a:fld>
-            <a:endParaRPr lang="en-US" dirty="0"/>
-          </a:p>
-        </p:txBody>
-      </p:sp>
-      <p:sp>
-        <p:nvSpPr>
-          <p:cNvPr id="4" name="Text Placeholder 3">
-            <a:extLst>
-              <a:ext uri="{FF2B5EF4-FFF2-40B4-BE49-F238E27FC236}">
-                <a16:creationId xmlns:a16="http://schemas.microsoft.com/office/drawing/2014/main" id="{DB4489FD-4F12-40A7-1EA9-79A941933E98}"/>
-              </a:ext>
-            </a:extLst>
-          </p:cNvPr>
-          <p:cNvSpPr>
-            <a:spLocks noGrp="1"/>
-          </p:cNvSpPr>
-          <p:nvPr>
-            <p:ph type="body" idx="1"/>
-          </p:nvPr>
-        </p:nvSpPr>
-        <p:spPr/>
-        <p:txBody>
-          <a:bodyPr/>
-          <a:lstStyle/>
-          <a:p>
-            <a:r>
-              <a:rPr lang="en-US" dirty="0"/>
-              <a:t>B2B market</a:t>
-            </a:r>
-            <a:br>
-              <a:rPr lang="en-US" dirty="0"/>
-            </a:br>
-            <a:r>
-              <a:rPr lang="en-US" dirty="0"/>
-              <a:t>scenarios</a:t>
-            </a:r>
-          </a:p>
-        </p:txBody>
-      </p:sp>
-      <p:sp>
-        <p:nvSpPr>
-          <p:cNvPr id="5" name="Content Placeholder 4">
-            <a:extLst>
-              <a:ext uri="{FF2B5EF4-FFF2-40B4-BE49-F238E27FC236}">
-                <a16:creationId xmlns:a16="http://schemas.microsoft.com/office/drawing/2014/main" id="{9BCDA136-13F8-70CB-CDA2-02260A2D2D59}"/>
-              </a:ext>
-            </a:extLst>
-          </p:cNvPr>
-          <p:cNvSpPr>
-            <a:spLocks noGrp="1"/>
-          </p:cNvSpPr>
-          <p:nvPr>
-            <p:ph sz="half" idx="2"/>
-          </p:nvPr>
-        </p:nvSpPr>
-        <p:spPr/>
-        <p:txBody>
-          <a:bodyPr/>
-          <a:lstStyle/>
-          <a:p>
-            <a:r>
-              <a:rPr lang="en-US" dirty="0"/>
-              <a:t>Develop winning strategies to keep ahead of the competition</a:t>
-            </a:r>
-          </a:p>
-          <a:p>
-            <a:r>
-              <a:rPr lang="en-US" dirty="0"/>
-              <a:t>Capitalize on low hanging fruit to identify a ballpark value</a:t>
-            </a:r>
-          </a:p>
-          <a:p>
-            <a:r>
-              <a:rPr lang="en-US" dirty="0"/>
-              <a:t>Visualize customer directed convergence</a:t>
-            </a:r>
-          </a:p>
-          <a:p>
-            <a:endParaRPr lang="en-US" dirty="0"/>
-          </a:p>
-          <a:p>
-            <a:endParaRPr lang="en-US" dirty="0"/>
-          </a:p>
-        </p:txBody>
-      </p:sp>
-      <p:sp>
-        <p:nvSpPr>
-          <p:cNvPr id="6" name="Text Placeholder 5">
-            <a:extLst>
-              <a:ext uri="{FF2B5EF4-FFF2-40B4-BE49-F238E27FC236}">
-                <a16:creationId xmlns:a16="http://schemas.microsoft.com/office/drawing/2014/main" id="{16743F76-FD81-DAAA-A5BA-6E77D3B83F8A}"/>
-              </a:ext>
-            </a:extLst>
-          </p:cNvPr>
-          <p:cNvSpPr>
-            <a:spLocks noGrp="1"/>
-          </p:cNvSpPr>
-          <p:nvPr>
-            <p:ph type="body" sz="quarter" idx="3"/>
-          </p:nvPr>
-        </p:nvSpPr>
-        <p:spPr/>
-        <p:txBody>
-          <a:bodyPr/>
-          <a:lstStyle/>
-          <a:p>
-            <a:r>
-              <a:rPr lang="en-US" dirty="0"/>
-              <a:t>Cloud-based opportunities</a:t>
-            </a:r>
-          </a:p>
-        </p:txBody>
-      </p:sp>
-      <p:sp>
-        <p:nvSpPr>
-          <p:cNvPr id="7" name="Content Placeholder 6">
-            <a:extLst>
-              <a:ext uri="{FF2B5EF4-FFF2-40B4-BE49-F238E27FC236}">
-                <a16:creationId xmlns:a16="http://schemas.microsoft.com/office/drawing/2014/main" id="{2455F573-DF2A-FE60-2B86-5E131463642E}"/>
-              </a:ext>
-            </a:extLst>
-          </p:cNvPr>
-          <p:cNvSpPr>
-            <a:spLocks noGrp="1"/>
-          </p:cNvSpPr>
-          <p:nvPr>
-            <p:ph sz="quarter" idx="4"/>
-          </p:nvPr>
-        </p:nvSpPr>
-        <p:spPr/>
-        <p:txBody>
-          <a:bodyPr/>
-          <a:lstStyle/>
-          <a:p>
-            <a:r>
-              <a:rPr lang="en-US" dirty="0"/>
-              <a:t>Iterative approaches to corporate strategy</a:t>
-            </a:r>
-          </a:p>
-          <a:p>
-            <a:r>
-              <a:rPr lang="en-US" dirty="0"/>
-              <a:t>Establish a management framework from the inside</a:t>
-            </a:r>
-          </a:p>
-          <a:p>
-            <a:endParaRPr lang="en-US" dirty="0"/>
-          </a:p>
-          <a:p>
-            <a:endParaRPr lang="en-US" dirty="0"/>
-          </a:p>
-        </p:txBody>
-      </p:sp>
-      <p:cxnSp>
-        <p:nvCxnSpPr>
-          <p:cNvPr id="27" name="Straight Connector 26">
-            <a:extLst>
-              <a:ext uri="{FF2B5EF4-FFF2-40B4-BE49-F238E27FC236}">
-                <a16:creationId xmlns:a16="http://schemas.microsoft.com/office/drawing/2014/main" id="{E4A534A3-16E3-79AB-9E75-F40D0FDB4C98}"/>
-              </a:ext>
-              <a:ext uri="{C183D7F6-B498-43B3-948B-1728B52AA6E4}">
-                <adec:decorative xmlns:adec="http://schemas.microsoft.com/office/drawing/2017/decorative" val="1"/>
-              </a:ext>
-            </a:extLst>
-          </p:cNvPr>
-          <p:cNvCxnSpPr>
-            <a:cxnSpLocks/>
-          </p:cNvCxnSpPr>
-          <p:nvPr/>
-        </p:nvCxnSpPr>
-        <p:spPr>
-          <a:xfrm>
-            <a:off x="649224" y="2667000"/>
-            <a:ext cx="0" cy="3124200"/>
-          </a:xfrm>
-          <a:prstGeom prst="line">
-            <a:avLst/>
-          </a:prstGeom>
-          <a:ln w="12700">
-            <a:solidFill>
-              <a:schemeClr val="accent1"/>
-            </a:solidFill>
-          </a:ln>
-        </p:spPr>
-        <p:style>
-          <a:lnRef idx="1">
-            <a:schemeClr val="accent1"/>
-          </a:lnRef>
-          <a:fillRef idx="0">
-            <a:schemeClr val="accent1"/>
-          </a:fillRef>
-          <a:effectRef idx="0">
-            <a:schemeClr val="accent1"/>
-          </a:effectRef>
-          <a:fontRef idx="minor">
-            <a:schemeClr val="tx1"/>
-          </a:fontRef>
-        </p:style>
-      </p:cxnSp>
-    </p:spTree>
-    <p:extLst>
-      <p:ext uri="{BB962C8B-B14F-4D97-AF65-F5344CB8AC3E}">
-        <p14:creationId xmlns:p14="http://schemas.microsoft.com/office/powerpoint/2010/main" val="2499958832"/>
-      </p:ext>
-    </p:extLst>
-  </p:cSld>
-  <p:clrMapOvr>
-    <a:masterClrMapping/>
-  </p:clrMapOvr>
-</p:sld>
-</file>
-
-<file path=ppt/slides/slide11.xml><?xml version="1.0" encoding="utf-8"?>
-<p:sld xmlns:a="http://schemas.openxmlformats.org/drawingml/2006/main" xmlns:r="http://schemas.openxmlformats.org/officeDocument/2006/relationships" xmlns:p="http://schemas.openxmlformats.org/presentationml/2006/main">
-  <p:cSld>
-    <p:spTree>
-      <p:nvGrpSpPr>
-        <p:cNvPr id="1" name=""/>
-        <p:cNvGrpSpPr/>
-        <p:nvPr/>
-      </p:nvGrpSpPr>
-      <p:grpSpPr>
-        <a:xfrm>
-          <a:off x="0" y="0"/>
-          <a:ext cx="0" cy="0"/>
-          <a:chOff x="0" y="0"/>
-          <a:chExt cx="0" cy="0"/>
-        </a:xfrm>
-      </p:grpSpPr>
-      <p:sp>
-        <p:nvSpPr>
-          <p:cNvPr id="2" name="Title 1">
-            <a:extLst>
-              <a:ext uri="{FF2B5EF4-FFF2-40B4-BE49-F238E27FC236}">
-                <a16:creationId xmlns:a16="http://schemas.microsoft.com/office/drawing/2014/main" id="{FE92A9E4-3B33-8623-FB27-6D7248C372EA}"/>
-              </a:ext>
-            </a:extLst>
-          </p:cNvPr>
-          <p:cNvSpPr>
-            <a:spLocks noGrp="1"/>
-          </p:cNvSpPr>
-          <p:nvPr>
-            <p:ph type="title"/>
-          </p:nvPr>
-        </p:nvSpPr>
-        <p:spPr/>
-        <p:txBody>
-          <a:bodyPr/>
-          <a:lstStyle/>
-          <a:p>
-            <a:r>
-              <a:rPr lang="en-US" dirty="0"/>
-              <a:t>How we </a:t>
-            </a:r>
-            <a:br>
-              <a:rPr lang="en-US" dirty="0"/>
-            </a:br>
-            <a:r>
-              <a:rPr lang="en-US" dirty="0"/>
-              <a:t>got there</a:t>
-            </a:r>
-          </a:p>
-        </p:txBody>
-      </p:sp>
-      <p:sp>
-        <p:nvSpPr>
-          <p:cNvPr id="8" name="Footer Placeholder 7">
-            <a:extLst>
-              <a:ext uri="{FF2B5EF4-FFF2-40B4-BE49-F238E27FC236}">
-                <a16:creationId xmlns:a16="http://schemas.microsoft.com/office/drawing/2014/main" id="{8B1640E3-ACD2-7360-A022-281862D31457}"/>
-              </a:ext>
-            </a:extLst>
-          </p:cNvPr>
-          <p:cNvSpPr>
-            <a:spLocks noGrp="1"/>
-          </p:cNvSpPr>
-          <p:nvPr>
-            <p:ph type="ftr" sz="quarter" idx="12"/>
-          </p:nvPr>
-        </p:nvSpPr>
-        <p:spPr/>
-        <p:txBody>
-          <a:bodyPr/>
-          <a:lstStyle/>
-          <a:p>
-            <a:r>
-              <a:rPr lang="en-US" dirty="0"/>
-              <a:t>presentation title</a:t>
-            </a:r>
-          </a:p>
-        </p:txBody>
-      </p:sp>
-      <p:sp>
-        <p:nvSpPr>
-          <p:cNvPr id="7" name="Slide Number Placeholder 6">
-            <a:extLst>
-              <a:ext uri="{FF2B5EF4-FFF2-40B4-BE49-F238E27FC236}">
-                <a16:creationId xmlns:a16="http://schemas.microsoft.com/office/drawing/2014/main" id="{E5076FCA-E5D9-5BC6-F8F1-95D9E5569449}"/>
-              </a:ext>
-            </a:extLst>
-          </p:cNvPr>
-          <p:cNvSpPr>
-            <a:spLocks noGrp="1"/>
-          </p:cNvSpPr>
-          <p:nvPr>
-            <p:ph type="sldNum" sz="quarter" idx="11"/>
-          </p:nvPr>
-        </p:nvSpPr>
-        <p:spPr/>
-        <p:txBody>
-          <a:bodyPr/>
-          <a:lstStyle/>
-          <a:p>
-            <a:fld id="{75DF2D63-3FF5-D547-96B9-BE9CCD1ABA58}" type="slidenum">
-              <a:rPr lang="en-US" smtClean="0"/>
-              <a:t>11</a:t>
-            </a:fld>
-            <a:endParaRPr lang="en-US" dirty="0"/>
-          </a:p>
-        </p:txBody>
-      </p:sp>
-      <p:pic>
-        <p:nvPicPr>
-          <p:cNvPr id="18" name="Picture Placeholder 17" descr="Scientist looking at a test tube">
-            <a:extLst>
-              <a:ext uri="{FF2B5EF4-FFF2-40B4-BE49-F238E27FC236}">
-                <a16:creationId xmlns:a16="http://schemas.microsoft.com/office/drawing/2014/main" id="{1FB107C6-83C2-4539-D841-857D29AC76A1}"/>
-              </a:ext>
-            </a:extLst>
-          </p:cNvPr>
-          <p:cNvPicPr>
-            <a:picLocks noGrp="1" noChangeAspect="1"/>
-          </p:cNvPicPr>
-          <p:nvPr>
-            <p:ph type="pic" sz="quarter" idx="14"/>
-          </p:nvPr>
-        </p:nvPicPr>
-        <p:blipFill>
-          <a:blip r:embed="rId2">
-            <a:extLst>
-              <a:ext uri="{28A0092B-C50C-407E-A947-70E740481C1C}">
-                <a14:useLocalDpi xmlns:a14="http://schemas.microsoft.com/office/drawing/2010/main" val="0"/>
-              </a:ext>
-            </a:extLst>
-          </a:blip>
+          <a:blip r:embed="rId2"/>
           <a:srcRect/>
           <a:stretch/>
         </p:blipFill>
         <p:spPr>
           <a:xfrm>
-            <a:off x="1298575" y="612775"/>
+            <a:off x="1298575" y="1828800"/>
             <a:ext cx="3200400" cy="3200400"/>
           </a:xfrm>
           <a:custGeom>
@@ -13262,59 +11650,20 @@
           </a:custGeom>
         </p:spPr>
       </p:pic>
-      <p:pic>
-        <p:nvPicPr>
-          <p:cNvPr id="15" name="Picture Placeholder 17" descr="Nerve with solid fill">
-            <a:extLst>
-              <a:ext uri="{FF2B5EF4-FFF2-40B4-BE49-F238E27FC236}">
-                <a16:creationId xmlns:a16="http://schemas.microsoft.com/office/drawing/2014/main" id="{D6EBC2A8-A6B3-B04E-41A4-25A9A0676AD0}"/>
-              </a:ext>
-            </a:extLst>
-          </p:cNvPr>
-          <p:cNvPicPr>
-            <a:picLocks noGrp="1" noChangeAspect="1"/>
-          </p:cNvPicPr>
-          <p:nvPr>
-            <p:ph type="pic" sz="quarter" idx="17"/>
-          </p:nvPr>
-        </p:nvPicPr>
-        <p:blipFill>
-          <a:blip r:embed="rId3">
-            <a:extLst>
-              <a:ext uri="{28A0092B-C50C-407E-A947-70E740481C1C}">
-                <a14:useLocalDpi xmlns:a14="http://schemas.microsoft.com/office/drawing/2010/main" val="0"/>
-              </a:ext>
-              <a:ext uri="{96DAC541-7B7A-43D3-8B79-37D633B846F1}">
-                <asvg:svgBlip xmlns:asvg="http://schemas.microsoft.com/office/drawing/2016/SVG/main" r:embed="rId4"/>
-              </a:ext>
-            </a:extLst>
-          </a:blip>
-          <a:srcRect/>
-          <a:stretch>
-            <a:fillRect/>
-          </a:stretch>
-        </p:blipFill>
-        <p:spPr>
-          <a:xfrm>
-            <a:off x="6245225" y="704850"/>
-            <a:ext cx="914400" cy="914400"/>
-          </a:xfrm>
-        </p:spPr>
-      </p:pic>
-      <p:sp>
-        <p:nvSpPr>
-          <p:cNvPr id="3" name="Text Placeholder 2">
-            <a:extLst>
-              <a:ext uri="{FF2B5EF4-FFF2-40B4-BE49-F238E27FC236}">
-                <a16:creationId xmlns:a16="http://schemas.microsoft.com/office/drawing/2014/main" id="{18559EBB-1744-14F2-6EEA-D5BDC030F0C9}"/>
-              </a:ext>
-            </a:extLst>
-          </p:cNvPr>
-          <p:cNvSpPr>
-            <a:spLocks noGrp="1"/>
-          </p:cNvSpPr>
-          <p:nvPr>
-            <p:ph type="body" idx="1"/>
+      <p:sp>
+        <p:nvSpPr>
+          <p:cNvPr id="3" name="Content Placeholder 2">
+            <a:extLst>
+              <a:ext uri="{FF2B5EF4-FFF2-40B4-BE49-F238E27FC236}">
+                <a16:creationId xmlns:a16="http://schemas.microsoft.com/office/drawing/2014/main" id="{77C9C890-ADC6-0AA7-BBC0-05E856AA7C3C}"/>
+              </a:ext>
+            </a:extLst>
+          </p:cNvPr>
+          <p:cNvSpPr>
+            <a:spLocks noGrp="1"/>
+          </p:cNvSpPr>
+          <p:nvPr>
+            <p:ph idx="1"/>
           </p:nvPr>
         </p:nvSpPr>
         <p:spPr/>
@@ -13322,966 +11671,98 @@
           <a:bodyPr/>
           <a:lstStyle/>
           <a:p>
-            <a:r>
-              <a:rPr lang="en-US" sz="2000" dirty="0">
-                <a:effectLst/>
-              </a:rPr>
-              <a:t>ROI </a:t>
-            </a:r>
-            <a:endParaRPr lang="en-US" dirty="0"/>
-          </a:p>
-        </p:txBody>
-      </p:sp>
-      <p:sp>
-        <p:nvSpPr>
-          <p:cNvPr id="4" name="Content Placeholder 3">
-            <a:extLst>
-              <a:ext uri="{FF2B5EF4-FFF2-40B4-BE49-F238E27FC236}">
-                <a16:creationId xmlns:a16="http://schemas.microsoft.com/office/drawing/2014/main" id="{AAD9F940-BA56-74F7-87F0-7199A77BB8B8}"/>
-              </a:ext>
-            </a:extLst>
-          </p:cNvPr>
-          <p:cNvSpPr>
-            <a:spLocks noGrp="1"/>
-          </p:cNvSpPr>
-          <p:nvPr>
-            <p:ph sz="half" idx="2"/>
-          </p:nvPr>
-        </p:nvSpPr>
-        <p:spPr/>
-        <p:txBody>
-          <a:bodyPr/>
-          <a:lstStyle/>
-          <a:p>
-            <a:r>
-              <a:rPr lang="en-US" dirty="0">
-                <a:effectLst/>
-              </a:rPr>
-              <a:t>Envision multimedia-based expertise and cross-media growth strategies </a:t>
-            </a:r>
-            <a:br>
-              <a:rPr lang="en-US" dirty="0">
-                <a:effectLst/>
-              </a:rPr>
-            </a:br>
-            <a:br>
-              <a:rPr lang="en-US" dirty="0">
-                <a:effectLst/>
-              </a:rPr>
-            </a:br>
-            <a:r>
-              <a:rPr lang="en-US" dirty="0">
-                <a:effectLst/>
-              </a:rPr>
-              <a:t>Visualize quality intellectual capital </a:t>
-            </a:r>
-            <a:br>
-              <a:rPr lang="en-US" dirty="0">
-                <a:effectLst/>
-              </a:rPr>
-            </a:br>
-            <a:br>
-              <a:rPr lang="en-US" dirty="0">
-                <a:effectLst/>
-              </a:rPr>
-            </a:br>
-            <a:r>
-              <a:rPr lang="en-US" dirty="0">
-                <a:effectLst/>
-              </a:rPr>
-              <a:t>Engage worldwide methodologies with web-enabled technologies </a:t>
-            </a:r>
-            <a:br>
-              <a:rPr lang="en-US" dirty="0">
-                <a:effectLst/>
-              </a:rPr>
-            </a:br>
-            <a:endParaRPr lang="en-US" dirty="0"/>
-          </a:p>
-          <a:p>
-            <a:endParaRPr lang="en-US" dirty="0"/>
-          </a:p>
-        </p:txBody>
-      </p:sp>
-      <p:pic>
-        <p:nvPicPr>
-          <p:cNvPr id="16" name="Picture Placeholder 19" descr="Microscope with solid fill">
-            <a:extLst>
-              <a:ext uri="{FF2B5EF4-FFF2-40B4-BE49-F238E27FC236}">
-                <a16:creationId xmlns:a16="http://schemas.microsoft.com/office/drawing/2014/main" id="{5231DDDB-E29E-8882-E71C-20340171D8DC}"/>
-              </a:ext>
-            </a:extLst>
-          </p:cNvPr>
-          <p:cNvPicPr>
-            <a:picLocks noGrp="1" noChangeAspect="1"/>
-          </p:cNvPicPr>
-          <p:nvPr>
-            <p:ph type="pic" sz="quarter" idx="18"/>
-          </p:nvPr>
-        </p:nvPicPr>
-        <p:blipFill>
-          <a:blip r:embed="rId5">
-            <a:extLst>
-              <a:ext uri="{28A0092B-C50C-407E-A947-70E740481C1C}">
-                <a14:useLocalDpi xmlns:a14="http://schemas.microsoft.com/office/drawing/2010/main" val="0"/>
-              </a:ext>
-              <a:ext uri="{96DAC541-7B7A-43D3-8B79-37D633B846F1}">
-                <asvg:svgBlip xmlns:asvg="http://schemas.microsoft.com/office/drawing/2016/SVG/main" r:embed="rId6"/>
-              </a:ext>
-            </a:extLst>
-          </a:blip>
-          <a:srcRect/>
-          <a:stretch>
-            <a:fillRect/>
-          </a:stretch>
-        </p:blipFill>
-        <p:spPr>
-          <a:xfrm>
-            <a:off x="6245225" y="3273425"/>
-            <a:ext cx="914400" cy="914400"/>
-          </a:xfrm>
-        </p:spPr>
-      </p:pic>
-      <p:sp>
-        <p:nvSpPr>
-          <p:cNvPr id="5" name="Text Placeholder 4">
-            <a:extLst>
-              <a:ext uri="{FF2B5EF4-FFF2-40B4-BE49-F238E27FC236}">
-                <a16:creationId xmlns:a16="http://schemas.microsoft.com/office/drawing/2014/main" id="{621A83F6-ADD2-533E-DD3D-2171EC6F7E11}"/>
-              </a:ext>
-            </a:extLst>
-          </p:cNvPr>
-          <p:cNvSpPr>
-            <a:spLocks noGrp="1"/>
-          </p:cNvSpPr>
-          <p:nvPr>
-            <p:ph type="body" sz="quarter" idx="3"/>
-          </p:nvPr>
-        </p:nvSpPr>
-        <p:spPr/>
-        <p:txBody>
-          <a:bodyPr/>
-          <a:lstStyle/>
-          <a:p>
-            <a:r>
-              <a:rPr lang="en-US" sz="2000" dirty="0"/>
-              <a:t>Niche markets</a:t>
-            </a:r>
-          </a:p>
-        </p:txBody>
-      </p:sp>
-      <p:sp>
-        <p:nvSpPr>
-          <p:cNvPr id="6" name="Content Placeholder 5">
-            <a:extLst>
-              <a:ext uri="{FF2B5EF4-FFF2-40B4-BE49-F238E27FC236}">
-                <a16:creationId xmlns:a16="http://schemas.microsoft.com/office/drawing/2014/main" id="{D17DB5B2-8F12-4C2A-D018-C12FD16160B5}"/>
-              </a:ext>
-            </a:extLst>
-          </p:cNvPr>
-          <p:cNvSpPr>
-            <a:spLocks noGrp="1"/>
-          </p:cNvSpPr>
-          <p:nvPr>
-            <p:ph sz="quarter" idx="4"/>
-          </p:nvPr>
-        </p:nvSpPr>
-        <p:spPr/>
-        <p:txBody>
-          <a:bodyPr/>
-          <a:lstStyle/>
-          <a:p>
-            <a:r>
-              <a:rPr lang="en-US" dirty="0">
-                <a:effectLst/>
-              </a:rPr>
-              <a:t>Pursue scalable customer service through sustainable strategies</a:t>
-            </a:r>
-            <a:br>
-              <a:rPr lang="en-US" dirty="0">
-                <a:effectLst/>
-              </a:rPr>
-            </a:br>
-            <a:br>
-              <a:rPr lang="en-US" dirty="0">
-                <a:effectLst/>
-              </a:rPr>
-            </a:br>
-            <a:r>
-              <a:rPr lang="en-US" dirty="0">
-                <a:effectLst/>
-              </a:rPr>
-              <a:t>Engage top-line web services with cutting-edge deliverables </a:t>
-            </a:r>
-            <a:br>
-              <a:rPr lang="en-US" dirty="0">
-                <a:effectLst/>
-              </a:rPr>
-            </a:br>
-            <a:endParaRPr lang="en-US" dirty="0"/>
-          </a:p>
-          <a:p>
-            <a:endParaRPr lang="en-US" dirty="0"/>
-          </a:p>
-        </p:txBody>
-      </p:sp>
-      <p:pic>
-        <p:nvPicPr>
-          <p:cNvPr id="17" name="Picture Placeholder 21" descr="Test tubes outline">
-            <a:extLst>
-              <a:ext uri="{FF2B5EF4-FFF2-40B4-BE49-F238E27FC236}">
-                <a16:creationId xmlns:a16="http://schemas.microsoft.com/office/drawing/2014/main" id="{488A4C2A-F5B5-FAD1-D810-289B2092FF6C}"/>
-              </a:ext>
-            </a:extLst>
-          </p:cNvPr>
-          <p:cNvPicPr>
-            <a:picLocks noGrp="1" noChangeAspect="1"/>
-          </p:cNvPicPr>
-          <p:nvPr>
-            <p:ph type="pic" sz="quarter" idx="19"/>
-          </p:nvPr>
-        </p:nvPicPr>
-        <p:blipFill>
-          <a:blip r:embed="rId7">
-            <a:extLst>
-              <a:ext uri="{28A0092B-C50C-407E-A947-70E740481C1C}">
-                <a14:useLocalDpi xmlns:a14="http://schemas.microsoft.com/office/drawing/2010/main" val="0"/>
-              </a:ext>
-              <a:ext uri="{96DAC541-7B7A-43D3-8B79-37D633B846F1}">
-                <asvg:svgBlip xmlns:asvg="http://schemas.microsoft.com/office/drawing/2016/SVG/main" r:embed="rId8"/>
-              </a:ext>
-            </a:extLst>
-          </a:blip>
-          <a:srcRect/>
-          <a:stretch>
-            <a:fillRect/>
-          </a:stretch>
-        </p:blipFill>
-        <p:spPr>
-          <a:xfrm>
-            <a:off x="6245225" y="5165725"/>
-            <a:ext cx="914400" cy="914400"/>
-          </a:xfrm>
-        </p:spPr>
-      </p:pic>
-      <p:sp>
-        <p:nvSpPr>
-          <p:cNvPr id="10" name="Text Placeholder 9">
-            <a:extLst>
-              <a:ext uri="{FF2B5EF4-FFF2-40B4-BE49-F238E27FC236}">
-                <a16:creationId xmlns:a16="http://schemas.microsoft.com/office/drawing/2014/main" id="{A508684D-1AA5-491C-E832-1EB26568CC05}"/>
-              </a:ext>
-            </a:extLst>
-          </p:cNvPr>
-          <p:cNvSpPr>
-            <a:spLocks noGrp="1"/>
-          </p:cNvSpPr>
-          <p:nvPr>
-            <p:ph type="body" sz="quarter" idx="15"/>
-          </p:nvPr>
-        </p:nvSpPr>
-        <p:spPr/>
-        <p:txBody>
-          <a:bodyPr/>
-          <a:lstStyle/>
-          <a:p>
-            <a:r>
-              <a:rPr lang="en-US" sz="2000" dirty="0"/>
-              <a:t>Supply chains</a:t>
-            </a:r>
-          </a:p>
-        </p:txBody>
-      </p:sp>
-      <p:sp>
-        <p:nvSpPr>
-          <p:cNvPr id="11" name="Content Placeholder 10">
-            <a:extLst>
-              <a:ext uri="{FF2B5EF4-FFF2-40B4-BE49-F238E27FC236}">
-                <a16:creationId xmlns:a16="http://schemas.microsoft.com/office/drawing/2014/main" id="{3FE9FCFF-DB0B-28A0-AC61-CFCB265C5B31}"/>
-              </a:ext>
-            </a:extLst>
-          </p:cNvPr>
-          <p:cNvSpPr>
-            <a:spLocks noGrp="1"/>
-          </p:cNvSpPr>
-          <p:nvPr>
-            <p:ph sz="quarter" idx="16"/>
-          </p:nvPr>
-        </p:nvSpPr>
-        <p:spPr/>
-        <p:txBody>
-          <a:bodyPr/>
-          <a:lstStyle/>
-          <a:p>
-            <a:r>
-              <a:rPr lang="en-US" dirty="0">
-                <a:effectLst/>
-              </a:rPr>
-              <a:t>Cultivate one-to-one customer service with robust ideas </a:t>
-            </a:r>
-            <a:br>
-              <a:rPr lang="en-US" dirty="0">
-                <a:effectLst/>
-              </a:rPr>
-            </a:br>
-            <a:br>
-              <a:rPr lang="en-US" dirty="0">
-                <a:effectLst/>
-              </a:rPr>
-            </a:br>
-            <a:r>
-              <a:rPr lang="en-US" dirty="0">
-                <a:effectLst/>
-              </a:rPr>
-              <a:t>Maximize timely deliverables for real-time schemas </a:t>
-            </a:r>
-            <a:br>
-              <a:rPr lang="en-US" dirty="0">
-                <a:effectLst/>
-              </a:rPr>
-            </a:br>
-            <a:endParaRPr lang="en-US" dirty="0"/>
-          </a:p>
-          <a:p>
-            <a:endParaRPr lang="en-US" dirty="0"/>
-          </a:p>
-        </p:txBody>
-      </p:sp>
-    </p:spTree>
-    <p:extLst>
-      <p:ext uri="{BB962C8B-B14F-4D97-AF65-F5344CB8AC3E}">
-        <p14:creationId xmlns:p14="http://schemas.microsoft.com/office/powerpoint/2010/main" val="394375464"/>
-      </p:ext>
-    </p:extLst>
-  </p:cSld>
-  <p:clrMapOvr>
-    <a:masterClrMapping/>
-  </p:clrMapOvr>
-</p:sld>
-</file>
-
-<file path=ppt/slides/slide12.xml><?xml version="1.0" encoding="utf-8"?>
-<p:sld xmlns:a="http://schemas.openxmlformats.org/drawingml/2006/main" xmlns:r="http://schemas.openxmlformats.org/officeDocument/2006/relationships" xmlns:p="http://schemas.openxmlformats.org/presentationml/2006/main">
-  <p:cSld>
-    <p:spTree>
-      <p:nvGrpSpPr>
-        <p:cNvPr id="1" name=""/>
-        <p:cNvGrpSpPr/>
-        <p:nvPr/>
-      </p:nvGrpSpPr>
-      <p:grpSpPr>
-        <a:xfrm>
-          <a:off x="0" y="0"/>
-          <a:ext cx="0" cy="0"/>
-          <a:chOff x="0" y="0"/>
-          <a:chExt cx="0" cy="0"/>
-        </a:xfrm>
-      </p:grpSpPr>
-      <p:sp>
-        <p:nvSpPr>
-          <p:cNvPr id="6" name="Title 5">
-            <a:extLst>
-              <a:ext uri="{FF2B5EF4-FFF2-40B4-BE49-F238E27FC236}">
-                <a16:creationId xmlns:a16="http://schemas.microsoft.com/office/drawing/2014/main" id="{BB7103A8-AEEA-50D3-BE61-CC85D24BDF23}"/>
-              </a:ext>
-            </a:extLst>
-          </p:cNvPr>
-          <p:cNvSpPr>
-            <a:spLocks noGrp="1"/>
-          </p:cNvSpPr>
-          <p:nvPr>
-            <p:ph type="title"/>
-          </p:nvPr>
-        </p:nvSpPr>
-        <p:spPr/>
-        <p:txBody>
-          <a:bodyPr/>
-          <a:lstStyle/>
-          <a:p>
-            <a:r>
-              <a:rPr lang="en-US" dirty="0"/>
-              <a:t>Summary </a:t>
-            </a:r>
-          </a:p>
-        </p:txBody>
-      </p:sp>
-      <p:sp>
-        <p:nvSpPr>
-          <p:cNvPr id="3" name="Footer Placeholder 2">
-            <a:extLst>
-              <a:ext uri="{FF2B5EF4-FFF2-40B4-BE49-F238E27FC236}">
-                <a16:creationId xmlns:a16="http://schemas.microsoft.com/office/drawing/2014/main" id="{AA5BCABC-85E9-BA68-F054-2D77592245F0}"/>
-              </a:ext>
-            </a:extLst>
-          </p:cNvPr>
-          <p:cNvSpPr>
-            <a:spLocks noGrp="1"/>
-          </p:cNvSpPr>
-          <p:nvPr>
-            <p:ph type="ftr" sz="quarter" idx="11"/>
-          </p:nvPr>
-        </p:nvSpPr>
-        <p:spPr/>
-        <p:txBody>
-          <a:bodyPr/>
-          <a:lstStyle/>
-          <a:p>
-            <a:r>
-              <a:rPr lang="en-US" dirty="0"/>
-              <a:t>presentation title</a:t>
-            </a:r>
-          </a:p>
-        </p:txBody>
-      </p:sp>
-      <p:sp>
-        <p:nvSpPr>
-          <p:cNvPr id="2" name="Slide Number Placeholder 1">
-            <a:extLst>
-              <a:ext uri="{FF2B5EF4-FFF2-40B4-BE49-F238E27FC236}">
-                <a16:creationId xmlns:a16="http://schemas.microsoft.com/office/drawing/2014/main" id="{1A978ADB-AD70-DE7C-4643-85C48AE12770}"/>
-              </a:ext>
-            </a:extLst>
-          </p:cNvPr>
-          <p:cNvSpPr>
-            <a:spLocks noGrp="1"/>
-          </p:cNvSpPr>
-          <p:nvPr>
-            <p:ph type="sldNum" sz="quarter" idx="10"/>
-          </p:nvPr>
-        </p:nvSpPr>
-        <p:spPr/>
-        <p:txBody>
-          <a:bodyPr/>
-          <a:lstStyle/>
-          <a:p>
-            <a:fld id="{75DF2D63-3FF5-D547-96B9-BE9CCD1ABA58}" type="slidenum">
-              <a:rPr lang="en-US" smtClean="0"/>
-              <a:pPr/>
-              <a:t>12</a:t>
-            </a:fld>
-            <a:endParaRPr lang="en-US" dirty="0"/>
-          </a:p>
-        </p:txBody>
-      </p:sp>
-      <p:sp>
-        <p:nvSpPr>
-          <p:cNvPr id="4" name="Text Placeholder 3">
-            <a:extLst>
-              <a:ext uri="{FF2B5EF4-FFF2-40B4-BE49-F238E27FC236}">
-                <a16:creationId xmlns:a16="http://schemas.microsoft.com/office/drawing/2014/main" id="{68003147-27BE-7492-36B6-F405F1156F31}"/>
-              </a:ext>
-            </a:extLst>
-          </p:cNvPr>
-          <p:cNvSpPr>
-            <a:spLocks noGrp="1"/>
-          </p:cNvSpPr>
-          <p:nvPr>
-            <p:ph type="body" sz="quarter" idx="12"/>
-          </p:nvPr>
-        </p:nvSpPr>
-        <p:spPr/>
-        <p:txBody>
-          <a:bodyPr/>
-          <a:lstStyle/>
-          <a:p>
-            <a:r>
-              <a:rPr lang="en-US" sz="2000" spc="100" dirty="0">
-                <a:ea typeface="+mn-lt"/>
-                <a:cs typeface="Posterama" panose="020B0504020200020000" pitchFamily="34" charset="0"/>
-              </a:rPr>
-              <a:t>At Contoso, we believe in giving 110%. </a:t>
-            </a:r>
+            <a:pPr marL="342900" indent="-342900">
+              <a:lnSpc>
+                <a:spcPts val="2400"/>
+              </a:lnSpc>
+              <a:buFont typeface="Arial" panose="020B0604020202020204" pitchFamily="34" charset="0"/>
+              <a:buChar char="•"/>
+            </a:pPr>
             <a:r>
               <a:rPr lang="en-US" sz="2000" spc="0" dirty="0">
                 <a:ea typeface="+mn-lt"/>
                 <a:cs typeface="+mn-lt"/>
               </a:rPr>
-              <a:t>By using our next-generation data architecture, we help organizations virtually manage agile workflows. We thrive because of our market knowledge and great team behind our product. As our CEO says, "Efficiencies will come from proactively transforming how we do business."</a:t>
-            </a:r>
-          </a:p>
-        </p:txBody>
-      </p:sp>
-      <p:pic>
-        <p:nvPicPr>
-          <p:cNvPr id="7" name="Picture Placeholder 6" descr="Test tubes with one test tube in orange with drops">
-            <a:extLst>
-              <a:ext uri="{FF2B5EF4-FFF2-40B4-BE49-F238E27FC236}">
-                <a16:creationId xmlns:a16="http://schemas.microsoft.com/office/drawing/2014/main" id="{70A9CAB5-92AE-2C08-1CA8-8B55D552EEF8}"/>
-              </a:ext>
-            </a:extLst>
-          </p:cNvPr>
-          <p:cNvPicPr>
-            <a:picLocks noGrp="1" noChangeAspect="1"/>
-          </p:cNvPicPr>
-          <p:nvPr>
-            <p:ph type="pic" sz="quarter" idx="13"/>
-          </p:nvPr>
-        </p:nvPicPr>
-        <p:blipFill rotWithShape="1">
-          <a:blip r:embed="rId2">
-            <a:alphaModFix amt="50000"/>
-            <a:duotone>
-              <a:schemeClr val="accent5">
-                <a:shade val="45000"/>
-                <a:satMod val="135000"/>
-              </a:schemeClr>
-              <a:prstClr val="white"/>
-            </a:duotone>
-            <a:extLst>
-              <a:ext uri="{BEBA8EAE-BF5A-486C-A8C5-ECC9F3942E4B}">
-                <a14:imgProps xmlns:a14="http://schemas.microsoft.com/office/drawing/2010/main">
-                  <a14:imgLayer r:embed="rId3">
-                    <a14:imgEffect>
-                      <a14:saturation sat="0"/>
-                    </a14:imgEffect>
-                  </a14:imgLayer>
-                </a14:imgProps>
-              </a:ext>
-              <a:ext uri="{28A0092B-C50C-407E-A947-70E740481C1C}">
-                <a14:useLocalDpi xmlns:a14="http://schemas.microsoft.com/office/drawing/2010/main" val="0"/>
-              </a:ext>
-            </a:extLst>
-          </a:blip>
-          <a:srcRect/>
-          <a:stretch/>
-        </p:blipFill>
-        <p:spPr>
-          <a:xfrm>
-            <a:off x="2871216" y="5330952"/>
-            <a:ext cx="6519672" cy="1527048"/>
-          </a:xfrm>
-          <a:custGeom>
-            <a:avLst/>
-            <a:gdLst>
-              <a:gd name="connsiteX0" fmla="*/ 0 w 6515097"/>
-              <a:gd name="connsiteY0" fmla="*/ 0 h 2133600"/>
-              <a:gd name="connsiteX1" fmla="*/ 6515097 w 6515097"/>
-              <a:gd name="connsiteY1" fmla="*/ 0 h 2133600"/>
-              <a:gd name="connsiteX2" fmla="*/ 6515097 w 6515097"/>
-              <a:gd name="connsiteY2" fmla="*/ 2133600 h 2133600"/>
-              <a:gd name="connsiteX3" fmla="*/ 0 w 6515097"/>
-              <a:gd name="connsiteY3" fmla="*/ 2133600 h 2133600"/>
-            </a:gdLst>
-            <a:ahLst/>
-            <a:cxnLst>
-              <a:cxn ang="0">
-                <a:pos x="connsiteX0" y="connsiteY0"/>
-              </a:cxn>
-              <a:cxn ang="0">
-                <a:pos x="connsiteX1" y="connsiteY1"/>
-              </a:cxn>
-              <a:cxn ang="0">
-                <a:pos x="connsiteX2" y="connsiteY2"/>
-              </a:cxn>
-              <a:cxn ang="0">
-                <a:pos x="connsiteX3" y="connsiteY3"/>
-              </a:cxn>
-            </a:cxnLst>
-            <a:rect l="l" t="t" r="r" b="b"/>
-            <a:pathLst>
-              <a:path w="6515097" h="2133600">
-                <a:moveTo>
-                  <a:pt x="0" y="0"/>
-                </a:moveTo>
-                <a:lnTo>
-                  <a:pt x="6515097" y="0"/>
-                </a:lnTo>
-                <a:lnTo>
-                  <a:pt x="6515097" y="2133600"/>
-                </a:lnTo>
-                <a:lnTo>
-                  <a:pt x="0" y="2133600"/>
-                </a:lnTo>
-                <a:close/>
-              </a:path>
-            </a:pathLst>
-          </a:custGeom>
-        </p:spPr>
-      </p:pic>
+              <a:t>Using an extensive dataset consisting of 5000 MRI scans of brains with tumors, a neural network is used to determine whether a scan contains a tumor or not</a:t>
+            </a:r>
+          </a:p>
+          <a:p>
+            <a:pPr marL="342900" indent="-342900">
+              <a:lnSpc>
+                <a:spcPts val="2400"/>
+              </a:lnSpc>
+              <a:buFont typeface="Arial" panose="020B0604020202020204" pitchFamily="34" charset="0"/>
+              <a:buChar char="•"/>
+            </a:pPr>
+            <a:r>
+              <a:rPr lang="en-US" sz="2000" spc="0" dirty="0">
+                <a:ea typeface="+mn-lt"/>
+                <a:cs typeface="+mn-lt"/>
+              </a:rPr>
+              <a:t>Different tumor classifications are </a:t>
+            </a:r>
+            <a:r>
+              <a:rPr lang="en-US" dirty="0">
+                <a:ea typeface="+mn-lt"/>
+                <a:cs typeface="+mn-lt"/>
+              </a:rPr>
+              <a:t>limited to simply two types: solid or amorphous </a:t>
+            </a:r>
+          </a:p>
+          <a:p>
+            <a:pPr marL="342900" indent="-342900">
+              <a:lnSpc>
+                <a:spcPts val="2400"/>
+              </a:lnSpc>
+              <a:buFont typeface="Arial" panose="020B0604020202020204" pitchFamily="34" charset="0"/>
+              <a:buChar char="•"/>
+            </a:pPr>
+            <a:r>
+              <a:rPr lang="en-US" sz="2000" spc="0" dirty="0">
+                <a:ea typeface="+mn-lt"/>
+                <a:cs typeface="+mn-lt"/>
+              </a:rPr>
+              <a:t>To determine </a:t>
+            </a:r>
+            <a:r>
+              <a:rPr lang="en-US" dirty="0">
+                <a:ea typeface="+mn-lt"/>
+                <a:cs typeface="+mn-lt"/>
+              </a:rPr>
+              <a:t>the accuracy, the CNN will be compared to a K-Nearest Neighbor (KNN) model or ML model</a:t>
+            </a:r>
+            <a:endParaRPr lang="en-US" sz="2000" spc="0" dirty="0">
+              <a:ea typeface="+mn-lt"/>
+              <a:cs typeface="+mn-lt"/>
+            </a:endParaRPr>
+          </a:p>
+          <a:p>
+            <a:pPr marL="0" indent="0">
+              <a:lnSpc>
+                <a:spcPts val="2400"/>
+              </a:lnSpc>
+              <a:buNone/>
+            </a:pPr>
+            <a:endParaRPr lang="en-US" sz="2000" spc="0" dirty="0">
+              <a:ea typeface="+mn-lt"/>
+              <a:cs typeface="+mn-lt"/>
+            </a:endParaRPr>
+          </a:p>
+          <a:p>
+            <a:pPr marL="0" indent="0">
+              <a:lnSpc>
+                <a:spcPts val="2400"/>
+              </a:lnSpc>
+              <a:buNone/>
+            </a:pPr>
+            <a:endParaRPr lang="en-US" sz="2000" spc="0" dirty="0"/>
+          </a:p>
+        </p:txBody>
+      </p:sp>
     </p:spTree>
     <p:extLst>
       <p:ext uri="{BB962C8B-B14F-4D97-AF65-F5344CB8AC3E}">
-        <p14:creationId xmlns:p14="http://schemas.microsoft.com/office/powerpoint/2010/main" val="409420417"/>
-      </p:ext>
-    </p:extLst>
-  </p:cSld>
-  <p:clrMapOvr>
-    <a:masterClrMapping/>
-  </p:clrMapOvr>
-</p:sld>
-</file>
-
-<file path=ppt/slides/slide13.xml><?xml version="1.0" encoding="utf-8"?>
-<p:sld xmlns:a="http://schemas.openxmlformats.org/drawingml/2006/main" xmlns:r="http://schemas.openxmlformats.org/officeDocument/2006/relationships" xmlns:p="http://schemas.openxmlformats.org/presentationml/2006/main">
-  <p:cSld>
-    <p:spTree>
-      <p:nvGrpSpPr>
-        <p:cNvPr id="1" name=""/>
-        <p:cNvGrpSpPr/>
-        <p:nvPr/>
-      </p:nvGrpSpPr>
-      <p:grpSpPr>
-        <a:xfrm>
-          <a:off x="0" y="0"/>
-          <a:ext cx="0" cy="0"/>
-          <a:chOff x="0" y="0"/>
-          <a:chExt cx="0" cy="0"/>
-        </a:xfrm>
-      </p:grpSpPr>
-      <p:pic>
-        <p:nvPicPr>
-          <p:cNvPr id="17" name="Picture Placeholder 16" descr="White DNA structure">
-            <a:extLst>
-              <a:ext uri="{FF2B5EF4-FFF2-40B4-BE49-F238E27FC236}">
-                <a16:creationId xmlns:a16="http://schemas.microsoft.com/office/drawing/2014/main" id="{6D8705D1-EA1F-3113-ABE0-EC474D1F18DA}"/>
-              </a:ext>
-            </a:extLst>
-          </p:cNvPr>
-          <p:cNvPicPr>
-            <a:picLocks noGrp="1" noChangeAspect="1"/>
-          </p:cNvPicPr>
-          <p:nvPr>
-            <p:ph type="pic" sz="quarter" idx="12"/>
-          </p:nvPr>
-        </p:nvPicPr>
-        <p:blipFill rotWithShape="1">
-          <a:blip r:embed="rId2">
-            <a:alphaModFix amt="50000"/>
-            <a:extLst>
-              <a:ext uri="{28A0092B-C50C-407E-A947-70E740481C1C}">
-                <a14:useLocalDpi xmlns:a14="http://schemas.microsoft.com/office/drawing/2010/main" val="0"/>
-              </a:ext>
-            </a:extLst>
-          </a:blip>
-          <a:srcRect/>
-          <a:stretch/>
-        </p:blipFill>
-        <p:spPr/>
-      </p:pic>
-      <p:sp>
-        <p:nvSpPr>
-          <p:cNvPr id="19" name="Title 18">
-            <a:extLst>
-              <a:ext uri="{FF2B5EF4-FFF2-40B4-BE49-F238E27FC236}">
-                <a16:creationId xmlns:a16="http://schemas.microsoft.com/office/drawing/2014/main" id="{1130D679-D78E-1F15-EC3D-4BED6D69B35F}"/>
-              </a:ext>
-            </a:extLst>
-          </p:cNvPr>
-          <p:cNvSpPr>
-            <a:spLocks noGrp="1"/>
-          </p:cNvSpPr>
-          <p:nvPr>
-            <p:ph type="title"/>
-          </p:nvPr>
-        </p:nvSpPr>
-        <p:spPr/>
-        <p:txBody>
-          <a:bodyPr/>
-          <a:lstStyle/>
-          <a:p>
-            <a:r>
-              <a:rPr lang="en-US" dirty="0"/>
-              <a:t>Thank you </a:t>
-            </a:r>
-          </a:p>
-        </p:txBody>
-      </p:sp>
-      <p:pic>
-        <p:nvPicPr>
-          <p:cNvPr id="22" name="Picture Placeholder 25" descr="Bacteria cultured in a petri dish for a laboratory or a scientific investigation">
-            <a:extLst>
-              <a:ext uri="{FF2B5EF4-FFF2-40B4-BE49-F238E27FC236}">
-                <a16:creationId xmlns:a16="http://schemas.microsoft.com/office/drawing/2014/main" id="{862BA3D8-52E1-692C-F244-F7882DAD2287}"/>
-              </a:ext>
-            </a:extLst>
-          </p:cNvPr>
-          <p:cNvPicPr>
-            <a:picLocks noGrp="1" noChangeAspect="1"/>
-          </p:cNvPicPr>
-          <p:nvPr>
-            <p:ph type="pic" sz="quarter" idx="13"/>
-          </p:nvPr>
-        </p:nvPicPr>
-        <p:blipFill rotWithShape="1">
-          <a:blip r:embed="rId3">
-            <a:duotone>
-              <a:schemeClr val="accent1">
-                <a:shade val="45000"/>
-                <a:satMod val="135000"/>
-              </a:schemeClr>
-              <a:prstClr val="white"/>
-            </a:duotone>
-            <a:extLst>
-              <a:ext uri="{28A0092B-C50C-407E-A947-70E740481C1C}">
-                <a14:useLocalDpi xmlns:a14="http://schemas.microsoft.com/office/drawing/2010/main" val="0"/>
-              </a:ext>
-            </a:extLst>
-          </a:blip>
-          <a:srcRect/>
-          <a:stretch/>
-        </p:blipFill>
-        <p:spPr/>
-      </p:pic>
-      <p:sp>
-        <p:nvSpPr>
-          <p:cNvPr id="27" name="Text Placeholder 26">
-            <a:extLst>
-              <a:ext uri="{FF2B5EF4-FFF2-40B4-BE49-F238E27FC236}">
-                <a16:creationId xmlns:a16="http://schemas.microsoft.com/office/drawing/2014/main" id="{BB8B6963-69FE-8A03-5E86-2BF855024B00}"/>
-              </a:ext>
-            </a:extLst>
-          </p:cNvPr>
-          <p:cNvSpPr>
-            <a:spLocks noGrp="1"/>
-          </p:cNvSpPr>
-          <p:nvPr>
-            <p:ph type="body" sz="quarter" idx="14"/>
-          </p:nvPr>
-        </p:nvSpPr>
-        <p:spPr/>
-        <p:txBody>
-          <a:bodyPr/>
-          <a:lstStyle/>
-          <a:p>
-            <a:pPr marL="0" indent="0" algn="ctr">
-              <a:lnSpc>
-                <a:spcPts val="2660"/>
-              </a:lnSpc>
-              <a:spcBef>
-                <a:spcPts val="0"/>
-              </a:spcBef>
-              <a:buNone/>
-            </a:pPr>
-            <a:r>
-              <a:rPr lang="en-US" sz="2000" cap="all" spc="0" dirty="0"/>
-              <a:t>Mirjam Nilsson​</a:t>
-            </a:r>
-          </a:p>
-          <a:p>
-            <a:pPr marL="0" indent="0" algn="ctr">
-              <a:lnSpc>
-                <a:spcPts val="2660"/>
-              </a:lnSpc>
-              <a:spcBef>
-                <a:spcPts val="0"/>
-              </a:spcBef>
-              <a:buNone/>
-            </a:pPr>
-            <a:r>
-              <a:rPr lang="en-US" sz="2000" cap="all" spc="0" dirty="0"/>
-              <a:t>mirjam@contoso.com | www.contoso.com</a:t>
-            </a:r>
-          </a:p>
-        </p:txBody>
-      </p:sp>
-    </p:spTree>
-    <p:extLst>
-      <p:ext uri="{BB962C8B-B14F-4D97-AF65-F5344CB8AC3E}">
-        <p14:creationId xmlns:p14="http://schemas.microsoft.com/office/powerpoint/2010/main" val="3334127647"/>
-      </p:ext>
-    </p:extLst>
-  </p:cSld>
-  <p:clrMapOvr>
-    <a:masterClrMapping/>
-  </p:clrMapOvr>
-</p:sld>
-</file>
-
-<file path=ppt/slides/slide2.xml><?xml version="1.0" encoding="utf-8"?>
-<p:sld xmlns:a="http://schemas.openxmlformats.org/drawingml/2006/main" xmlns:r="http://schemas.openxmlformats.org/officeDocument/2006/relationships" xmlns:p="http://schemas.openxmlformats.org/presentationml/2006/main">
-  <p:cSld>
-    <p:spTree>
-      <p:nvGrpSpPr>
-        <p:cNvPr id="1" name=""/>
-        <p:cNvGrpSpPr/>
-        <p:nvPr/>
-      </p:nvGrpSpPr>
-      <p:grpSpPr>
-        <a:xfrm>
-          <a:off x="0" y="0"/>
-          <a:ext cx="0" cy="0"/>
-          <a:chOff x="0" y="0"/>
-          <a:chExt cx="0" cy="0"/>
-        </a:xfrm>
-      </p:grpSpPr>
-      <p:sp>
-        <p:nvSpPr>
-          <p:cNvPr id="2" name="Title 1">
-            <a:extLst>
-              <a:ext uri="{FF2B5EF4-FFF2-40B4-BE49-F238E27FC236}">
-                <a16:creationId xmlns:a16="http://schemas.microsoft.com/office/drawing/2014/main" id="{9A3EB422-1287-FCEB-63CE-599FDC8468D8}"/>
-              </a:ext>
-            </a:extLst>
-          </p:cNvPr>
-          <p:cNvSpPr>
-            <a:spLocks noGrp="1"/>
-          </p:cNvSpPr>
-          <p:nvPr>
-            <p:ph type="title"/>
-          </p:nvPr>
-        </p:nvSpPr>
-        <p:spPr/>
-        <p:txBody>
-          <a:bodyPr/>
-          <a:lstStyle/>
-          <a:p>
-            <a:r>
-              <a:rPr lang="en-US" dirty="0"/>
-              <a:t>Agenda</a:t>
-            </a:r>
-          </a:p>
-        </p:txBody>
-      </p:sp>
-      <p:sp>
-        <p:nvSpPr>
-          <p:cNvPr id="5" name="Footer Placeholder 4">
-            <a:extLst>
-              <a:ext uri="{FF2B5EF4-FFF2-40B4-BE49-F238E27FC236}">
-                <a16:creationId xmlns:a16="http://schemas.microsoft.com/office/drawing/2014/main" id="{DE9EDB55-C0CF-1610-24F0-07462C63BCEB}"/>
-              </a:ext>
-            </a:extLst>
-          </p:cNvPr>
-          <p:cNvSpPr>
-            <a:spLocks noGrp="1"/>
-          </p:cNvSpPr>
-          <p:nvPr>
-            <p:ph type="ftr" sz="quarter" idx="12"/>
-          </p:nvPr>
-        </p:nvSpPr>
-        <p:spPr/>
-        <p:txBody>
-          <a:bodyPr/>
-          <a:lstStyle/>
-          <a:p>
-            <a:r>
-              <a:rPr lang="en-US" dirty="0"/>
-              <a:t>presentation title</a:t>
-            </a:r>
-          </a:p>
-        </p:txBody>
-      </p:sp>
-      <p:sp>
-        <p:nvSpPr>
-          <p:cNvPr id="4" name="Slide Number Placeholder 3">
-            <a:extLst>
-              <a:ext uri="{FF2B5EF4-FFF2-40B4-BE49-F238E27FC236}">
-                <a16:creationId xmlns:a16="http://schemas.microsoft.com/office/drawing/2014/main" id="{43D6DE2E-F5E3-8CAF-A5C3-E67C03F538DF}"/>
-              </a:ext>
-            </a:extLst>
-          </p:cNvPr>
-          <p:cNvSpPr>
-            <a:spLocks noGrp="1"/>
-          </p:cNvSpPr>
-          <p:nvPr>
-            <p:ph type="sldNum" sz="quarter" idx="11"/>
-          </p:nvPr>
-        </p:nvSpPr>
-        <p:spPr/>
-        <p:txBody>
-          <a:bodyPr/>
-          <a:lstStyle/>
-          <a:p>
-            <a:fld id="{75DF2D63-3FF5-D547-96B9-BE9CCD1ABA58}" type="slidenum">
-              <a:rPr lang="en-US" smtClean="0"/>
-              <a:pPr/>
-              <a:t>2</a:t>
-            </a:fld>
-            <a:endParaRPr lang="en-US" dirty="0"/>
-          </a:p>
-        </p:txBody>
-      </p:sp>
-      <p:sp>
-        <p:nvSpPr>
-          <p:cNvPr id="3" name="Content Placeholder 2">
-            <a:extLst>
-              <a:ext uri="{FF2B5EF4-FFF2-40B4-BE49-F238E27FC236}">
-                <a16:creationId xmlns:a16="http://schemas.microsoft.com/office/drawing/2014/main" id="{4D038CD2-9585-7E51-5359-D52935A77DF0}"/>
-              </a:ext>
-            </a:extLst>
-          </p:cNvPr>
-          <p:cNvSpPr>
-            <a:spLocks noGrp="1"/>
-          </p:cNvSpPr>
-          <p:nvPr>
-            <p:ph idx="1"/>
-          </p:nvPr>
-        </p:nvSpPr>
-        <p:spPr/>
-        <p:txBody>
-          <a:bodyPr/>
-          <a:lstStyle/>
-          <a:p>
-            <a:r>
-              <a:rPr lang="en-US" dirty="0"/>
-              <a:t>Introduction</a:t>
-            </a:r>
-          </a:p>
-          <a:p>
-            <a:r>
-              <a:rPr lang="en-US" dirty="0"/>
-              <a:t>Primary goals</a:t>
-            </a:r>
-          </a:p>
-          <a:p>
-            <a:r>
-              <a:rPr lang="en-US" dirty="0"/>
-              <a:t>Areas of growth</a:t>
-            </a:r>
-          </a:p>
-          <a:p>
-            <a:r>
-              <a:rPr lang="en-US" dirty="0"/>
-              <a:t>Timeline</a:t>
-            </a:r>
-          </a:p>
-          <a:p>
-            <a:r>
-              <a:rPr lang="en-US" dirty="0"/>
-              <a:t>Summary</a:t>
-            </a:r>
-          </a:p>
-          <a:p>
-            <a:endParaRPr lang="en-US" dirty="0"/>
-          </a:p>
-          <a:p>
-            <a:endParaRPr lang="en-US" dirty="0"/>
-          </a:p>
-        </p:txBody>
-      </p:sp>
-      <p:pic>
-        <p:nvPicPr>
-          <p:cNvPr id="8" name="Picture Placeholder 7" descr="Pipette diffusing dyes in flasks">
-            <a:extLst>
-              <a:ext uri="{FF2B5EF4-FFF2-40B4-BE49-F238E27FC236}">
-                <a16:creationId xmlns:a16="http://schemas.microsoft.com/office/drawing/2014/main" id="{9DA934D8-2609-4227-78DF-CF8F07A2F9C7}"/>
-              </a:ext>
-            </a:extLst>
-          </p:cNvPr>
-          <p:cNvPicPr>
-            <a:picLocks noGrp="1" noChangeAspect="1"/>
-          </p:cNvPicPr>
-          <p:nvPr>
-            <p:ph type="pic" sz="quarter" idx="13"/>
-          </p:nvPr>
-        </p:nvPicPr>
-        <p:blipFill rotWithShape="1">
-          <a:blip r:embed="rId2">
-            <a:alphaModFix/>
-            <a:extLst>
-              <a:ext uri="{28A0092B-C50C-407E-A947-70E740481C1C}">
-                <a14:useLocalDpi xmlns:a14="http://schemas.microsoft.com/office/drawing/2010/main" val="0"/>
-              </a:ext>
-            </a:extLst>
-          </a:blip>
-          <a:srcRect t="79" b="79"/>
-          <a:stretch/>
-        </p:blipFill>
-        <p:spPr/>
-      </p:pic>
-    </p:spTree>
-    <p:extLst>
-      <p:ext uri="{BB962C8B-B14F-4D97-AF65-F5344CB8AC3E}">
-        <p14:creationId xmlns:p14="http://schemas.microsoft.com/office/powerpoint/2010/main" val="2910866480"/>
+        <p14:creationId xmlns:p14="http://schemas.microsoft.com/office/powerpoint/2010/main" val="2810133685"/>
       </p:ext>
     </p:extLst>
   </p:cSld>
@@ -14313,7 +11794,7 @@
           <p:cNvPr id="2" name="Title 1">
             <a:extLst>
               <a:ext uri="{FF2B5EF4-FFF2-40B4-BE49-F238E27FC236}">
-                <a16:creationId xmlns:a16="http://schemas.microsoft.com/office/drawing/2014/main" id="{F0984788-646A-CF90-D67D-14752A71745D}"/>
+                <a16:creationId xmlns:a16="http://schemas.microsoft.com/office/drawing/2014/main" id="{3359D63F-F67D-B1A6-9772-28B26C238474}"/>
               </a:ext>
             </a:extLst>
           </p:cNvPr>
@@ -14331,25 +11812,2275 @@
           <a:p>
             <a:r>
               <a:rPr lang="en-US" dirty="0"/>
-              <a:t>Introduction</a:t>
-            </a:r>
-          </a:p>
-        </p:txBody>
-      </p:sp>
-      <p:sp>
-        <p:nvSpPr>
-          <p:cNvPr id="5" name="Footer Placeholder 4">
-            <a:extLst>
-              <a:ext uri="{FF2B5EF4-FFF2-40B4-BE49-F238E27FC236}">
-                <a16:creationId xmlns:a16="http://schemas.microsoft.com/office/drawing/2014/main" id="{241D8BC6-DD9D-7F06-3B9F-9F2B462E4984}"/>
-              </a:ext>
-            </a:extLst>
-          </p:cNvPr>
-          <p:cNvSpPr>
-            <a:spLocks noGrp="1"/>
-          </p:cNvSpPr>
-          <p:nvPr>
-            <p:ph type="ftr" sz="quarter" idx="12"/>
+              <a:t>Tentative Schedule</a:t>
+            </a:r>
+          </a:p>
+        </p:txBody>
+      </p:sp>
+      <p:graphicFrame>
+        <p:nvGraphicFramePr>
+          <p:cNvPr id="6" name="Table 4">
+            <a:extLst>
+              <a:ext uri="{FF2B5EF4-FFF2-40B4-BE49-F238E27FC236}">
+                <a16:creationId xmlns:a16="http://schemas.microsoft.com/office/drawing/2014/main" id="{0A0DC889-C77D-3D3E-D081-3D572EC949AE}"/>
+              </a:ext>
+            </a:extLst>
+          </p:cNvPr>
+          <p:cNvGraphicFramePr>
+            <a:graphicFrameLocks noGrp="1"/>
+          </p:cNvGraphicFramePr>
+          <p:nvPr>
+            <p:ph idx="1"/>
+            <p:extLst>
+              <p:ext uri="{D42A27DB-BD31-4B8C-83A1-F6EECF244321}">
+                <p14:modId xmlns:p14="http://schemas.microsoft.com/office/powerpoint/2010/main" val="1126907547"/>
+              </p:ext>
+            </p:extLst>
+          </p:nvPr>
+        </p:nvGraphicFramePr>
+        <p:xfrm>
+          <a:off x="1189039" y="1286935"/>
+          <a:ext cx="9829481" cy="4961465"/>
+        </p:xfrm>
+        <a:graphic>
+          <a:graphicData uri="http://schemas.openxmlformats.org/drawingml/2006/table">
+            <a:tbl>
+              <a:tblPr firstRow="1" bandRow="1">
+                <a:tableStyleId>{5C22544A-7EE6-4342-B048-85BDC9FD1C3A}</a:tableStyleId>
+              </a:tblPr>
+              <a:tblGrid>
+                <a:gridCol w="1517552">
+                  <a:extLst>
+                    <a:ext uri="{9D8B030D-6E8A-4147-A177-3AD203B41FA5}">
+                      <a16:colId xmlns:a16="http://schemas.microsoft.com/office/drawing/2014/main" val="1689330750"/>
+                    </a:ext>
+                  </a:extLst>
+                </a:gridCol>
+                <a:gridCol w="1065320">
+                  <a:extLst>
+                    <a:ext uri="{9D8B030D-6E8A-4147-A177-3AD203B41FA5}">
+                      <a16:colId xmlns:a16="http://schemas.microsoft.com/office/drawing/2014/main" val="2660631934"/>
+                    </a:ext>
+                  </a:extLst>
+                </a:gridCol>
+                <a:gridCol w="1429305">
+                  <a:extLst>
+                    <a:ext uri="{9D8B030D-6E8A-4147-A177-3AD203B41FA5}">
+                      <a16:colId xmlns:a16="http://schemas.microsoft.com/office/drawing/2014/main" val="3909717689"/>
+                    </a:ext>
+                  </a:extLst>
+                </a:gridCol>
+                <a:gridCol w="1171852">
+                  <a:extLst>
+                    <a:ext uri="{9D8B030D-6E8A-4147-A177-3AD203B41FA5}">
+                      <a16:colId xmlns:a16="http://schemas.microsoft.com/office/drawing/2014/main" val="1603189107"/>
+                    </a:ext>
+                  </a:extLst>
+                </a:gridCol>
+                <a:gridCol w="1251752">
+                  <a:extLst>
+                    <a:ext uri="{9D8B030D-6E8A-4147-A177-3AD203B41FA5}">
+                      <a16:colId xmlns:a16="http://schemas.microsoft.com/office/drawing/2014/main" val="2755691855"/>
+                    </a:ext>
+                  </a:extLst>
+                </a:gridCol>
+                <a:gridCol w="1296140">
+                  <a:extLst>
+                    <a:ext uri="{9D8B030D-6E8A-4147-A177-3AD203B41FA5}">
+                      <a16:colId xmlns:a16="http://schemas.microsoft.com/office/drawing/2014/main" val="4080706346"/>
+                    </a:ext>
+                  </a:extLst>
+                </a:gridCol>
+                <a:gridCol w="1048780">
+                  <a:extLst>
+                    <a:ext uri="{9D8B030D-6E8A-4147-A177-3AD203B41FA5}">
+                      <a16:colId xmlns:a16="http://schemas.microsoft.com/office/drawing/2014/main" val="2366190676"/>
+                    </a:ext>
+                  </a:extLst>
+                </a:gridCol>
+                <a:gridCol w="1048780">
+                  <a:extLst>
+                    <a:ext uri="{9D8B030D-6E8A-4147-A177-3AD203B41FA5}">
+                      <a16:colId xmlns:a16="http://schemas.microsoft.com/office/drawing/2014/main" val="1112703257"/>
+                    </a:ext>
+                  </a:extLst>
+                </a:gridCol>
+              </a:tblGrid>
+              <a:tr h="884555">
+                <a:tc>
+                  <a:txBody>
+                    <a:bodyPr/>
+                    <a:lstStyle/>
+                    <a:p>
+                      <a:pPr algn="ctr"/>
+                      <a:r>
+                        <a:rPr lang="en-US" sz="1400" b="0" i="0" cap="all" spc="200" baseline="0" dirty="0">
+                          <a:solidFill>
+                            <a:schemeClr val="tx1"/>
+                          </a:solidFill>
+                          <a:latin typeface="Posterama" panose="020B0504020200020000" pitchFamily="34" charset="0"/>
+                        </a:rPr>
+                        <a:t>2023</a:t>
+                      </a:r>
+                    </a:p>
+                  </a:txBody>
+                  <a:tcPr anchor="ctr">
+                    <a:solidFill>
+                      <a:schemeClr val="accent4"/>
+                    </a:solidFill>
+                  </a:tcPr>
+                </a:tc>
+                <a:tc>
+                  <a:txBody>
+                    <a:bodyPr/>
+                    <a:lstStyle/>
+                    <a:p>
+                      <a:pPr algn="ctr"/>
+                      <a:r>
+                        <a:rPr lang="en-US" sz="1400" b="0" i="0" cap="all" spc="200" baseline="0" dirty="0">
+                          <a:solidFill>
+                            <a:schemeClr val="tx1"/>
+                          </a:solidFill>
+                          <a:latin typeface="Posterama" panose="020B0504020200020000" pitchFamily="34" charset="0"/>
+                          <a:cs typeface="Posterama" panose="020B0504020200020000" pitchFamily="34" charset="0"/>
+                        </a:rPr>
+                        <a:t>January</a:t>
+                      </a:r>
+                    </a:p>
+                  </a:txBody>
+                  <a:tcPr anchor="ctr">
+                    <a:solidFill>
+                      <a:schemeClr val="accent4"/>
+                    </a:solidFill>
+                  </a:tcPr>
+                </a:tc>
+                <a:tc>
+                  <a:txBody>
+                    <a:bodyPr/>
+                    <a:lstStyle/>
+                    <a:p>
+                      <a:pPr algn="ctr"/>
+                      <a:r>
+                        <a:rPr lang="en-US" sz="1400" b="0" i="0" cap="all" spc="200" baseline="0" dirty="0">
+                          <a:solidFill>
+                            <a:schemeClr val="tx1"/>
+                          </a:solidFill>
+                          <a:latin typeface="Posterama" panose="020B0504020200020000" pitchFamily="34" charset="0"/>
+                          <a:cs typeface="Posterama" panose="020B0504020200020000" pitchFamily="34" charset="0"/>
+                        </a:rPr>
+                        <a:t>February</a:t>
+                      </a:r>
+                    </a:p>
+                  </a:txBody>
+                  <a:tcPr anchor="ctr">
+                    <a:solidFill>
+                      <a:schemeClr val="accent4"/>
+                    </a:solidFill>
+                  </a:tcPr>
+                </a:tc>
+                <a:tc>
+                  <a:txBody>
+                    <a:bodyPr/>
+                    <a:lstStyle/>
+                    <a:p>
+                      <a:pPr algn="ctr"/>
+                      <a:r>
+                        <a:rPr lang="en-US" sz="1400" b="0" i="0" cap="all" spc="200" baseline="0" dirty="0">
+                          <a:solidFill>
+                            <a:schemeClr val="tx1"/>
+                          </a:solidFill>
+                          <a:latin typeface="Posterama" panose="020B0504020200020000" pitchFamily="34" charset="0"/>
+                          <a:cs typeface="Posterama" panose="020B0504020200020000" pitchFamily="34" charset="0"/>
+                        </a:rPr>
+                        <a:t>March</a:t>
+                      </a:r>
+                    </a:p>
+                  </a:txBody>
+                  <a:tcPr anchor="ctr">
+                    <a:solidFill>
+                      <a:schemeClr val="accent4"/>
+                    </a:solidFill>
+                  </a:tcPr>
+                </a:tc>
+                <a:tc>
+                  <a:txBody>
+                    <a:bodyPr/>
+                    <a:lstStyle/>
+                    <a:p>
+                      <a:pPr algn="ctr"/>
+                      <a:r>
+                        <a:rPr lang="en-US" sz="1400" b="0" i="0" cap="all" spc="200" baseline="0" dirty="0">
+                          <a:solidFill>
+                            <a:schemeClr val="tx1"/>
+                          </a:solidFill>
+                          <a:latin typeface="Posterama" panose="020B0504020200020000" pitchFamily="34" charset="0"/>
+                          <a:cs typeface="Posterama" panose="020B0504020200020000" pitchFamily="34" charset="0"/>
+                        </a:rPr>
+                        <a:t>April</a:t>
+                      </a:r>
+                    </a:p>
+                  </a:txBody>
+                  <a:tcPr anchor="ctr">
+                    <a:solidFill>
+                      <a:schemeClr val="accent4"/>
+                    </a:solidFill>
+                  </a:tcPr>
+                </a:tc>
+                <a:tc>
+                  <a:txBody>
+                    <a:bodyPr/>
+                    <a:lstStyle/>
+                    <a:p>
+                      <a:pPr algn="ctr"/>
+                      <a:r>
+                        <a:rPr lang="en-US" sz="1400" b="0" i="0" cap="all" spc="200" baseline="0" dirty="0">
+                          <a:solidFill>
+                            <a:schemeClr val="tx1"/>
+                          </a:solidFill>
+                          <a:latin typeface="Posterama" panose="020B0504020200020000" pitchFamily="34" charset="0"/>
+                          <a:cs typeface="Posterama" panose="020B0504020200020000" pitchFamily="34" charset="0"/>
+                        </a:rPr>
+                        <a:t>May</a:t>
+                      </a:r>
+                    </a:p>
+                  </a:txBody>
+                  <a:tcPr anchor="ctr">
+                    <a:solidFill>
+                      <a:schemeClr val="accent4"/>
+                    </a:solidFill>
+                  </a:tcPr>
+                </a:tc>
+                <a:tc gridSpan="2">
+                  <a:txBody>
+                    <a:bodyPr/>
+                    <a:lstStyle/>
+                    <a:p>
+                      <a:pPr algn="ctr"/>
+                      <a:r>
+                        <a:rPr lang="en-US" sz="1400" b="0" i="0" cap="all" spc="200" baseline="0" dirty="0">
+                          <a:solidFill>
+                            <a:schemeClr val="tx1"/>
+                          </a:solidFill>
+                          <a:latin typeface="Posterama" panose="020B0504020200020000" pitchFamily="34" charset="0"/>
+                          <a:cs typeface="Posterama" panose="020B0504020200020000" pitchFamily="34" charset="0"/>
+                        </a:rPr>
+                        <a:t>Summary</a:t>
+                      </a:r>
+                    </a:p>
+                  </a:txBody>
+                  <a:tcPr anchor="ctr">
+                    <a:solidFill>
+                      <a:schemeClr val="accent4"/>
+                    </a:solidFill>
+                  </a:tcPr>
+                </a:tc>
+                <a:tc hMerge="1">
+                  <a:txBody>
+                    <a:bodyPr/>
+                    <a:lstStyle/>
+                    <a:p>
+                      <a:endParaRPr lang="en-US"/>
+                    </a:p>
+                  </a:txBody>
+                  <a:tcPr/>
+                </a:tc>
+                <a:extLst>
+                  <a:ext uri="{0D108BD9-81ED-4DB2-BD59-A6C34878D82A}">
+                    <a16:rowId xmlns:a16="http://schemas.microsoft.com/office/drawing/2014/main" val="479928716"/>
+                  </a:ext>
+                </a:extLst>
+              </a:tr>
+              <a:tr h="476379">
+                <a:tc>
+                  <a:txBody>
+                    <a:bodyPr/>
+                    <a:lstStyle/>
+                    <a:p>
+                      <a:pPr algn="ctr"/>
+                      <a:r>
+                        <a:rPr lang="en-US" sz="1400" b="1" i="0" baseline="0" dirty="0">
+                          <a:solidFill>
+                            <a:schemeClr val="tx2">
+                              <a:lumMod val="75000"/>
+                            </a:schemeClr>
+                          </a:solidFill>
+                          <a:latin typeface="Daytona Pro Condensed Light" panose="020B0306030503040204" pitchFamily="34" charset="0"/>
+                        </a:rPr>
+                        <a:t>Tasks</a:t>
+                      </a:r>
+                    </a:p>
+                  </a:txBody>
+                  <a:tcPr anchor="ctr">
+                    <a:solidFill>
+                      <a:schemeClr val="accent2">
+                        <a:alpha val="10000"/>
+                      </a:schemeClr>
+                    </a:solidFill>
+                  </a:tcPr>
+                </a:tc>
+                <a:tc>
+                  <a:txBody>
+                    <a:bodyPr/>
+                    <a:lstStyle/>
+                    <a:p>
+                      <a:pPr algn="ctr"/>
+                      <a:endParaRPr lang="en-US" sz="1400" b="0" i="0" baseline="0" dirty="0">
+                        <a:solidFill>
+                          <a:schemeClr val="tx2">
+                            <a:lumMod val="75000"/>
+                          </a:schemeClr>
+                        </a:solidFill>
+                        <a:latin typeface="Daytona Pro Condensed Light" panose="020B0306030503040204" pitchFamily="34" charset="0"/>
+                      </a:endParaRPr>
+                    </a:p>
+                  </a:txBody>
+                  <a:tcPr anchor="ctr">
+                    <a:solidFill>
+                      <a:schemeClr val="accent2">
+                        <a:alpha val="10000"/>
+                      </a:schemeClr>
+                    </a:solidFill>
+                  </a:tcPr>
+                </a:tc>
+                <a:tc>
+                  <a:txBody>
+                    <a:bodyPr/>
+                    <a:lstStyle/>
+                    <a:p>
+                      <a:pPr algn="ctr"/>
+                      <a:endParaRPr lang="en-US" sz="1400" b="0" i="0" baseline="0" dirty="0">
+                        <a:solidFill>
+                          <a:schemeClr val="tx2">
+                            <a:lumMod val="75000"/>
+                          </a:schemeClr>
+                        </a:solidFill>
+                        <a:latin typeface="Daytona Pro Condensed Light" panose="020B0306030503040204" pitchFamily="34" charset="0"/>
+                      </a:endParaRPr>
+                    </a:p>
+                  </a:txBody>
+                  <a:tcPr anchor="ctr">
+                    <a:solidFill>
+                      <a:schemeClr val="accent2">
+                        <a:alpha val="10000"/>
+                      </a:schemeClr>
+                    </a:solidFill>
+                  </a:tcPr>
+                </a:tc>
+                <a:tc>
+                  <a:txBody>
+                    <a:bodyPr/>
+                    <a:lstStyle/>
+                    <a:p>
+                      <a:pPr algn="ctr"/>
+                      <a:endParaRPr lang="en-US" sz="1400" b="0" i="0" baseline="0" dirty="0">
+                        <a:solidFill>
+                          <a:schemeClr val="tx2">
+                            <a:lumMod val="75000"/>
+                          </a:schemeClr>
+                        </a:solidFill>
+                        <a:latin typeface="Daytona Pro Condensed Light" panose="020B0306030503040204" pitchFamily="34" charset="0"/>
+                      </a:endParaRPr>
+                    </a:p>
+                  </a:txBody>
+                  <a:tcPr anchor="ctr">
+                    <a:solidFill>
+                      <a:schemeClr val="accent2">
+                        <a:alpha val="10000"/>
+                      </a:schemeClr>
+                    </a:solidFill>
+                  </a:tcPr>
+                </a:tc>
+                <a:tc>
+                  <a:txBody>
+                    <a:bodyPr/>
+                    <a:lstStyle/>
+                    <a:p>
+                      <a:pPr algn="ctr"/>
+                      <a:endParaRPr lang="en-US" sz="1400" b="0" i="0" baseline="0" dirty="0">
+                        <a:solidFill>
+                          <a:schemeClr val="tx2">
+                            <a:lumMod val="75000"/>
+                          </a:schemeClr>
+                        </a:solidFill>
+                        <a:latin typeface="Daytona Pro Condensed Light" panose="020B0306030503040204" pitchFamily="34" charset="0"/>
+                      </a:endParaRPr>
+                    </a:p>
+                  </a:txBody>
+                  <a:tcPr anchor="ctr">
+                    <a:solidFill>
+                      <a:schemeClr val="accent2">
+                        <a:alpha val="10000"/>
+                      </a:schemeClr>
+                    </a:solidFill>
+                  </a:tcPr>
+                </a:tc>
+                <a:tc>
+                  <a:txBody>
+                    <a:bodyPr/>
+                    <a:lstStyle/>
+                    <a:p>
+                      <a:pPr algn="ctr"/>
+                      <a:endParaRPr lang="en-US" sz="1400" b="0" i="0" baseline="0" dirty="0">
+                        <a:solidFill>
+                          <a:schemeClr val="tx2">
+                            <a:lumMod val="75000"/>
+                          </a:schemeClr>
+                        </a:solidFill>
+                        <a:latin typeface="Daytona Pro Condensed Light" panose="020B0306030503040204" pitchFamily="34" charset="0"/>
+                      </a:endParaRPr>
+                    </a:p>
+                  </a:txBody>
+                  <a:tcPr anchor="ctr">
+                    <a:solidFill>
+                      <a:schemeClr val="accent2">
+                        <a:alpha val="10000"/>
+                      </a:schemeClr>
+                    </a:solidFill>
+                  </a:tcPr>
+                </a:tc>
+                <a:tc>
+                  <a:txBody>
+                    <a:bodyPr/>
+                    <a:lstStyle/>
+                    <a:p>
+                      <a:pPr algn="ctr"/>
+                      <a:r>
+                        <a:rPr lang="en-US" sz="1400" b="0" i="0" baseline="0" dirty="0">
+                          <a:solidFill>
+                            <a:schemeClr val="tx2">
+                              <a:lumMod val="75000"/>
+                            </a:schemeClr>
+                          </a:solidFill>
+                          <a:latin typeface="Daytona Pro Condensed Light" panose="020B0306030503040204" pitchFamily="34" charset="0"/>
+                        </a:rPr>
+                        <a:t>Hours</a:t>
+                      </a:r>
+                    </a:p>
+                  </a:txBody>
+                  <a:tcPr anchor="ctr">
+                    <a:solidFill>
+                      <a:schemeClr val="accent2">
+                        <a:alpha val="10000"/>
+                      </a:schemeClr>
+                    </a:solidFill>
+                  </a:tcPr>
+                </a:tc>
+                <a:tc>
+                  <a:txBody>
+                    <a:bodyPr/>
+                    <a:lstStyle/>
+                    <a:p>
+                      <a:pPr algn="ctr"/>
+                      <a:r>
+                        <a:rPr lang="en-US" sz="1400" b="0" i="0" baseline="0" dirty="0">
+                          <a:solidFill>
+                            <a:schemeClr val="tx2">
+                              <a:lumMod val="75000"/>
+                            </a:schemeClr>
+                          </a:solidFill>
+                          <a:latin typeface="Daytona Pro Condensed Light" panose="020B0306030503040204" pitchFamily="34" charset="0"/>
+                        </a:rPr>
+                        <a:t>Percent</a:t>
+                      </a:r>
+                    </a:p>
+                  </a:txBody>
+                  <a:tcPr anchor="ctr">
+                    <a:solidFill>
+                      <a:schemeClr val="accent2">
+                        <a:alpha val="10000"/>
+                      </a:schemeClr>
+                    </a:solidFill>
+                  </a:tcPr>
+                </a:tc>
+                <a:extLst>
+                  <a:ext uri="{0D108BD9-81ED-4DB2-BD59-A6C34878D82A}">
+                    <a16:rowId xmlns:a16="http://schemas.microsoft.com/office/drawing/2014/main" val="1760208656"/>
+                  </a:ext>
+                </a:extLst>
+              </a:tr>
+              <a:tr h="443884">
+                <a:tc>
+                  <a:txBody>
+                    <a:bodyPr/>
+                    <a:lstStyle/>
+                    <a:p>
+                      <a:pPr algn="ctr"/>
+                      <a:r>
+                        <a:rPr lang="en-US" sz="1400" b="0" i="0" baseline="0">
+                          <a:solidFill>
+                            <a:schemeClr val="tx2">
+                              <a:lumMod val="75000"/>
+                            </a:schemeClr>
+                          </a:solidFill>
+                          <a:latin typeface="Daytona Pro Condensed Light" panose="020B0306030503040204" pitchFamily="34" charset="0"/>
+                        </a:rPr>
+                        <a:t>Requirements</a:t>
+                      </a:r>
+                      <a:endParaRPr lang="en-US" sz="1400" b="0" i="0" baseline="0" dirty="0">
+                        <a:solidFill>
+                          <a:schemeClr val="tx2">
+                            <a:lumMod val="75000"/>
+                          </a:schemeClr>
+                        </a:solidFill>
+                        <a:latin typeface="Daytona Pro Condensed Light" panose="020B0306030503040204" pitchFamily="34" charset="0"/>
+                      </a:endParaRPr>
+                    </a:p>
+                  </a:txBody>
+                  <a:tcPr anchor="ctr">
+                    <a:solidFill>
+                      <a:schemeClr val="accent2">
+                        <a:alpha val="10000"/>
+                      </a:schemeClr>
+                    </a:solidFill>
+                  </a:tcPr>
+                </a:tc>
+                <a:tc>
+                  <a:txBody>
+                    <a:bodyPr/>
+                    <a:lstStyle/>
+                    <a:p>
+                      <a:pPr algn="ctr"/>
+                      <a:r>
+                        <a:rPr lang="en-US" sz="1400" b="0" i="0" baseline="0" dirty="0">
+                          <a:solidFill>
+                            <a:schemeClr val="tx2">
+                              <a:lumMod val="75000"/>
+                            </a:schemeClr>
+                          </a:solidFill>
+                          <a:latin typeface="Daytona Pro Condensed Light" panose="020B0306030503040204" pitchFamily="34" charset="0"/>
+                        </a:rPr>
+                        <a:t>20</a:t>
+                      </a:r>
+                    </a:p>
+                  </a:txBody>
+                  <a:tcPr anchor="ctr">
+                    <a:solidFill>
+                      <a:schemeClr val="accent2">
+                        <a:alpha val="10000"/>
+                      </a:schemeClr>
+                    </a:solidFill>
+                  </a:tcPr>
+                </a:tc>
+                <a:tc>
+                  <a:txBody>
+                    <a:bodyPr/>
+                    <a:lstStyle/>
+                    <a:p>
+                      <a:pPr algn="ctr"/>
+                      <a:endParaRPr lang="en-US" sz="1400" b="0" i="0" baseline="0" dirty="0">
+                        <a:solidFill>
+                          <a:schemeClr val="tx2">
+                            <a:lumMod val="75000"/>
+                          </a:schemeClr>
+                        </a:solidFill>
+                        <a:latin typeface="Daytona Pro Condensed Light" panose="020B0306030503040204" pitchFamily="34" charset="0"/>
+                      </a:endParaRPr>
+                    </a:p>
+                  </a:txBody>
+                  <a:tcPr anchor="ctr">
+                    <a:solidFill>
+                      <a:schemeClr val="accent2">
+                        <a:alpha val="10000"/>
+                      </a:schemeClr>
+                    </a:solidFill>
+                  </a:tcPr>
+                </a:tc>
+                <a:tc>
+                  <a:txBody>
+                    <a:bodyPr/>
+                    <a:lstStyle/>
+                    <a:p>
+                      <a:pPr algn="ctr"/>
+                      <a:endParaRPr lang="en-US" sz="1400" b="0" i="0" baseline="0" dirty="0">
+                        <a:solidFill>
+                          <a:schemeClr val="tx2">
+                            <a:lumMod val="75000"/>
+                          </a:schemeClr>
+                        </a:solidFill>
+                        <a:latin typeface="Daytona Pro Condensed Light" panose="020B0306030503040204" pitchFamily="34" charset="0"/>
+                      </a:endParaRPr>
+                    </a:p>
+                  </a:txBody>
+                  <a:tcPr anchor="ctr">
+                    <a:solidFill>
+                      <a:schemeClr val="accent2">
+                        <a:alpha val="10000"/>
+                      </a:schemeClr>
+                    </a:solidFill>
+                  </a:tcPr>
+                </a:tc>
+                <a:tc>
+                  <a:txBody>
+                    <a:bodyPr/>
+                    <a:lstStyle/>
+                    <a:p>
+                      <a:pPr algn="ctr"/>
+                      <a:endParaRPr lang="en-US" sz="1400" b="0" i="0" baseline="0" dirty="0">
+                        <a:solidFill>
+                          <a:schemeClr val="tx2">
+                            <a:lumMod val="75000"/>
+                          </a:schemeClr>
+                        </a:solidFill>
+                        <a:latin typeface="Daytona Pro Condensed Light" panose="020B0306030503040204" pitchFamily="34" charset="0"/>
+                      </a:endParaRPr>
+                    </a:p>
+                  </a:txBody>
+                  <a:tcPr anchor="ctr">
+                    <a:solidFill>
+                      <a:schemeClr val="accent2">
+                        <a:alpha val="10000"/>
+                      </a:schemeClr>
+                    </a:solidFill>
+                  </a:tcPr>
+                </a:tc>
+                <a:tc>
+                  <a:txBody>
+                    <a:bodyPr/>
+                    <a:lstStyle/>
+                    <a:p>
+                      <a:pPr algn="ctr"/>
+                      <a:endParaRPr lang="en-US" sz="1400" b="0" i="0" baseline="0" dirty="0">
+                        <a:solidFill>
+                          <a:schemeClr val="tx2">
+                            <a:lumMod val="75000"/>
+                          </a:schemeClr>
+                        </a:solidFill>
+                        <a:latin typeface="Daytona Pro Condensed Light" panose="020B0306030503040204" pitchFamily="34" charset="0"/>
+                      </a:endParaRPr>
+                    </a:p>
+                  </a:txBody>
+                  <a:tcPr anchor="ctr">
+                    <a:solidFill>
+                      <a:schemeClr val="accent2">
+                        <a:alpha val="10000"/>
+                      </a:schemeClr>
+                    </a:solidFill>
+                  </a:tcPr>
+                </a:tc>
+                <a:tc>
+                  <a:txBody>
+                    <a:bodyPr/>
+                    <a:lstStyle/>
+                    <a:p>
+                      <a:pPr algn="ctr"/>
+                      <a:r>
+                        <a:rPr lang="en-US" sz="1400" b="0" i="0" baseline="0" dirty="0">
+                          <a:solidFill>
+                            <a:schemeClr val="tx2">
+                              <a:lumMod val="75000"/>
+                            </a:schemeClr>
+                          </a:solidFill>
+                          <a:latin typeface="Daytona Pro Condensed Light" panose="020B0306030503040204" pitchFamily="34" charset="0"/>
+                        </a:rPr>
+                        <a:t>20</a:t>
+                      </a:r>
+                    </a:p>
+                  </a:txBody>
+                  <a:tcPr anchor="ctr">
+                    <a:solidFill>
+                      <a:schemeClr val="accent2">
+                        <a:alpha val="10000"/>
+                      </a:schemeClr>
+                    </a:solidFill>
+                  </a:tcPr>
+                </a:tc>
+                <a:tc>
+                  <a:txBody>
+                    <a:bodyPr/>
+                    <a:lstStyle/>
+                    <a:p>
+                      <a:pPr algn="ctr"/>
+                      <a:r>
+                        <a:rPr lang="en-US" sz="1400" b="0" i="0" baseline="0" dirty="0">
+                          <a:solidFill>
+                            <a:schemeClr val="tx2">
+                              <a:lumMod val="75000"/>
+                            </a:schemeClr>
+                          </a:solidFill>
+                          <a:latin typeface="Daytona Pro Condensed Light" panose="020B0306030503040204" pitchFamily="34" charset="0"/>
+                        </a:rPr>
+                        <a:t>10.6%</a:t>
+                      </a:r>
+                    </a:p>
+                  </a:txBody>
+                  <a:tcPr anchor="ctr">
+                    <a:solidFill>
+                      <a:schemeClr val="accent2">
+                        <a:alpha val="10000"/>
+                      </a:schemeClr>
+                    </a:solidFill>
+                  </a:tcPr>
+                </a:tc>
+                <a:extLst>
+                  <a:ext uri="{0D108BD9-81ED-4DB2-BD59-A6C34878D82A}">
+                    <a16:rowId xmlns:a16="http://schemas.microsoft.com/office/drawing/2014/main" val="2841679041"/>
+                  </a:ext>
+                </a:extLst>
+              </a:tr>
+              <a:tr h="213064">
+                <a:tc>
+                  <a:txBody>
+                    <a:bodyPr/>
+                    <a:lstStyle/>
+                    <a:p>
+                      <a:pPr algn="ctr"/>
+                      <a:r>
+                        <a:rPr lang="en-US" sz="1400" b="0" i="0" baseline="0" dirty="0">
+                          <a:solidFill>
+                            <a:schemeClr val="tx2">
+                              <a:lumMod val="75000"/>
+                            </a:schemeClr>
+                          </a:solidFill>
+                          <a:latin typeface="Daytona Pro Condensed Light" panose="020B0306030503040204" pitchFamily="34" charset="0"/>
+                        </a:rPr>
+                        <a:t>Design</a:t>
+                      </a:r>
+                    </a:p>
+                  </a:txBody>
+                  <a:tcPr anchor="ctr">
+                    <a:solidFill>
+                      <a:schemeClr val="accent1">
+                        <a:alpha val="15000"/>
+                      </a:schemeClr>
+                    </a:solidFill>
+                  </a:tcPr>
+                </a:tc>
+                <a:tc>
+                  <a:txBody>
+                    <a:bodyPr/>
+                    <a:lstStyle/>
+                    <a:p>
+                      <a:pPr algn="ctr"/>
+                      <a:r>
+                        <a:rPr lang="en-US" sz="1400" b="0" i="0" baseline="0" dirty="0">
+                          <a:solidFill>
+                            <a:schemeClr val="tx2">
+                              <a:lumMod val="75000"/>
+                            </a:schemeClr>
+                          </a:solidFill>
+                          <a:latin typeface="Daytona Pro Condensed Light" panose="020B0306030503040204" pitchFamily="34" charset="0"/>
+                        </a:rPr>
+                        <a:t>12</a:t>
+                      </a:r>
+                    </a:p>
+                  </a:txBody>
+                  <a:tcPr anchor="ctr">
+                    <a:solidFill>
+                      <a:schemeClr val="accent1">
+                        <a:alpha val="15000"/>
+                      </a:schemeClr>
+                    </a:solidFill>
+                  </a:tcPr>
+                </a:tc>
+                <a:tc>
+                  <a:txBody>
+                    <a:bodyPr/>
+                    <a:lstStyle/>
+                    <a:p>
+                      <a:pPr algn="ctr"/>
+                      <a:r>
+                        <a:rPr lang="en-US" sz="1400" b="0" i="0" baseline="0" dirty="0">
+                          <a:solidFill>
+                            <a:schemeClr val="tx2">
+                              <a:lumMod val="75000"/>
+                            </a:schemeClr>
+                          </a:solidFill>
+                          <a:latin typeface="Daytona Pro Condensed Light" panose="020B0306030503040204" pitchFamily="34" charset="0"/>
+                        </a:rPr>
+                        <a:t>4</a:t>
+                      </a:r>
+                    </a:p>
+                  </a:txBody>
+                  <a:tcPr anchor="ctr">
+                    <a:solidFill>
+                      <a:schemeClr val="accent1">
+                        <a:alpha val="15000"/>
+                      </a:schemeClr>
+                    </a:solidFill>
+                  </a:tcPr>
+                </a:tc>
+                <a:tc>
+                  <a:txBody>
+                    <a:bodyPr/>
+                    <a:lstStyle/>
+                    <a:p>
+                      <a:pPr algn="ctr"/>
+                      <a:r>
+                        <a:rPr lang="en-US" sz="1400" b="0" i="0" baseline="0" dirty="0">
+                          <a:solidFill>
+                            <a:schemeClr val="tx2">
+                              <a:lumMod val="75000"/>
+                            </a:schemeClr>
+                          </a:solidFill>
+                          <a:latin typeface="Daytona Pro Condensed Light" panose="020B0306030503040204" pitchFamily="34" charset="0"/>
+                        </a:rPr>
+                        <a:t>12</a:t>
+                      </a:r>
+                    </a:p>
+                  </a:txBody>
+                  <a:tcPr anchor="ctr">
+                    <a:solidFill>
+                      <a:schemeClr val="accent1">
+                        <a:alpha val="15000"/>
+                      </a:schemeClr>
+                    </a:solidFill>
+                  </a:tcPr>
+                </a:tc>
+                <a:tc>
+                  <a:txBody>
+                    <a:bodyPr/>
+                    <a:lstStyle/>
+                    <a:p>
+                      <a:pPr algn="ctr"/>
+                      <a:endParaRPr lang="en-US" sz="1400" b="0" i="0" baseline="0" dirty="0">
+                        <a:solidFill>
+                          <a:schemeClr val="tx2">
+                            <a:lumMod val="75000"/>
+                          </a:schemeClr>
+                        </a:solidFill>
+                        <a:latin typeface="Daytona Pro Condensed Light" panose="020B0306030503040204" pitchFamily="34" charset="0"/>
+                      </a:endParaRPr>
+                    </a:p>
+                  </a:txBody>
+                  <a:tcPr anchor="ctr">
+                    <a:solidFill>
+                      <a:schemeClr val="accent1">
+                        <a:alpha val="15000"/>
+                      </a:schemeClr>
+                    </a:solidFill>
+                  </a:tcPr>
+                </a:tc>
+                <a:tc>
+                  <a:txBody>
+                    <a:bodyPr/>
+                    <a:lstStyle/>
+                    <a:p>
+                      <a:pPr algn="ctr"/>
+                      <a:endParaRPr lang="en-US" sz="1400" b="0" i="0" baseline="0" dirty="0">
+                        <a:solidFill>
+                          <a:schemeClr val="tx2">
+                            <a:lumMod val="75000"/>
+                          </a:schemeClr>
+                        </a:solidFill>
+                        <a:latin typeface="Daytona Pro Condensed Light" panose="020B0306030503040204" pitchFamily="34" charset="0"/>
+                      </a:endParaRPr>
+                    </a:p>
+                  </a:txBody>
+                  <a:tcPr anchor="ctr">
+                    <a:solidFill>
+                      <a:schemeClr val="accent1">
+                        <a:alpha val="15000"/>
+                      </a:schemeClr>
+                    </a:solidFill>
+                  </a:tcPr>
+                </a:tc>
+                <a:tc>
+                  <a:txBody>
+                    <a:bodyPr/>
+                    <a:lstStyle/>
+                    <a:p>
+                      <a:pPr algn="ctr"/>
+                      <a:r>
+                        <a:rPr lang="en-US" sz="1400" b="0" i="0" baseline="0" dirty="0">
+                          <a:solidFill>
+                            <a:schemeClr val="tx2">
+                              <a:lumMod val="75000"/>
+                            </a:schemeClr>
+                          </a:solidFill>
+                          <a:latin typeface="Daytona Pro Condensed Light" panose="020B0306030503040204" pitchFamily="34" charset="0"/>
+                        </a:rPr>
+                        <a:t>28</a:t>
+                      </a:r>
+                    </a:p>
+                  </a:txBody>
+                  <a:tcPr anchor="ctr">
+                    <a:solidFill>
+                      <a:schemeClr val="accent1">
+                        <a:alpha val="15000"/>
+                      </a:schemeClr>
+                    </a:solidFill>
+                  </a:tcPr>
+                </a:tc>
+                <a:tc>
+                  <a:txBody>
+                    <a:bodyPr/>
+                    <a:lstStyle/>
+                    <a:p>
+                      <a:pPr algn="ctr"/>
+                      <a:r>
+                        <a:rPr lang="en-US" sz="1400" b="0" i="0" baseline="0" dirty="0">
+                          <a:solidFill>
+                            <a:schemeClr val="tx2">
+                              <a:lumMod val="75000"/>
+                            </a:schemeClr>
+                          </a:solidFill>
+                          <a:latin typeface="Daytona Pro Condensed Light" panose="020B0306030503040204" pitchFamily="34" charset="0"/>
+                        </a:rPr>
+                        <a:t>14.9%</a:t>
+                      </a:r>
+                    </a:p>
+                  </a:txBody>
+                  <a:tcPr anchor="ctr">
+                    <a:solidFill>
+                      <a:schemeClr val="accent1">
+                        <a:alpha val="15000"/>
+                      </a:schemeClr>
+                    </a:solidFill>
+                  </a:tcPr>
+                </a:tc>
+                <a:extLst>
+                  <a:ext uri="{0D108BD9-81ED-4DB2-BD59-A6C34878D82A}">
+                    <a16:rowId xmlns:a16="http://schemas.microsoft.com/office/drawing/2014/main" val="3634243071"/>
+                  </a:ext>
+                </a:extLst>
+              </a:tr>
+              <a:tr h="319596">
+                <a:tc>
+                  <a:txBody>
+                    <a:bodyPr/>
+                    <a:lstStyle/>
+                    <a:p>
+                      <a:pPr algn="ctr"/>
+                      <a:r>
+                        <a:rPr lang="en-US" sz="1400" b="0" i="0" baseline="0" dirty="0">
+                          <a:solidFill>
+                            <a:schemeClr val="tx2">
+                              <a:lumMod val="75000"/>
+                            </a:schemeClr>
+                          </a:solidFill>
+                          <a:latin typeface="Daytona Pro Condensed Light" panose="020B0306030503040204" pitchFamily="34" charset="0"/>
+                        </a:rPr>
+                        <a:t>Code &amp; Testing</a:t>
+                      </a:r>
+                    </a:p>
+                  </a:txBody>
+                  <a:tcPr anchor="ctr">
+                    <a:solidFill>
+                      <a:schemeClr val="accent2">
+                        <a:alpha val="10000"/>
+                      </a:schemeClr>
+                    </a:solidFill>
+                  </a:tcPr>
+                </a:tc>
+                <a:tc>
+                  <a:txBody>
+                    <a:bodyPr/>
+                    <a:lstStyle/>
+                    <a:p>
+                      <a:pPr algn="ctr"/>
+                      <a:r>
+                        <a:rPr lang="en-US" sz="1400" b="0" i="0" baseline="0" dirty="0">
+                          <a:solidFill>
+                            <a:schemeClr val="tx2">
+                              <a:lumMod val="75000"/>
+                            </a:schemeClr>
+                          </a:solidFill>
+                          <a:latin typeface="Daytona Pro Condensed Light" panose="020B0306030503040204" pitchFamily="34" charset="0"/>
+                        </a:rPr>
+                        <a:t>10</a:t>
+                      </a:r>
+                    </a:p>
+                  </a:txBody>
+                  <a:tcPr anchor="ctr">
+                    <a:solidFill>
+                      <a:schemeClr val="accent2">
+                        <a:alpha val="10000"/>
+                      </a:schemeClr>
+                    </a:solidFill>
+                  </a:tcPr>
+                </a:tc>
+                <a:tc>
+                  <a:txBody>
+                    <a:bodyPr/>
+                    <a:lstStyle/>
+                    <a:p>
+                      <a:pPr algn="ctr"/>
+                      <a:r>
+                        <a:rPr lang="en-US" sz="1400" b="0" i="0" baseline="0" dirty="0">
+                          <a:solidFill>
+                            <a:schemeClr val="tx2">
+                              <a:lumMod val="75000"/>
+                            </a:schemeClr>
+                          </a:solidFill>
+                          <a:latin typeface="Daytona Pro Condensed Light" panose="020B0306030503040204" pitchFamily="34" charset="0"/>
+                        </a:rPr>
+                        <a:t>20</a:t>
+                      </a:r>
+                    </a:p>
+                  </a:txBody>
+                  <a:tcPr anchor="ctr">
+                    <a:solidFill>
+                      <a:schemeClr val="accent2">
+                        <a:alpha val="10000"/>
+                      </a:schemeClr>
+                    </a:solidFill>
+                  </a:tcPr>
+                </a:tc>
+                <a:tc>
+                  <a:txBody>
+                    <a:bodyPr/>
+                    <a:lstStyle/>
+                    <a:p>
+                      <a:pPr algn="ctr"/>
+                      <a:r>
+                        <a:rPr lang="en-US" sz="1400" b="0" i="0" baseline="0" dirty="0">
+                          <a:solidFill>
+                            <a:schemeClr val="tx2">
+                              <a:lumMod val="75000"/>
+                            </a:schemeClr>
+                          </a:solidFill>
+                          <a:latin typeface="Daytona Pro Condensed Light" panose="020B0306030503040204" pitchFamily="34" charset="0"/>
+                        </a:rPr>
+                        <a:t>22</a:t>
+                      </a:r>
+                    </a:p>
+                  </a:txBody>
+                  <a:tcPr marL="0" marR="0" marT="0" marB="0" anchor="ctr">
+                    <a:solidFill>
+                      <a:schemeClr val="accent2">
+                        <a:alpha val="10000"/>
+                      </a:schemeClr>
+                    </a:solidFill>
+                  </a:tcPr>
+                </a:tc>
+                <a:tc>
+                  <a:txBody>
+                    <a:bodyPr/>
+                    <a:lstStyle/>
+                    <a:p>
+                      <a:pPr algn="ctr"/>
+                      <a:r>
+                        <a:rPr lang="en-US" sz="1400" b="0" i="0" baseline="0" dirty="0">
+                          <a:solidFill>
+                            <a:schemeClr val="tx2">
+                              <a:lumMod val="75000"/>
+                            </a:schemeClr>
+                          </a:solidFill>
+                          <a:latin typeface="Daytona Pro Condensed Light" panose="020B0306030503040204" pitchFamily="34" charset="0"/>
+                        </a:rPr>
+                        <a:t>10</a:t>
+                      </a:r>
+                    </a:p>
+                  </a:txBody>
+                  <a:tcPr anchor="ctr">
+                    <a:solidFill>
+                      <a:schemeClr val="accent2">
+                        <a:alpha val="10000"/>
+                      </a:schemeClr>
+                    </a:solidFill>
+                  </a:tcPr>
+                </a:tc>
+                <a:tc>
+                  <a:txBody>
+                    <a:bodyPr/>
+                    <a:lstStyle/>
+                    <a:p>
+                      <a:pPr algn="ctr"/>
+                      <a:endParaRPr lang="en-US" sz="1400" b="0" i="0" baseline="0" dirty="0">
+                        <a:solidFill>
+                          <a:schemeClr val="tx2">
+                            <a:lumMod val="75000"/>
+                          </a:schemeClr>
+                        </a:solidFill>
+                        <a:latin typeface="Daytona Pro Condensed Light" panose="020B0306030503040204" pitchFamily="34" charset="0"/>
+                      </a:endParaRPr>
+                    </a:p>
+                  </a:txBody>
+                  <a:tcPr anchor="ctr">
+                    <a:solidFill>
+                      <a:schemeClr val="accent2">
+                        <a:alpha val="10000"/>
+                      </a:schemeClr>
+                    </a:solidFill>
+                  </a:tcPr>
+                </a:tc>
+                <a:tc>
+                  <a:txBody>
+                    <a:bodyPr/>
+                    <a:lstStyle/>
+                    <a:p>
+                      <a:pPr algn="ctr"/>
+                      <a:r>
+                        <a:rPr lang="en-US" sz="1400" b="0" i="0" baseline="0" dirty="0">
+                          <a:solidFill>
+                            <a:schemeClr val="tx2">
+                              <a:lumMod val="75000"/>
+                            </a:schemeClr>
+                          </a:solidFill>
+                          <a:latin typeface="Daytona Pro Condensed Light" panose="020B0306030503040204" pitchFamily="34" charset="0"/>
+                        </a:rPr>
+                        <a:t>62</a:t>
+                      </a:r>
+                    </a:p>
+                  </a:txBody>
+                  <a:tcPr anchor="ctr">
+                    <a:solidFill>
+                      <a:schemeClr val="accent2">
+                        <a:alpha val="10000"/>
+                      </a:schemeClr>
+                    </a:solidFill>
+                  </a:tcPr>
+                </a:tc>
+                <a:tc>
+                  <a:txBody>
+                    <a:bodyPr/>
+                    <a:lstStyle/>
+                    <a:p>
+                      <a:pPr algn="ctr"/>
+                      <a:r>
+                        <a:rPr lang="en-US" sz="1400" b="0" i="0" baseline="0" dirty="0">
+                          <a:solidFill>
+                            <a:schemeClr val="tx2">
+                              <a:lumMod val="75000"/>
+                            </a:schemeClr>
+                          </a:solidFill>
+                          <a:latin typeface="Daytona Pro Condensed Light" panose="020B0306030503040204" pitchFamily="34" charset="0"/>
+                        </a:rPr>
+                        <a:t>33.0%</a:t>
+                      </a:r>
+                    </a:p>
+                  </a:txBody>
+                  <a:tcPr anchor="ctr">
+                    <a:solidFill>
+                      <a:schemeClr val="accent2">
+                        <a:alpha val="10000"/>
+                      </a:schemeClr>
+                    </a:solidFill>
+                  </a:tcPr>
+                </a:tc>
+                <a:extLst>
+                  <a:ext uri="{0D108BD9-81ED-4DB2-BD59-A6C34878D82A}">
+                    <a16:rowId xmlns:a16="http://schemas.microsoft.com/office/drawing/2014/main" val="415808797"/>
+                  </a:ext>
+                </a:extLst>
+              </a:tr>
+              <a:tr h="147666">
+                <a:tc>
+                  <a:txBody>
+                    <a:bodyPr/>
+                    <a:lstStyle/>
+                    <a:p>
+                      <a:pPr algn="ctr"/>
+                      <a:r>
+                        <a:rPr lang="en-US" sz="1400" b="0" i="0" baseline="0" dirty="0">
+                          <a:solidFill>
+                            <a:schemeClr val="tx2">
+                              <a:lumMod val="75000"/>
+                            </a:schemeClr>
+                          </a:solidFill>
+                          <a:latin typeface="Daytona Pro Condensed Light" panose="020B0306030503040204" pitchFamily="34" charset="0"/>
+                        </a:rPr>
+                        <a:t>Testing and Refining</a:t>
+                      </a:r>
+                    </a:p>
+                  </a:txBody>
+                  <a:tcPr anchor="ctr">
+                    <a:solidFill>
+                      <a:schemeClr val="accent1">
+                        <a:alpha val="15000"/>
+                      </a:schemeClr>
+                    </a:solidFill>
+                  </a:tcPr>
+                </a:tc>
+                <a:tc>
+                  <a:txBody>
+                    <a:bodyPr/>
+                    <a:lstStyle/>
+                    <a:p>
+                      <a:pPr algn="ctr"/>
+                      <a:endParaRPr lang="en-US" sz="1400" b="0" i="0" baseline="0" dirty="0">
+                        <a:solidFill>
+                          <a:schemeClr val="tx2">
+                            <a:lumMod val="75000"/>
+                          </a:schemeClr>
+                        </a:solidFill>
+                        <a:latin typeface="Daytona Pro Condensed Light" panose="020B0306030503040204" pitchFamily="34" charset="0"/>
+                      </a:endParaRPr>
+                    </a:p>
+                  </a:txBody>
+                  <a:tcPr anchor="ctr">
+                    <a:solidFill>
+                      <a:schemeClr val="accent1">
+                        <a:alpha val="15000"/>
+                      </a:schemeClr>
+                    </a:solidFill>
+                  </a:tcPr>
+                </a:tc>
+                <a:tc>
+                  <a:txBody>
+                    <a:bodyPr/>
+                    <a:lstStyle/>
+                    <a:p>
+                      <a:pPr algn="ctr"/>
+                      <a:r>
+                        <a:rPr lang="en-US" sz="1400" b="0" i="0" baseline="0" dirty="0">
+                          <a:solidFill>
+                            <a:schemeClr val="tx2">
+                              <a:lumMod val="75000"/>
+                            </a:schemeClr>
+                          </a:solidFill>
+                          <a:latin typeface="Daytona Pro Condensed Light" panose="020B0306030503040204" pitchFamily="34" charset="0"/>
+                        </a:rPr>
+                        <a:t>2</a:t>
+                      </a:r>
+                    </a:p>
+                  </a:txBody>
+                  <a:tcPr anchor="ctr">
+                    <a:solidFill>
+                      <a:schemeClr val="accent1">
+                        <a:alpha val="15000"/>
+                      </a:schemeClr>
+                    </a:solidFill>
+                  </a:tcPr>
+                </a:tc>
+                <a:tc>
+                  <a:txBody>
+                    <a:bodyPr/>
+                    <a:lstStyle/>
+                    <a:p>
+                      <a:pPr algn="ctr"/>
+                      <a:r>
+                        <a:rPr lang="en-US" sz="1400" b="0" i="0" baseline="0" dirty="0">
+                          <a:solidFill>
+                            <a:schemeClr val="tx2">
+                              <a:lumMod val="75000"/>
+                            </a:schemeClr>
+                          </a:solidFill>
+                          <a:latin typeface="Daytona Pro Condensed Light" panose="020B0306030503040204" pitchFamily="34" charset="0"/>
+                        </a:rPr>
+                        <a:t>12</a:t>
+                      </a:r>
+                    </a:p>
+                  </a:txBody>
+                  <a:tcPr anchor="ctr">
+                    <a:solidFill>
+                      <a:schemeClr val="accent1">
+                        <a:alpha val="15000"/>
+                      </a:schemeClr>
+                    </a:solidFill>
+                  </a:tcPr>
+                </a:tc>
+                <a:tc>
+                  <a:txBody>
+                    <a:bodyPr/>
+                    <a:lstStyle/>
+                    <a:p>
+                      <a:pPr algn="ctr"/>
+                      <a:r>
+                        <a:rPr lang="en-US" sz="1400" b="0" i="0" baseline="0" dirty="0">
+                          <a:solidFill>
+                            <a:schemeClr val="tx2">
+                              <a:lumMod val="75000"/>
+                            </a:schemeClr>
+                          </a:solidFill>
+                          <a:latin typeface="Daytona Pro Condensed Light" panose="020B0306030503040204" pitchFamily="34" charset="0"/>
+                        </a:rPr>
+                        <a:t>20</a:t>
+                      </a:r>
+                    </a:p>
+                  </a:txBody>
+                  <a:tcPr anchor="ctr">
+                    <a:solidFill>
+                      <a:schemeClr val="accent1">
+                        <a:alpha val="15000"/>
+                      </a:schemeClr>
+                    </a:solidFill>
+                  </a:tcPr>
+                </a:tc>
+                <a:tc>
+                  <a:txBody>
+                    <a:bodyPr/>
+                    <a:lstStyle/>
+                    <a:p>
+                      <a:pPr algn="ctr"/>
+                      <a:endParaRPr lang="en-US" sz="1400" b="0" i="0" baseline="0" dirty="0">
+                        <a:solidFill>
+                          <a:schemeClr val="tx2">
+                            <a:lumMod val="75000"/>
+                          </a:schemeClr>
+                        </a:solidFill>
+                        <a:latin typeface="Daytona Pro Condensed Light" panose="020B0306030503040204" pitchFamily="34" charset="0"/>
+                      </a:endParaRPr>
+                    </a:p>
+                  </a:txBody>
+                  <a:tcPr anchor="ctr">
+                    <a:solidFill>
+                      <a:schemeClr val="accent1">
+                        <a:alpha val="15000"/>
+                      </a:schemeClr>
+                    </a:solidFill>
+                  </a:tcPr>
+                </a:tc>
+                <a:tc>
+                  <a:txBody>
+                    <a:bodyPr/>
+                    <a:lstStyle/>
+                    <a:p>
+                      <a:pPr algn="ctr"/>
+                      <a:r>
+                        <a:rPr lang="en-US" sz="1400" b="0" i="0" baseline="0" dirty="0">
+                          <a:solidFill>
+                            <a:schemeClr val="tx2">
+                              <a:lumMod val="75000"/>
+                            </a:schemeClr>
+                          </a:solidFill>
+                          <a:latin typeface="Daytona Pro Condensed Light" panose="020B0306030503040204" pitchFamily="34" charset="0"/>
+                        </a:rPr>
+                        <a:t>34</a:t>
+                      </a:r>
+                    </a:p>
+                  </a:txBody>
+                  <a:tcPr anchor="ctr">
+                    <a:solidFill>
+                      <a:schemeClr val="accent1">
+                        <a:alpha val="15000"/>
+                      </a:schemeClr>
+                    </a:solidFill>
+                  </a:tcPr>
+                </a:tc>
+                <a:tc>
+                  <a:txBody>
+                    <a:bodyPr/>
+                    <a:lstStyle/>
+                    <a:p>
+                      <a:pPr algn="ctr"/>
+                      <a:r>
+                        <a:rPr lang="en-US" sz="1400" b="0" i="0" baseline="0" dirty="0">
+                          <a:solidFill>
+                            <a:schemeClr val="tx2">
+                              <a:lumMod val="75000"/>
+                            </a:schemeClr>
+                          </a:solidFill>
+                          <a:latin typeface="Daytona Pro Condensed Light" panose="020B0306030503040204" pitchFamily="34" charset="0"/>
+                        </a:rPr>
+                        <a:t>18.1%</a:t>
+                      </a:r>
+                    </a:p>
+                  </a:txBody>
+                  <a:tcPr anchor="ctr">
+                    <a:solidFill>
+                      <a:schemeClr val="accent1">
+                        <a:alpha val="15000"/>
+                      </a:schemeClr>
+                    </a:solidFill>
+                  </a:tcPr>
+                </a:tc>
+                <a:extLst>
+                  <a:ext uri="{0D108BD9-81ED-4DB2-BD59-A6C34878D82A}">
+                    <a16:rowId xmlns:a16="http://schemas.microsoft.com/office/drawing/2014/main" val="380950325"/>
+                  </a:ext>
+                </a:extLst>
+              </a:tr>
+              <a:tr h="0">
+                <a:tc>
+                  <a:txBody>
+                    <a:bodyPr/>
+                    <a:lstStyle/>
+                    <a:p>
+                      <a:pPr algn="ctr"/>
+                      <a:r>
+                        <a:rPr lang="en-US" sz="1400" b="0" i="0" baseline="0" dirty="0">
+                          <a:solidFill>
+                            <a:schemeClr val="tx2">
+                              <a:lumMod val="75000"/>
+                            </a:schemeClr>
+                          </a:solidFill>
+                          <a:latin typeface="Daytona Pro Condensed Light" panose="020B0306030503040204" pitchFamily="34" charset="0"/>
+                        </a:rPr>
+                        <a:t>Documentation</a:t>
+                      </a:r>
+                    </a:p>
+                  </a:txBody>
+                  <a:tcPr anchor="ctr">
+                    <a:solidFill>
+                      <a:schemeClr val="accent1">
+                        <a:alpha val="15000"/>
+                      </a:schemeClr>
+                    </a:solidFill>
+                  </a:tcPr>
+                </a:tc>
+                <a:tc>
+                  <a:txBody>
+                    <a:bodyPr/>
+                    <a:lstStyle/>
+                    <a:p>
+                      <a:pPr algn="ctr"/>
+                      <a:endParaRPr lang="en-US" sz="1400" b="0" i="0" baseline="0" dirty="0">
+                        <a:solidFill>
+                          <a:schemeClr val="tx2">
+                            <a:lumMod val="75000"/>
+                          </a:schemeClr>
+                        </a:solidFill>
+                        <a:latin typeface="Daytona Pro Condensed Light" panose="020B0306030503040204" pitchFamily="34" charset="0"/>
+                      </a:endParaRPr>
+                    </a:p>
+                  </a:txBody>
+                  <a:tcPr anchor="ctr">
+                    <a:solidFill>
+                      <a:schemeClr val="accent1">
+                        <a:alpha val="15000"/>
+                      </a:schemeClr>
+                    </a:solidFill>
+                  </a:tcPr>
+                </a:tc>
+                <a:tc>
+                  <a:txBody>
+                    <a:bodyPr/>
+                    <a:lstStyle/>
+                    <a:p>
+                      <a:pPr algn="ctr"/>
+                      <a:endParaRPr lang="en-US" sz="1400" b="0" i="0" baseline="0" dirty="0">
+                        <a:solidFill>
+                          <a:schemeClr val="tx2">
+                            <a:lumMod val="75000"/>
+                          </a:schemeClr>
+                        </a:solidFill>
+                        <a:latin typeface="Daytona Pro Condensed Light" panose="020B0306030503040204" pitchFamily="34" charset="0"/>
+                      </a:endParaRPr>
+                    </a:p>
+                  </a:txBody>
+                  <a:tcPr anchor="ctr">
+                    <a:solidFill>
+                      <a:schemeClr val="accent1">
+                        <a:alpha val="15000"/>
+                      </a:schemeClr>
+                    </a:solidFill>
+                  </a:tcPr>
+                </a:tc>
+                <a:tc>
+                  <a:txBody>
+                    <a:bodyPr/>
+                    <a:lstStyle/>
+                    <a:p>
+                      <a:pPr algn="ctr"/>
+                      <a:r>
+                        <a:rPr lang="en-US" sz="1400" b="0" i="0" baseline="0" dirty="0">
+                          <a:solidFill>
+                            <a:schemeClr val="tx2">
+                              <a:lumMod val="75000"/>
+                            </a:schemeClr>
+                          </a:solidFill>
+                          <a:latin typeface="Daytona Pro Condensed Light" panose="020B0306030503040204" pitchFamily="34" charset="0"/>
+                        </a:rPr>
+                        <a:t>4</a:t>
+                      </a:r>
+                    </a:p>
+                  </a:txBody>
+                  <a:tcPr anchor="ctr">
+                    <a:solidFill>
+                      <a:schemeClr val="accent1">
+                        <a:alpha val="15000"/>
+                      </a:schemeClr>
+                    </a:solidFill>
+                  </a:tcPr>
+                </a:tc>
+                <a:tc>
+                  <a:txBody>
+                    <a:bodyPr/>
+                    <a:lstStyle/>
+                    <a:p>
+                      <a:pPr algn="ctr"/>
+                      <a:r>
+                        <a:rPr lang="en-US" sz="1400" b="0" i="0" baseline="0" dirty="0">
+                          <a:solidFill>
+                            <a:schemeClr val="tx2">
+                              <a:lumMod val="75000"/>
+                            </a:schemeClr>
+                          </a:solidFill>
+                          <a:latin typeface="Daytona Pro Condensed Light" panose="020B0306030503040204" pitchFamily="34" charset="0"/>
+                        </a:rPr>
+                        <a:t>12</a:t>
+                      </a:r>
+                    </a:p>
+                  </a:txBody>
+                  <a:tcPr anchor="ctr">
+                    <a:solidFill>
+                      <a:schemeClr val="accent1">
+                        <a:alpha val="15000"/>
+                      </a:schemeClr>
+                    </a:solidFill>
+                  </a:tcPr>
+                </a:tc>
+                <a:tc>
+                  <a:txBody>
+                    <a:bodyPr/>
+                    <a:lstStyle/>
+                    <a:p>
+                      <a:pPr algn="ctr"/>
+                      <a:endParaRPr lang="en-US" sz="1400" b="0" i="0" baseline="0" dirty="0">
+                        <a:solidFill>
+                          <a:schemeClr val="tx2">
+                            <a:lumMod val="75000"/>
+                          </a:schemeClr>
+                        </a:solidFill>
+                        <a:latin typeface="Daytona Pro Condensed Light" panose="020B0306030503040204" pitchFamily="34" charset="0"/>
+                      </a:endParaRPr>
+                    </a:p>
+                  </a:txBody>
+                  <a:tcPr anchor="ctr">
+                    <a:solidFill>
+                      <a:schemeClr val="accent1">
+                        <a:alpha val="15000"/>
+                      </a:schemeClr>
+                    </a:solidFill>
+                  </a:tcPr>
+                </a:tc>
+                <a:tc>
+                  <a:txBody>
+                    <a:bodyPr/>
+                    <a:lstStyle/>
+                    <a:p>
+                      <a:pPr algn="ctr"/>
+                      <a:r>
+                        <a:rPr lang="en-US" sz="1400" b="0" i="0" baseline="0" dirty="0">
+                          <a:solidFill>
+                            <a:schemeClr val="tx2">
+                              <a:lumMod val="75000"/>
+                            </a:schemeClr>
+                          </a:solidFill>
+                          <a:latin typeface="Daytona Pro Condensed Light" panose="020B0306030503040204" pitchFamily="34" charset="0"/>
+                        </a:rPr>
+                        <a:t>16</a:t>
+                      </a:r>
+                    </a:p>
+                  </a:txBody>
+                  <a:tcPr anchor="ctr">
+                    <a:solidFill>
+                      <a:schemeClr val="accent1">
+                        <a:alpha val="15000"/>
+                      </a:schemeClr>
+                    </a:solidFill>
+                  </a:tcPr>
+                </a:tc>
+                <a:tc>
+                  <a:txBody>
+                    <a:bodyPr/>
+                    <a:lstStyle/>
+                    <a:p>
+                      <a:pPr algn="ctr"/>
+                      <a:r>
+                        <a:rPr lang="en-US" sz="1400" b="0" i="0" baseline="0" dirty="0">
+                          <a:solidFill>
+                            <a:schemeClr val="tx2">
+                              <a:lumMod val="75000"/>
+                            </a:schemeClr>
+                          </a:solidFill>
+                          <a:latin typeface="Daytona Pro Condensed Light" panose="020B0306030503040204" pitchFamily="34" charset="0"/>
+                        </a:rPr>
+                        <a:t>8.5%</a:t>
+                      </a:r>
+                    </a:p>
+                  </a:txBody>
+                  <a:tcPr anchor="ctr">
+                    <a:solidFill>
+                      <a:schemeClr val="accent1">
+                        <a:alpha val="15000"/>
+                      </a:schemeClr>
+                    </a:solidFill>
+                  </a:tcPr>
+                </a:tc>
+                <a:extLst>
+                  <a:ext uri="{0D108BD9-81ED-4DB2-BD59-A6C34878D82A}">
+                    <a16:rowId xmlns:a16="http://schemas.microsoft.com/office/drawing/2014/main" val="177440785"/>
+                  </a:ext>
+                </a:extLst>
+              </a:tr>
+              <a:tr h="284085">
+                <a:tc>
+                  <a:txBody>
+                    <a:bodyPr/>
+                    <a:lstStyle/>
+                    <a:p>
+                      <a:pPr algn="ctr"/>
+                      <a:r>
+                        <a:rPr lang="en-US" sz="1400" b="0" i="0" baseline="0" dirty="0">
+                          <a:solidFill>
+                            <a:schemeClr val="tx2">
+                              <a:lumMod val="75000"/>
+                            </a:schemeClr>
+                          </a:solidFill>
+                          <a:latin typeface="Daytona Pro Condensed Light" panose="020B0306030503040204" pitchFamily="34" charset="0"/>
+                        </a:rPr>
+                        <a:t>Final Report</a:t>
+                      </a:r>
+                    </a:p>
+                  </a:txBody>
+                  <a:tcPr anchor="ctr">
+                    <a:solidFill>
+                      <a:schemeClr val="accent1">
+                        <a:alpha val="15000"/>
+                      </a:schemeClr>
+                    </a:solidFill>
+                  </a:tcPr>
+                </a:tc>
+                <a:tc>
+                  <a:txBody>
+                    <a:bodyPr/>
+                    <a:lstStyle/>
+                    <a:p>
+                      <a:pPr algn="ctr"/>
+                      <a:endParaRPr lang="en-US" sz="1400" b="0" i="0" baseline="0" dirty="0">
+                        <a:solidFill>
+                          <a:schemeClr val="tx2">
+                            <a:lumMod val="75000"/>
+                          </a:schemeClr>
+                        </a:solidFill>
+                        <a:latin typeface="Daytona Pro Condensed Light" panose="020B0306030503040204" pitchFamily="34" charset="0"/>
+                      </a:endParaRPr>
+                    </a:p>
+                  </a:txBody>
+                  <a:tcPr anchor="ctr">
+                    <a:solidFill>
+                      <a:schemeClr val="accent1">
+                        <a:alpha val="15000"/>
+                      </a:schemeClr>
+                    </a:solidFill>
+                  </a:tcPr>
+                </a:tc>
+                <a:tc>
+                  <a:txBody>
+                    <a:bodyPr/>
+                    <a:lstStyle/>
+                    <a:p>
+                      <a:pPr algn="ctr"/>
+                      <a:endParaRPr lang="en-US" sz="1400" b="0" i="0" baseline="0" dirty="0">
+                        <a:solidFill>
+                          <a:schemeClr val="tx2">
+                            <a:lumMod val="75000"/>
+                          </a:schemeClr>
+                        </a:solidFill>
+                        <a:latin typeface="Daytona Pro Condensed Light" panose="020B0306030503040204" pitchFamily="34" charset="0"/>
+                      </a:endParaRPr>
+                    </a:p>
+                  </a:txBody>
+                  <a:tcPr anchor="ctr">
+                    <a:solidFill>
+                      <a:schemeClr val="accent1">
+                        <a:alpha val="15000"/>
+                      </a:schemeClr>
+                    </a:solidFill>
+                  </a:tcPr>
+                </a:tc>
+                <a:tc>
+                  <a:txBody>
+                    <a:bodyPr/>
+                    <a:lstStyle/>
+                    <a:p>
+                      <a:pPr algn="ctr"/>
+                      <a:endParaRPr lang="en-US" sz="1400" b="0" i="0" baseline="0" dirty="0">
+                        <a:solidFill>
+                          <a:schemeClr val="tx2">
+                            <a:lumMod val="75000"/>
+                          </a:schemeClr>
+                        </a:solidFill>
+                        <a:latin typeface="Daytona Pro Condensed Light" panose="020B0306030503040204" pitchFamily="34" charset="0"/>
+                      </a:endParaRPr>
+                    </a:p>
+                  </a:txBody>
+                  <a:tcPr anchor="ctr">
+                    <a:solidFill>
+                      <a:schemeClr val="accent1">
+                        <a:alpha val="15000"/>
+                      </a:schemeClr>
+                    </a:solidFill>
+                  </a:tcPr>
+                </a:tc>
+                <a:tc>
+                  <a:txBody>
+                    <a:bodyPr/>
+                    <a:lstStyle/>
+                    <a:p>
+                      <a:pPr algn="ctr"/>
+                      <a:r>
+                        <a:rPr lang="en-US" sz="1400" b="0" i="0" baseline="0" dirty="0">
+                          <a:solidFill>
+                            <a:schemeClr val="tx2">
+                              <a:lumMod val="75000"/>
+                            </a:schemeClr>
+                          </a:solidFill>
+                          <a:latin typeface="Daytona Pro Condensed Light" panose="020B0306030503040204" pitchFamily="34" charset="0"/>
+                        </a:rPr>
+                        <a:t>12</a:t>
+                      </a:r>
+                    </a:p>
+                  </a:txBody>
+                  <a:tcPr anchor="ctr">
+                    <a:solidFill>
+                      <a:schemeClr val="accent1">
+                        <a:alpha val="15000"/>
+                      </a:schemeClr>
+                    </a:solidFill>
+                  </a:tcPr>
+                </a:tc>
+                <a:tc>
+                  <a:txBody>
+                    <a:bodyPr/>
+                    <a:lstStyle/>
+                    <a:p>
+                      <a:pPr algn="ctr"/>
+                      <a:r>
+                        <a:rPr lang="en-US" sz="1400" b="0" i="0" baseline="0" dirty="0">
+                          <a:solidFill>
+                            <a:schemeClr val="tx2">
+                              <a:lumMod val="75000"/>
+                            </a:schemeClr>
+                          </a:solidFill>
+                          <a:latin typeface="Daytona Pro Condensed Light" panose="020B0306030503040204" pitchFamily="34" charset="0"/>
+                        </a:rPr>
+                        <a:t>12</a:t>
+                      </a:r>
+                    </a:p>
+                  </a:txBody>
+                  <a:tcPr anchor="ctr">
+                    <a:solidFill>
+                      <a:schemeClr val="accent1">
+                        <a:alpha val="15000"/>
+                      </a:schemeClr>
+                    </a:solidFill>
+                  </a:tcPr>
+                </a:tc>
+                <a:tc>
+                  <a:txBody>
+                    <a:bodyPr/>
+                    <a:lstStyle/>
+                    <a:p>
+                      <a:pPr algn="ctr"/>
+                      <a:r>
+                        <a:rPr lang="en-US" sz="1400" b="0" i="0" baseline="0" dirty="0">
+                          <a:solidFill>
+                            <a:schemeClr val="tx2">
+                              <a:lumMod val="75000"/>
+                            </a:schemeClr>
+                          </a:solidFill>
+                          <a:latin typeface="Daytona Pro Condensed Light" panose="020B0306030503040204" pitchFamily="34" charset="0"/>
+                        </a:rPr>
+                        <a:t>24</a:t>
+                      </a:r>
+                    </a:p>
+                  </a:txBody>
+                  <a:tcPr anchor="ctr">
+                    <a:solidFill>
+                      <a:schemeClr val="accent1">
+                        <a:alpha val="15000"/>
+                      </a:schemeClr>
+                    </a:solidFill>
+                  </a:tcPr>
+                </a:tc>
+                <a:tc>
+                  <a:txBody>
+                    <a:bodyPr/>
+                    <a:lstStyle/>
+                    <a:p>
+                      <a:pPr algn="ctr"/>
+                      <a:r>
+                        <a:rPr lang="en-US" sz="1400" b="0" i="0" baseline="0" dirty="0">
+                          <a:solidFill>
+                            <a:schemeClr val="tx2">
+                              <a:lumMod val="75000"/>
+                            </a:schemeClr>
+                          </a:solidFill>
+                          <a:latin typeface="Daytona Pro Condensed Light" panose="020B0306030503040204" pitchFamily="34" charset="0"/>
+                        </a:rPr>
+                        <a:t>12.8%</a:t>
+                      </a:r>
+                    </a:p>
+                  </a:txBody>
+                  <a:tcPr anchor="ctr">
+                    <a:solidFill>
+                      <a:schemeClr val="accent1">
+                        <a:alpha val="15000"/>
+                      </a:schemeClr>
+                    </a:solidFill>
+                  </a:tcPr>
+                </a:tc>
+                <a:extLst>
+                  <a:ext uri="{0D108BD9-81ED-4DB2-BD59-A6C34878D82A}">
+                    <a16:rowId xmlns:a16="http://schemas.microsoft.com/office/drawing/2014/main" val="480706037"/>
+                  </a:ext>
+                </a:extLst>
+              </a:tr>
+              <a:tr h="519936">
+                <a:tc>
+                  <a:txBody>
+                    <a:bodyPr/>
+                    <a:lstStyle/>
+                    <a:p>
+                      <a:pPr algn="ctr"/>
+                      <a:r>
+                        <a:rPr lang="en-US" sz="1400" b="0" i="0" baseline="0" dirty="0">
+                          <a:solidFill>
+                            <a:schemeClr val="tx2">
+                              <a:lumMod val="75000"/>
+                            </a:schemeClr>
+                          </a:solidFill>
+                          <a:latin typeface="Daytona Pro Condensed Light" panose="020B0306030503040204" pitchFamily="34" charset="0"/>
+                        </a:rPr>
+                        <a:t>Demonstration</a:t>
+                      </a:r>
+                    </a:p>
+                  </a:txBody>
+                  <a:tcPr anchor="ctr">
+                    <a:solidFill>
+                      <a:schemeClr val="accent1">
+                        <a:alpha val="15000"/>
+                      </a:schemeClr>
+                    </a:solidFill>
+                  </a:tcPr>
+                </a:tc>
+                <a:tc>
+                  <a:txBody>
+                    <a:bodyPr/>
+                    <a:lstStyle/>
+                    <a:p>
+                      <a:pPr algn="ctr"/>
+                      <a:endParaRPr lang="en-US" sz="1400" b="0" i="0" baseline="0" dirty="0">
+                        <a:solidFill>
+                          <a:schemeClr val="tx2">
+                            <a:lumMod val="75000"/>
+                          </a:schemeClr>
+                        </a:solidFill>
+                        <a:latin typeface="Daytona Pro Condensed Light" panose="020B0306030503040204" pitchFamily="34" charset="0"/>
+                      </a:endParaRPr>
+                    </a:p>
+                  </a:txBody>
+                  <a:tcPr anchor="ctr">
+                    <a:solidFill>
+                      <a:schemeClr val="accent1">
+                        <a:alpha val="15000"/>
+                      </a:schemeClr>
+                    </a:solidFill>
+                  </a:tcPr>
+                </a:tc>
+                <a:tc>
+                  <a:txBody>
+                    <a:bodyPr/>
+                    <a:lstStyle/>
+                    <a:p>
+                      <a:pPr algn="ctr"/>
+                      <a:endParaRPr lang="en-US" sz="1400" b="0" i="0" baseline="0" dirty="0">
+                        <a:solidFill>
+                          <a:schemeClr val="tx2">
+                            <a:lumMod val="75000"/>
+                          </a:schemeClr>
+                        </a:solidFill>
+                        <a:latin typeface="Daytona Pro Condensed Light" panose="020B0306030503040204" pitchFamily="34" charset="0"/>
+                      </a:endParaRPr>
+                    </a:p>
+                  </a:txBody>
+                  <a:tcPr anchor="ctr">
+                    <a:solidFill>
+                      <a:schemeClr val="accent1">
+                        <a:alpha val="15000"/>
+                      </a:schemeClr>
+                    </a:solidFill>
+                  </a:tcPr>
+                </a:tc>
+                <a:tc>
+                  <a:txBody>
+                    <a:bodyPr/>
+                    <a:lstStyle/>
+                    <a:p>
+                      <a:pPr algn="ctr"/>
+                      <a:endParaRPr lang="en-US" sz="1400" b="0" i="0" baseline="0" dirty="0">
+                        <a:solidFill>
+                          <a:schemeClr val="tx2">
+                            <a:lumMod val="75000"/>
+                          </a:schemeClr>
+                        </a:solidFill>
+                        <a:latin typeface="Daytona Pro Condensed Light" panose="020B0306030503040204" pitchFamily="34" charset="0"/>
+                      </a:endParaRPr>
+                    </a:p>
+                  </a:txBody>
+                  <a:tcPr anchor="ctr">
+                    <a:solidFill>
+                      <a:schemeClr val="accent1">
+                        <a:alpha val="15000"/>
+                      </a:schemeClr>
+                    </a:solidFill>
+                  </a:tcPr>
+                </a:tc>
+                <a:tc>
+                  <a:txBody>
+                    <a:bodyPr/>
+                    <a:lstStyle/>
+                    <a:p>
+                      <a:pPr algn="ctr"/>
+                      <a:endParaRPr lang="en-US" sz="1400" b="0" i="0" baseline="0" dirty="0">
+                        <a:solidFill>
+                          <a:schemeClr val="tx2">
+                            <a:lumMod val="75000"/>
+                          </a:schemeClr>
+                        </a:solidFill>
+                        <a:latin typeface="Daytona Pro Condensed Light" panose="020B0306030503040204" pitchFamily="34" charset="0"/>
+                      </a:endParaRPr>
+                    </a:p>
+                  </a:txBody>
+                  <a:tcPr anchor="ctr">
+                    <a:solidFill>
+                      <a:schemeClr val="accent1">
+                        <a:alpha val="15000"/>
+                      </a:schemeClr>
+                    </a:solidFill>
+                  </a:tcPr>
+                </a:tc>
+                <a:tc>
+                  <a:txBody>
+                    <a:bodyPr/>
+                    <a:lstStyle/>
+                    <a:p>
+                      <a:pPr algn="ctr"/>
+                      <a:r>
+                        <a:rPr lang="en-US" sz="1400" b="0" i="0" baseline="0" dirty="0">
+                          <a:solidFill>
+                            <a:schemeClr val="tx2">
+                              <a:lumMod val="75000"/>
+                            </a:schemeClr>
+                          </a:solidFill>
+                          <a:latin typeface="Daytona Pro Condensed Light" panose="020B0306030503040204" pitchFamily="34" charset="0"/>
+                        </a:rPr>
+                        <a:t>4</a:t>
+                      </a:r>
+                    </a:p>
+                  </a:txBody>
+                  <a:tcPr anchor="ctr">
+                    <a:solidFill>
+                      <a:schemeClr val="accent1">
+                        <a:alpha val="15000"/>
+                      </a:schemeClr>
+                    </a:solidFill>
+                  </a:tcPr>
+                </a:tc>
+                <a:tc>
+                  <a:txBody>
+                    <a:bodyPr/>
+                    <a:lstStyle/>
+                    <a:p>
+                      <a:pPr algn="ctr"/>
+                      <a:r>
+                        <a:rPr lang="en-US" sz="1400" b="0" i="0" baseline="0" dirty="0">
+                          <a:solidFill>
+                            <a:schemeClr val="tx2">
+                              <a:lumMod val="75000"/>
+                            </a:schemeClr>
+                          </a:solidFill>
+                          <a:latin typeface="Daytona Pro Condensed Light" panose="020B0306030503040204" pitchFamily="34" charset="0"/>
+                        </a:rPr>
+                        <a:t>4</a:t>
+                      </a:r>
+                    </a:p>
+                  </a:txBody>
+                  <a:tcPr anchor="ctr">
+                    <a:solidFill>
+                      <a:schemeClr val="accent1">
+                        <a:alpha val="15000"/>
+                      </a:schemeClr>
+                    </a:solidFill>
+                  </a:tcPr>
+                </a:tc>
+                <a:tc>
+                  <a:txBody>
+                    <a:bodyPr/>
+                    <a:lstStyle/>
+                    <a:p>
+                      <a:pPr algn="ctr"/>
+                      <a:r>
+                        <a:rPr lang="en-US" sz="1400" b="0" i="0" baseline="0" dirty="0">
+                          <a:solidFill>
+                            <a:schemeClr val="tx2">
+                              <a:lumMod val="75000"/>
+                            </a:schemeClr>
+                          </a:solidFill>
+                          <a:latin typeface="Daytona Pro Condensed Light" panose="020B0306030503040204" pitchFamily="34" charset="0"/>
+                        </a:rPr>
+                        <a:t>2.1%</a:t>
+                      </a:r>
+                    </a:p>
+                  </a:txBody>
+                  <a:tcPr anchor="ctr">
+                    <a:solidFill>
+                      <a:schemeClr val="accent1">
+                        <a:alpha val="15000"/>
+                      </a:schemeClr>
+                    </a:solidFill>
+                  </a:tcPr>
+                </a:tc>
+                <a:extLst>
+                  <a:ext uri="{0D108BD9-81ED-4DB2-BD59-A6C34878D82A}">
+                    <a16:rowId xmlns:a16="http://schemas.microsoft.com/office/drawing/2014/main" val="2436192097"/>
+                  </a:ext>
+                </a:extLst>
+              </a:tr>
+              <a:tr h="884555">
+                <a:tc>
+                  <a:txBody>
+                    <a:bodyPr/>
+                    <a:lstStyle/>
+                    <a:p>
+                      <a:pPr algn="ctr"/>
+                      <a:r>
+                        <a:rPr lang="en-US" sz="1400" b="0" i="0" baseline="0" dirty="0">
+                          <a:solidFill>
+                            <a:schemeClr val="tx2">
+                              <a:lumMod val="75000"/>
+                            </a:schemeClr>
+                          </a:solidFill>
+                          <a:latin typeface="Daytona Pro Condensed Light" panose="020B0306030503040204" pitchFamily="34" charset="0"/>
+                        </a:rPr>
+                        <a:t>Hours </a:t>
+                      </a:r>
+                    </a:p>
+                  </a:txBody>
+                  <a:tcPr anchor="ctr">
+                    <a:solidFill>
+                      <a:schemeClr val="accent1">
+                        <a:alpha val="15000"/>
+                      </a:schemeClr>
+                    </a:solidFill>
+                  </a:tcPr>
+                </a:tc>
+                <a:tc>
+                  <a:txBody>
+                    <a:bodyPr/>
+                    <a:lstStyle/>
+                    <a:p>
+                      <a:pPr algn="ctr"/>
+                      <a:r>
+                        <a:rPr lang="en-US" sz="1400" b="0" i="0" baseline="0" dirty="0">
+                          <a:solidFill>
+                            <a:schemeClr val="tx2">
+                              <a:lumMod val="75000"/>
+                            </a:schemeClr>
+                          </a:solidFill>
+                          <a:latin typeface="Daytona Pro Condensed Light" panose="020B0306030503040204" pitchFamily="34" charset="0"/>
+                        </a:rPr>
+                        <a:t>42</a:t>
+                      </a:r>
+                    </a:p>
+                  </a:txBody>
+                  <a:tcPr anchor="ctr">
+                    <a:solidFill>
+                      <a:schemeClr val="accent1">
+                        <a:alpha val="15000"/>
+                      </a:schemeClr>
+                    </a:solidFill>
+                  </a:tcPr>
+                </a:tc>
+                <a:tc>
+                  <a:txBody>
+                    <a:bodyPr/>
+                    <a:lstStyle/>
+                    <a:p>
+                      <a:pPr algn="ctr"/>
+                      <a:r>
+                        <a:rPr lang="en-US" sz="1400" b="0" i="0" baseline="0" dirty="0">
+                          <a:solidFill>
+                            <a:schemeClr val="tx2">
+                              <a:lumMod val="75000"/>
+                            </a:schemeClr>
+                          </a:solidFill>
+                          <a:latin typeface="Daytona Pro Condensed Light" panose="020B0306030503040204" pitchFamily="34" charset="0"/>
+                        </a:rPr>
+                        <a:t>26</a:t>
+                      </a:r>
+                    </a:p>
+                  </a:txBody>
+                  <a:tcPr anchor="ctr">
+                    <a:solidFill>
+                      <a:schemeClr val="accent1">
+                        <a:alpha val="15000"/>
+                      </a:schemeClr>
+                    </a:solidFill>
+                  </a:tcPr>
+                </a:tc>
+                <a:tc>
+                  <a:txBody>
+                    <a:bodyPr/>
+                    <a:lstStyle/>
+                    <a:p>
+                      <a:pPr algn="ctr"/>
+                      <a:r>
+                        <a:rPr lang="en-US" sz="1400" b="0" i="0" baseline="0" dirty="0">
+                          <a:solidFill>
+                            <a:schemeClr val="tx2">
+                              <a:lumMod val="75000"/>
+                            </a:schemeClr>
+                          </a:solidFill>
+                          <a:latin typeface="Daytona Pro Condensed Light" panose="020B0306030503040204" pitchFamily="34" charset="0"/>
+                        </a:rPr>
+                        <a:t>50</a:t>
+                      </a:r>
+                    </a:p>
+                  </a:txBody>
+                  <a:tcPr anchor="ctr">
+                    <a:solidFill>
+                      <a:schemeClr val="accent1">
+                        <a:alpha val="15000"/>
+                      </a:schemeClr>
+                    </a:solidFill>
+                  </a:tcPr>
+                </a:tc>
+                <a:tc>
+                  <a:txBody>
+                    <a:bodyPr/>
+                    <a:lstStyle/>
+                    <a:p>
+                      <a:pPr algn="ctr"/>
+                      <a:r>
+                        <a:rPr lang="en-US" sz="1400" b="0" i="0" baseline="0" dirty="0">
+                          <a:solidFill>
+                            <a:schemeClr val="tx2">
+                              <a:lumMod val="75000"/>
+                            </a:schemeClr>
+                          </a:solidFill>
+                          <a:latin typeface="Daytona Pro Condensed Light" panose="020B0306030503040204" pitchFamily="34" charset="0"/>
+                        </a:rPr>
+                        <a:t>44</a:t>
+                      </a:r>
+                    </a:p>
+                  </a:txBody>
+                  <a:tcPr anchor="ctr">
+                    <a:solidFill>
+                      <a:schemeClr val="accent1">
+                        <a:alpha val="15000"/>
+                      </a:schemeClr>
+                    </a:solidFill>
+                  </a:tcPr>
+                </a:tc>
+                <a:tc>
+                  <a:txBody>
+                    <a:bodyPr/>
+                    <a:lstStyle/>
+                    <a:p>
+                      <a:pPr algn="ctr"/>
+                      <a:r>
+                        <a:rPr lang="en-US" sz="1400" b="0" i="0" baseline="0" dirty="0">
+                          <a:solidFill>
+                            <a:schemeClr val="tx2">
+                              <a:lumMod val="75000"/>
+                            </a:schemeClr>
+                          </a:solidFill>
+                          <a:latin typeface="Daytona Pro Condensed Light" panose="020B0306030503040204" pitchFamily="34" charset="0"/>
+                        </a:rPr>
+                        <a:t>16</a:t>
+                      </a:r>
+                    </a:p>
+                  </a:txBody>
+                  <a:tcPr anchor="ctr">
+                    <a:solidFill>
+                      <a:schemeClr val="accent1">
+                        <a:alpha val="15000"/>
+                      </a:schemeClr>
+                    </a:solidFill>
+                  </a:tcPr>
+                </a:tc>
+                <a:tc>
+                  <a:txBody>
+                    <a:bodyPr/>
+                    <a:lstStyle/>
+                    <a:p>
+                      <a:pPr algn="ctr"/>
+                      <a:r>
+                        <a:rPr lang="en-US" sz="1400" b="0" i="0" baseline="0" dirty="0">
+                          <a:solidFill>
+                            <a:schemeClr val="tx2">
+                              <a:lumMod val="75000"/>
+                            </a:schemeClr>
+                          </a:solidFill>
+                          <a:latin typeface="Daytona Pro Condensed Light" panose="020B0306030503040204" pitchFamily="34" charset="0"/>
+                        </a:rPr>
+                        <a:t>188</a:t>
+                      </a:r>
+                    </a:p>
+                  </a:txBody>
+                  <a:tcPr anchor="ctr">
+                    <a:solidFill>
+                      <a:schemeClr val="accent1">
+                        <a:alpha val="15000"/>
+                      </a:schemeClr>
+                    </a:solidFill>
+                  </a:tcPr>
+                </a:tc>
+                <a:tc>
+                  <a:txBody>
+                    <a:bodyPr/>
+                    <a:lstStyle/>
+                    <a:p>
+                      <a:pPr algn="ctr"/>
+                      <a:r>
+                        <a:rPr lang="en-US" sz="1400" b="0" i="0" baseline="0" dirty="0">
+                          <a:solidFill>
+                            <a:schemeClr val="tx2">
+                              <a:lumMod val="75000"/>
+                            </a:schemeClr>
+                          </a:solidFill>
+                          <a:latin typeface="Daytona Pro Condensed Light" panose="020B0306030503040204" pitchFamily="34" charset="0"/>
+                        </a:rPr>
+                        <a:t>100%</a:t>
+                      </a:r>
+                    </a:p>
+                  </a:txBody>
+                  <a:tcPr anchor="ctr">
+                    <a:solidFill>
+                      <a:schemeClr val="accent1">
+                        <a:alpha val="15000"/>
+                      </a:schemeClr>
+                    </a:solidFill>
+                  </a:tcPr>
+                </a:tc>
+                <a:extLst>
+                  <a:ext uri="{0D108BD9-81ED-4DB2-BD59-A6C34878D82A}">
+                    <a16:rowId xmlns:a16="http://schemas.microsoft.com/office/drawing/2014/main" val="2817031853"/>
+                  </a:ext>
+                </a:extLst>
+              </a:tr>
+            </a:tbl>
+          </a:graphicData>
+        </a:graphic>
+      </p:graphicFrame>
+    </p:spTree>
+    <p:extLst>
+      <p:ext uri="{BB962C8B-B14F-4D97-AF65-F5344CB8AC3E}">
+        <p14:creationId xmlns:p14="http://schemas.microsoft.com/office/powerpoint/2010/main" val="1239358510"/>
+      </p:ext>
+    </p:extLst>
+  </p:cSld>
+  <p:clrMapOvr>
+    <a:masterClrMapping/>
+  </p:clrMapOvr>
+</p:sld>
+</file>
+
+<file path=ppt/slides/slide4.xml><?xml version="1.0" encoding="utf-8"?>
+<p:sld xmlns:a="http://schemas.openxmlformats.org/drawingml/2006/main" xmlns:r="http://schemas.openxmlformats.org/officeDocument/2006/relationships" xmlns:p="http://schemas.openxmlformats.org/presentationml/2006/main">
+  <p:cSld>
+    <p:spTree>
+      <p:nvGrpSpPr>
+        <p:cNvPr id="1" name=""/>
+        <p:cNvGrpSpPr/>
+        <p:nvPr/>
+      </p:nvGrpSpPr>
+      <p:grpSpPr>
+        <a:xfrm>
+          <a:off x="0" y="0"/>
+          <a:ext cx="0" cy="0"/>
+          <a:chOff x="0" y="0"/>
+          <a:chExt cx="0" cy="0"/>
+        </a:xfrm>
+      </p:grpSpPr>
+      <p:sp>
+        <p:nvSpPr>
+          <p:cNvPr id="3" name="Title 2">
+            <a:extLst>
+              <a:ext uri="{FF2B5EF4-FFF2-40B4-BE49-F238E27FC236}">
+                <a16:creationId xmlns:a16="http://schemas.microsoft.com/office/drawing/2014/main" id="{58A45141-45F1-0A77-FE4E-CBCA53A2BEB0}"/>
+              </a:ext>
+            </a:extLst>
+          </p:cNvPr>
+          <p:cNvSpPr>
+            <a:spLocks noGrp="1"/>
+          </p:cNvSpPr>
+          <p:nvPr>
+            <p:ph type="title"/>
           </p:nvPr>
         </p:nvSpPr>
         <p:spPr/>
@@ -14359,25 +14090,25 @@
           <a:p>
             <a:r>
               <a:rPr lang="en-US" dirty="0"/>
-              <a:t>presentation title</a:t>
-            </a:r>
-          </a:p>
-        </p:txBody>
-      </p:sp>
-      <p:sp>
-        <p:nvSpPr>
-          <p:cNvPr id="4" name="Slide Number Placeholder 3">
-            <a:extLst>
-              <a:ext uri="{FF2B5EF4-FFF2-40B4-BE49-F238E27FC236}">
-                <a16:creationId xmlns:a16="http://schemas.microsoft.com/office/drawing/2014/main" id="{B6586F16-C3E1-6E51-D140-EF50382CA456}"/>
-              </a:ext>
-            </a:extLst>
-          </p:cNvPr>
-          <p:cNvSpPr>
-            <a:spLocks noGrp="1"/>
-          </p:cNvSpPr>
-          <p:nvPr>
-            <p:ph type="sldNum" sz="quarter" idx="11"/>
+              <a:t>Areas of Focus</a:t>
+            </a:r>
+          </a:p>
+        </p:txBody>
+      </p:sp>
+      <p:sp>
+        <p:nvSpPr>
+          <p:cNvPr id="6" name="Text Placeholder 5">
+            <a:extLst>
+              <a:ext uri="{FF2B5EF4-FFF2-40B4-BE49-F238E27FC236}">
+                <a16:creationId xmlns:a16="http://schemas.microsoft.com/office/drawing/2014/main" id="{8A56D8AC-E390-DBD3-E5E6-5C36EE1E422A}"/>
+              </a:ext>
+            </a:extLst>
+          </p:cNvPr>
+          <p:cNvSpPr>
+            <a:spLocks noGrp="1"/>
+          </p:cNvSpPr>
+          <p:nvPr>
+            <p:ph type="body" sz="quarter" idx="16"/>
           </p:nvPr>
         </p:nvSpPr>
         <p:spPr/>
@@ -14385,21 +14116,466 @@
           <a:bodyPr/>
           <a:lstStyle/>
           <a:p>
-            <a:fld id="{75DF2D63-3FF5-D547-96B9-BE9CCD1ABA58}" type="slidenum">
-              <a:rPr lang="en-US" smtClean="0"/>
-              <a:pPr/>
-              <a:t>3</a:t>
-            </a:fld>
+            <a:r>
+              <a:rPr lang="en-US" dirty="0"/>
+              <a:t>Planning</a:t>
+            </a:r>
+          </a:p>
+        </p:txBody>
+      </p:sp>
+      <p:sp>
+        <p:nvSpPr>
+          <p:cNvPr id="7" name="Text Placeholder 6">
+            <a:extLst>
+              <a:ext uri="{FF2B5EF4-FFF2-40B4-BE49-F238E27FC236}">
+                <a16:creationId xmlns:a16="http://schemas.microsoft.com/office/drawing/2014/main" id="{E09179A7-F937-7895-8FC1-19E3BCFE6A3B}"/>
+              </a:ext>
+            </a:extLst>
+          </p:cNvPr>
+          <p:cNvSpPr>
+            <a:spLocks noGrp="1"/>
+          </p:cNvSpPr>
+          <p:nvPr>
+            <p:ph type="body" sz="quarter" idx="17"/>
+          </p:nvPr>
+        </p:nvSpPr>
+        <p:spPr/>
+        <p:txBody>
+          <a:bodyPr/>
+          <a:lstStyle/>
+          <a:p>
+            <a:pPr>
+              <a:spcBef>
+                <a:spcPts val="0"/>
+              </a:spcBef>
+              <a:spcAft>
+                <a:spcPts val="0"/>
+              </a:spcAft>
+            </a:pPr>
+            <a:r>
+              <a:rPr lang="en-US" dirty="0"/>
+              <a:t>Determining which library is best for image classification</a:t>
+            </a:r>
+          </a:p>
+          <a:p>
+            <a:endParaRPr lang="en-US" dirty="0"/>
+          </a:p>
+        </p:txBody>
+      </p:sp>
+      <p:sp>
+        <p:nvSpPr>
+          <p:cNvPr id="8" name="Text Placeholder 7">
+            <a:extLst>
+              <a:ext uri="{FF2B5EF4-FFF2-40B4-BE49-F238E27FC236}">
+                <a16:creationId xmlns:a16="http://schemas.microsoft.com/office/drawing/2014/main" id="{55462C4A-E218-EEFA-1C3B-FC78BE890049}"/>
+              </a:ext>
+            </a:extLst>
+          </p:cNvPr>
+          <p:cNvSpPr>
+            <a:spLocks noGrp="1"/>
+          </p:cNvSpPr>
+          <p:nvPr>
+            <p:ph type="body" sz="quarter" idx="18"/>
+          </p:nvPr>
+        </p:nvSpPr>
+        <p:spPr/>
+        <p:txBody>
+          <a:bodyPr/>
+          <a:lstStyle/>
+          <a:p>
+            <a:r>
+              <a:rPr lang="en-US" dirty="0"/>
+              <a:t>Design</a:t>
+            </a:r>
+          </a:p>
+        </p:txBody>
+      </p:sp>
+      <p:sp>
+        <p:nvSpPr>
+          <p:cNvPr id="9" name="Text Placeholder 8">
+            <a:extLst>
+              <a:ext uri="{FF2B5EF4-FFF2-40B4-BE49-F238E27FC236}">
+                <a16:creationId xmlns:a16="http://schemas.microsoft.com/office/drawing/2014/main" id="{54E48D88-9438-AF74-9E7B-54985E0231C6}"/>
+              </a:ext>
+            </a:extLst>
+          </p:cNvPr>
+          <p:cNvSpPr>
+            <a:spLocks noGrp="1"/>
+          </p:cNvSpPr>
+          <p:nvPr>
+            <p:ph type="body" sz="quarter" idx="19"/>
+          </p:nvPr>
+        </p:nvSpPr>
+        <p:spPr>
+          <a:xfrm>
+            <a:off x="3383279" y="3730751"/>
+            <a:ext cx="1739137" cy="1560339"/>
+          </a:xfrm>
+        </p:spPr>
+        <p:txBody>
+          <a:bodyPr/>
+          <a:lstStyle/>
+          <a:p>
+            <a:r>
+              <a:rPr lang="en-US" dirty="0"/>
+              <a:t>CNN will be divided into 4 segments:</a:t>
+            </a:r>
+          </a:p>
+          <a:p>
+            <a:r>
+              <a:rPr lang="en-US" dirty="0"/>
+              <a:t>   Input</a:t>
+            </a:r>
+            <a:br>
+              <a:rPr lang="en-US" dirty="0"/>
+            </a:br>
+            <a:r>
+              <a:rPr lang="en-US" dirty="0"/>
+              <a:t>   Pre-processing</a:t>
+            </a:r>
+          </a:p>
+          <a:p>
+            <a:r>
+              <a:rPr lang="en-US" dirty="0"/>
+              <a:t>   Segmentation</a:t>
+            </a:r>
+            <a:br>
+              <a:rPr lang="en-US" dirty="0"/>
+            </a:br>
+            <a:r>
+              <a:rPr lang="en-US" dirty="0"/>
+              <a:t>   Detection/Classification</a:t>
+            </a:r>
+          </a:p>
+        </p:txBody>
+      </p:sp>
+      <p:sp>
+        <p:nvSpPr>
+          <p:cNvPr id="10" name="Text Placeholder 9">
+            <a:extLst>
+              <a:ext uri="{FF2B5EF4-FFF2-40B4-BE49-F238E27FC236}">
+                <a16:creationId xmlns:a16="http://schemas.microsoft.com/office/drawing/2014/main" id="{04554076-E5E4-8026-26DB-B67E2F12CFD7}"/>
+              </a:ext>
+            </a:extLst>
+          </p:cNvPr>
+          <p:cNvSpPr>
+            <a:spLocks noGrp="1"/>
+          </p:cNvSpPr>
+          <p:nvPr>
+            <p:ph type="body" sz="quarter" idx="20"/>
+          </p:nvPr>
+        </p:nvSpPr>
+        <p:spPr>
+          <a:xfrm>
+            <a:off x="5468111" y="2441448"/>
+            <a:ext cx="1722801" cy="758952"/>
+          </a:xfrm>
+        </p:spPr>
+        <p:txBody>
+          <a:bodyPr/>
+          <a:lstStyle/>
+          <a:p>
+            <a:r>
+              <a:rPr lang="en-US" dirty="0"/>
+              <a:t>Performance Metrics</a:t>
+            </a:r>
+          </a:p>
+        </p:txBody>
+      </p:sp>
+      <p:sp>
+        <p:nvSpPr>
+          <p:cNvPr id="11" name="Text Placeholder 10">
+            <a:extLst>
+              <a:ext uri="{FF2B5EF4-FFF2-40B4-BE49-F238E27FC236}">
+                <a16:creationId xmlns:a16="http://schemas.microsoft.com/office/drawing/2014/main" id="{EAE8038A-B730-4711-D7B5-851B7FAAD8A7}"/>
+              </a:ext>
+            </a:extLst>
+          </p:cNvPr>
+          <p:cNvSpPr>
+            <a:spLocks noGrp="1"/>
+          </p:cNvSpPr>
+          <p:nvPr>
+            <p:ph type="body" sz="quarter" idx="21"/>
+          </p:nvPr>
+        </p:nvSpPr>
+        <p:spPr/>
+        <p:txBody>
+          <a:bodyPr/>
+          <a:lstStyle/>
+          <a:p>
+            <a:pPr>
+              <a:spcBef>
+                <a:spcPts val="0"/>
+              </a:spcBef>
+              <a:spcAft>
+                <a:spcPts val="0"/>
+              </a:spcAft>
+            </a:pPr>
+            <a:r>
+              <a:rPr lang="en-US" dirty="0"/>
+              <a:t>Create a training dataset composed of brains without tumors</a:t>
+            </a:r>
+          </a:p>
+        </p:txBody>
+      </p:sp>
+      <p:sp>
+        <p:nvSpPr>
+          <p:cNvPr id="12" name="Text Placeholder 11">
+            <a:extLst>
+              <a:ext uri="{FF2B5EF4-FFF2-40B4-BE49-F238E27FC236}">
+                <a16:creationId xmlns:a16="http://schemas.microsoft.com/office/drawing/2014/main" id="{357CF821-3BB7-EAAC-D7BB-89DCEE250798}"/>
+              </a:ext>
+            </a:extLst>
+          </p:cNvPr>
+          <p:cNvSpPr>
+            <a:spLocks noGrp="1"/>
+          </p:cNvSpPr>
+          <p:nvPr>
+            <p:ph type="body" sz="quarter" idx="22"/>
+          </p:nvPr>
+        </p:nvSpPr>
+        <p:spPr/>
+        <p:txBody>
+          <a:bodyPr/>
+          <a:lstStyle/>
+          <a:p>
+            <a:r>
+              <a:rPr lang="en-US" dirty="0"/>
+              <a:t>ML Model</a:t>
+            </a:r>
+          </a:p>
+        </p:txBody>
+      </p:sp>
+      <p:sp>
+        <p:nvSpPr>
+          <p:cNvPr id="13" name="Text Placeholder 12">
+            <a:extLst>
+              <a:ext uri="{FF2B5EF4-FFF2-40B4-BE49-F238E27FC236}">
+                <a16:creationId xmlns:a16="http://schemas.microsoft.com/office/drawing/2014/main" id="{808185AA-496A-A5EB-3328-97A615D131B5}"/>
+              </a:ext>
+            </a:extLst>
+          </p:cNvPr>
+          <p:cNvSpPr>
+            <a:spLocks noGrp="1"/>
+          </p:cNvSpPr>
+          <p:nvPr>
+            <p:ph type="body" sz="quarter" idx="23"/>
+          </p:nvPr>
+        </p:nvSpPr>
+        <p:spPr/>
+        <p:txBody>
+          <a:bodyPr/>
+          <a:lstStyle/>
+          <a:p>
+            <a:r>
+              <a:rPr lang="en-US" dirty="0"/>
+              <a:t>Build the K-Nearest Neighbor model to gauge accuracy of the neural network</a:t>
+            </a:r>
+          </a:p>
+          <a:p>
+            <a:endParaRPr lang="en-US" dirty="0"/>
+          </a:p>
+        </p:txBody>
+      </p:sp>
+      <p:sp>
+        <p:nvSpPr>
+          <p:cNvPr id="14" name="Text Placeholder 13">
+            <a:extLst>
+              <a:ext uri="{FF2B5EF4-FFF2-40B4-BE49-F238E27FC236}">
+                <a16:creationId xmlns:a16="http://schemas.microsoft.com/office/drawing/2014/main" id="{37831CC4-0B09-14AA-184F-D3ECC41DECED}"/>
+              </a:ext>
+            </a:extLst>
+          </p:cNvPr>
+          <p:cNvSpPr>
+            <a:spLocks noGrp="1"/>
+          </p:cNvSpPr>
+          <p:nvPr>
+            <p:ph type="body" sz="quarter" idx="28"/>
+          </p:nvPr>
+        </p:nvSpPr>
+        <p:spPr>
+          <a:xfrm>
+            <a:off x="9637776" y="2441448"/>
+            <a:ext cx="1814418" cy="758952"/>
+          </a:xfrm>
+        </p:spPr>
+        <p:txBody>
+          <a:bodyPr/>
+          <a:lstStyle/>
+          <a:p>
+            <a:r>
+              <a:rPr lang="en-US" dirty="0"/>
+              <a:t>Deployment</a:t>
+            </a:r>
+          </a:p>
+        </p:txBody>
+      </p:sp>
+      <p:sp>
+        <p:nvSpPr>
+          <p:cNvPr id="15" name="Text Placeholder 14">
+            <a:extLst>
+              <a:ext uri="{FF2B5EF4-FFF2-40B4-BE49-F238E27FC236}">
+                <a16:creationId xmlns:a16="http://schemas.microsoft.com/office/drawing/2014/main" id="{7511B12E-ED27-B573-2E5E-DBA687F9987D}"/>
+              </a:ext>
+            </a:extLst>
+          </p:cNvPr>
+          <p:cNvSpPr>
+            <a:spLocks noGrp="1"/>
+          </p:cNvSpPr>
+          <p:nvPr>
+            <p:ph type="body" sz="quarter" idx="29"/>
+          </p:nvPr>
+        </p:nvSpPr>
+        <p:spPr/>
+        <p:txBody>
+          <a:bodyPr/>
+          <a:lstStyle/>
+          <a:p>
+            <a:pPr>
+              <a:spcBef>
+                <a:spcPts val="0"/>
+              </a:spcBef>
+              <a:spcAft>
+                <a:spcPts val="0"/>
+              </a:spcAft>
+            </a:pPr>
+            <a:r>
+              <a:rPr lang="en-US" dirty="0"/>
+              <a:t>Deploy a NN with replicable results</a:t>
+            </a:r>
+          </a:p>
+          <a:p>
             <a:endParaRPr lang="en-US" dirty="0"/>
           </a:p>
         </p:txBody>
       </p:sp>
       <p:pic>
         <p:nvPicPr>
-          <p:cNvPr id="7" name="Picture Placeholder 6" descr="Pipette over three glass jars">
-            <a:extLst>
-              <a:ext uri="{FF2B5EF4-FFF2-40B4-BE49-F238E27FC236}">
-                <a16:creationId xmlns:a16="http://schemas.microsoft.com/office/drawing/2014/main" id="{7FFC92DA-E590-4A49-8738-10A5D4DBBE6E}"/>
+          <p:cNvPr id="16" name="Content Placeholder 25" descr="Microscopic view of a suspended bubble-like material with water in it">
+            <a:extLst>
+              <a:ext uri="{FF2B5EF4-FFF2-40B4-BE49-F238E27FC236}">
+                <a16:creationId xmlns:a16="http://schemas.microsoft.com/office/drawing/2014/main" id="{B083ED63-584D-2579-2721-B716F3BC8F6B}"/>
+              </a:ext>
+            </a:extLst>
+          </p:cNvPr>
+          <p:cNvPicPr>
+            <a:picLocks noGrp="1" noChangeAspect="1"/>
+          </p:cNvPicPr>
+          <p:nvPr>
+            <p:ph type="pic" sz="quarter" idx="30"/>
+          </p:nvPr>
+        </p:nvPicPr>
+        <p:blipFill>
+          <a:blip r:embed="rId2">
+            <a:alphaModFix amt="70000"/>
+            <a:duotone>
+              <a:schemeClr val="accent3">
+                <a:shade val="45000"/>
+                <a:satMod val="135000"/>
+              </a:schemeClr>
+              <a:prstClr val="white"/>
+            </a:duotone>
+            <a:extLst>
+              <a:ext uri="{28A0092B-C50C-407E-A947-70E740481C1C}">
+                <a14:useLocalDpi xmlns:a14="http://schemas.microsoft.com/office/drawing/2010/main" val="0"/>
+              </a:ext>
+            </a:extLst>
+          </a:blip>
+          <a:srcRect/>
+          <a:stretch/>
+        </p:blipFill>
+        <p:spPr>
+          <a:xfrm>
+            <a:off x="0" y="5175250"/>
+            <a:ext cx="12188825" cy="1682750"/>
+          </a:xfrm>
+          <a:custGeom>
+            <a:avLst/>
+            <a:gdLst>
+              <a:gd name="connsiteX0" fmla="*/ 0 w 12192000"/>
+              <a:gd name="connsiteY0" fmla="*/ 0 h 1588010"/>
+              <a:gd name="connsiteX1" fmla="*/ 12192000 w 12192000"/>
+              <a:gd name="connsiteY1" fmla="*/ 0 h 1588010"/>
+              <a:gd name="connsiteX2" fmla="*/ 12192000 w 12192000"/>
+              <a:gd name="connsiteY2" fmla="*/ 1588010 h 1588010"/>
+              <a:gd name="connsiteX3" fmla="*/ 0 w 12192000"/>
+              <a:gd name="connsiteY3" fmla="*/ 1588010 h 1588010"/>
+            </a:gdLst>
+            <a:ahLst/>
+            <a:cxnLst>
+              <a:cxn ang="0">
+                <a:pos x="connsiteX0" y="connsiteY0"/>
+              </a:cxn>
+              <a:cxn ang="0">
+                <a:pos x="connsiteX1" y="connsiteY1"/>
+              </a:cxn>
+              <a:cxn ang="0">
+                <a:pos x="connsiteX2" y="connsiteY2"/>
+              </a:cxn>
+              <a:cxn ang="0">
+                <a:pos x="connsiteX3" y="connsiteY3"/>
+              </a:cxn>
+            </a:cxnLst>
+            <a:rect l="l" t="t" r="r" b="b"/>
+            <a:pathLst>
+              <a:path w="12192000" h="1588010">
+                <a:moveTo>
+                  <a:pt x="0" y="0"/>
+                </a:moveTo>
+                <a:lnTo>
+                  <a:pt x="12192000" y="0"/>
+                </a:lnTo>
+                <a:lnTo>
+                  <a:pt x="12192000" y="1588010"/>
+                </a:lnTo>
+                <a:lnTo>
+                  <a:pt x="0" y="1588010"/>
+                </a:lnTo>
+                <a:close/>
+              </a:path>
+            </a:pathLst>
+          </a:custGeom>
+          <a:solidFill>
+            <a:schemeClr val="accent2"/>
+          </a:solidFill>
+        </p:spPr>
+      </p:pic>
+    </p:spTree>
+    <p:extLst>
+      <p:ext uri="{BB962C8B-B14F-4D97-AF65-F5344CB8AC3E}">
+        <p14:creationId xmlns:p14="http://schemas.microsoft.com/office/powerpoint/2010/main" val="2607450225"/>
+      </p:ext>
+    </p:extLst>
+  </p:cSld>
+  <p:clrMapOvr>
+    <a:masterClrMapping/>
+  </p:clrMapOvr>
+</p:sld>
+</file>
+
+<file path=ppt/slides/slide5.xml><?xml version="1.0" encoding="utf-8"?>
+<p:sld xmlns:a="http://schemas.openxmlformats.org/drawingml/2006/main" xmlns:r="http://schemas.openxmlformats.org/officeDocument/2006/relationships" xmlns:p="http://schemas.openxmlformats.org/presentationml/2006/main">
+  <p:cSld>
+    <p:spTree>
+      <p:nvGrpSpPr>
+        <p:cNvPr id="1" name=""/>
+        <p:cNvGrpSpPr/>
+        <p:nvPr/>
+      </p:nvGrpSpPr>
+      <p:grpSpPr>
+        <a:xfrm>
+          <a:off x="0" y="0"/>
+          <a:ext cx="0" cy="0"/>
+          <a:chOff x="0" y="0"/>
+          <a:chExt cx="0" cy="0"/>
+        </a:xfrm>
+      </p:grpSpPr>
+      <p:pic>
+        <p:nvPicPr>
+          <p:cNvPr id="39" name="Picture Placeholder 38" descr="White DNA structure">
+            <a:extLst>
+              <a:ext uri="{FF2B5EF4-FFF2-40B4-BE49-F238E27FC236}">
+                <a16:creationId xmlns:a16="http://schemas.microsoft.com/office/drawing/2014/main" id="{F90B3248-E185-8C9D-93CE-A79DE50A6F35}"/>
               </a:ext>
             </a:extLst>
           </p:cNvPr>
@@ -14423,9 +14599,452 @@
             <a:fillRect/>
           </a:stretch>
         </p:blipFill>
-        <p:spPr>
-          <a:xfrm>
-            <a:off x="1298575" y="1828800"/>
+        <p:spPr/>
+      </p:pic>
+      <p:sp>
+        <p:nvSpPr>
+          <p:cNvPr id="48" name="Rectangle 47">
+            <a:extLst>
+              <a:ext uri="{FF2B5EF4-FFF2-40B4-BE49-F238E27FC236}">
+                <a16:creationId xmlns:a16="http://schemas.microsoft.com/office/drawing/2014/main" id="{217F23FC-AC97-DC78-C63F-66C5BF23A07A}"/>
+              </a:ext>
+              <a:ext uri="{C183D7F6-B498-43B3-948B-1728B52AA6E4}">
+                <adec:decorative xmlns:adec="http://schemas.microsoft.com/office/drawing/2017/decorative" val="1"/>
+              </a:ext>
+            </a:extLst>
+          </p:cNvPr>
+          <p:cNvSpPr/>
+          <p:nvPr/>
+        </p:nvSpPr>
+        <p:spPr>
+          <a:xfrm>
+            <a:off x="2120552" y="12357"/>
+            <a:ext cx="10071448" cy="6858000"/>
+          </a:xfrm>
+          <a:prstGeom prst="rect">
+            <a:avLst/>
+          </a:prstGeom>
+          <a:gradFill>
+            <a:gsLst>
+              <a:gs pos="0">
+                <a:schemeClr val="bg1">
+                  <a:alpha val="0"/>
+                </a:schemeClr>
+              </a:gs>
+              <a:gs pos="42000">
+                <a:schemeClr val="bg1"/>
+              </a:gs>
+            </a:gsLst>
+            <a:lin ang="0" scaled="0"/>
+          </a:gradFill>
+          <a:ln>
+            <a:noFill/>
+          </a:ln>
+        </p:spPr>
+        <p:style>
+          <a:lnRef idx="2">
+            <a:schemeClr val="accent1">
+              <a:shade val="50000"/>
+            </a:schemeClr>
+          </a:lnRef>
+          <a:fillRef idx="1">
+            <a:schemeClr val="accent1"/>
+          </a:fillRef>
+          <a:effectRef idx="0">
+            <a:schemeClr val="accent1"/>
+          </a:effectRef>
+          <a:fontRef idx="minor">
+            <a:schemeClr val="lt1"/>
+          </a:fontRef>
+        </p:style>
+        <p:txBody>
+          <a:bodyPr rtlCol="0" anchor="ctr"/>
+          <a:lstStyle/>
+          <a:p>
+            <a:pPr algn="ctr"/>
+            <a:endParaRPr lang="en-US" dirty="0"/>
+          </a:p>
+        </p:txBody>
+      </p:sp>
+      <p:sp>
+        <p:nvSpPr>
+          <p:cNvPr id="3" name="Title 2">
+            <a:extLst>
+              <a:ext uri="{FF2B5EF4-FFF2-40B4-BE49-F238E27FC236}">
+                <a16:creationId xmlns:a16="http://schemas.microsoft.com/office/drawing/2014/main" id="{B3E315A2-4CED-23BB-CA3C-C8962E2419FD}"/>
+              </a:ext>
+            </a:extLst>
+          </p:cNvPr>
+          <p:cNvSpPr>
+            <a:spLocks noGrp="1"/>
+          </p:cNvSpPr>
+          <p:nvPr>
+            <p:ph type="title"/>
+          </p:nvPr>
+        </p:nvSpPr>
+        <p:spPr/>
+        <p:txBody>
+          <a:bodyPr/>
+          <a:lstStyle/>
+          <a:p>
+            <a:r>
+              <a:rPr lang="en-US" dirty="0"/>
+              <a:t>Research and Resources</a:t>
+            </a:r>
+          </a:p>
+        </p:txBody>
+      </p:sp>
+      <p:sp>
+        <p:nvSpPr>
+          <p:cNvPr id="9" name="Footer Placeholder 8">
+            <a:extLst>
+              <a:ext uri="{FF2B5EF4-FFF2-40B4-BE49-F238E27FC236}">
+                <a16:creationId xmlns:a16="http://schemas.microsoft.com/office/drawing/2014/main" id="{90FCB302-A0EE-7CF7-A4B2-ED343BFF9BC0}"/>
+              </a:ext>
+            </a:extLst>
+          </p:cNvPr>
+          <p:cNvSpPr>
+            <a:spLocks noGrp="1"/>
+          </p:cNvSpPr>
+          <p:nvPr>
+            <p:ph type="ftr" sz="quarter" idx="12"/>
+          </p:nvPr>
+        </p:nvSpPr>
+        <p:spPr/>
+        <p:txBody>
+          <a:bodyPr/>
+          <a:lstStyle/>
+          <a:p>
+            <a:r>
+              <a:rPr lang="en-US" dirty="0"/>
+              <a:t>presentation title</a:t>
+            </a:r>
+          </a:p>
+        </p:txBody>
+      </p:sp>
+      <p:sp>
+        <p:nvSpPr>
+          <p:cNvPr id="8" name="Slide Number Placeholder 7">
+            <a:extLst>
+              <a:ext uri="{FF2B5EF4-FFF2-40B4-BE49-F238E27FC236}">
+                <a16:creationId xmlns:a16="http://schemas.microsoft.com/office/drawing/2014/main" id="{2205EC8C-AC41-F14C-3C63-5BF0F54D1D23}"/>
+              </a:ext>
+            </a:extLst>
+          </p:cNvPr>
+          <p:cNvSpPr>
+            <a:spLocks noGrp="1"/>
+          </p:cNvSpPr>
+          <p:nvPr>
+            <p:ph type="sldNum" sz="quarter" idx="11"/>
+          </p:nvPr>
+        </p:nvSpPr>
+        <p:spPr/>
+        <p:txBody>
+          <a:bodyPr/>
+          <a:lstStyle/>
+          <a:p>
+            <a:fld id="{75DF2D63-3FF5-D547-96B9-BE9CCD1ABA58}" type="slidenum">
+              <a:rPr lang="en-US" smtClean="0"/>
+              <a:pPr/>
+              <a:t>5</a:t>
+            </a:fld>
+            <a:endParaRPr lang="en-US" dirty="0"/>
+          </a:p>
+        </p:txBody>
+      </p:sp>
+      <p:sp>
+        <p:nvSpPr>
+          <p:cNvPr id="4" name="Text Placeholder 3">
+            <a:extLst>
+              <a:ext uri="{FF2B5EF4-FFF2-40B4-BE49-F238E27FC236}">
+                <a16:creationId xmlns:a16="http://schemas.microsoft.com/office/drawing/2014/main" id="{DB4489FD-4F12-40A7-1EA9-79A941933E98}"/>
+              </a:ext>
+            </a:extLst>
+          </p:cNvPr>
+          <p:cNvSpPr>
+            <a:spLocks noGrp="1"/>
+          </p:cNvSpPr>
+          <p:nvPr>
+            <p:ph type="body" idx="1"/>
+          </p:nvPr>
+        </p:nvSpPr>
+        <p:spPr/>
+        <p:txBody>
+          <a:bodyPr/>
+          <a:lstStyle/>
+          <a:p>
+            <a:r>
+              <a:rPr lang="en-US" sz="1100" dirty="0"/>
+              <a:t>Performance analysis of machine learning detection and classification of brain tumor using computer vision</a:t>
+            </a:r>
+          </a:p>
+          <a:p>
+            <a:endParaRPr lang="en-US" sz="1100" dirty="0"/>
+          </a:p>
+          <a:p>
+            <a:endParaRPr lang="en-US" sz="1100" dirty="0"/>
+          </a:p>
+        </p:txBody>
+      </p:sp>
+      <p:sp>
+        <p:nvSpPr>
+          <p:cNvPr id="5" name="Content Placeholder 4">
+            <a:extLst>
+              <a:ext uri="{FF2B5EF4-FFF2-40B4-BE49-F238E27FC236}">
+                <a16:creationId xmlns:a16="http://schemas.microsoft.com/office/drawing/2014/main" id="{9BCDA136-13F8-70CB-CDA2-02260A2D2D59}"/>
+              </a:ext>
+            </a:extLst>
+          </p:cNvPr>
+          <p:cNvSpPr>
+            <a:spLocks noGrp="1"/>
+          </p:cNvSpPr>
+          <p:nvPr>
+            <p:ph sz="half" idx="2"/>
+          </p:nvPr>
+        </p:nvSpPr>
+        <p:spPr>
+          <a:xfrm>
+            <a:off x="1603220" y="4003030"/>
+            <a:ext cx="3886200" cy="2514600"/>
+          </a:xfrm>
+        </p:spPr>
+        <p:txBody>
+          <a:bodyPr/>
+          <a:lstStyle/>
+          <a:p>
+            <a:pPr marL="285750" indent="-285750">
+              <a:buFont typeface="Arial" panose="020B0604020202020204" pitchFamily="34" charset="0"/>
+              <a:buChar char="•"/>
+            </a:pPr>
+            <a:r>
+              <a:rPr lang="en-US" dirty="0"/>
+              <a:t>A proposed CNN architecture of 19 weighted layers (16 convolutional to 3 fully connected) is made </a:t>
+            </a:r>
+          </a:p>
+          <a:p>
+            <a:pPr marL="285750" indent="-285750">
+              <a:buFont typeface="Arial" panose="020B0604020202020204" pitchFamily="34" charset="0"/>
+              <a:buChar char="•"/>
+            </a:pPr>
+            <a:r>
+              <a:rPr lang="en-US" dirty="0"/>
+              <a:t>It was compared to another neural network called a Multilayer Perceptron which uses different units of measure called perceptrons along with multiple layers</a:t>
+            </a:r>
+          </a:p>
+          <a:p>
+            <a:pPr marL="285750" indent="-285750">
+              <a:buFont typeface="Arial" panose="020B0604020202020204" pitchFamily="34" charset="0"/>
+              <a:buChar char="•"/>
+            </a:pPr>
+            <a:r>
+              <a:rPr lang="en-US" dirty="0"/>
+              <a:t>They then were compared to five other Machine Learning models to determine accuracy</a:t>
+            </a:r>
+          </a:p>
+          <a:p>
+            <a:pPr marL="285750" indent="-285750">
+              <a:buFont typeface="Arial" panose="020B0604020202020204" pitchFamily="34" charset="0"/>
+              <a:buChar char="•"/>
+            </a:pPr>
+            <a:r>
+              <a:rPr lang="en-US" dirty="0"/>
+              <a:t>Tumor classification was limited to cancerous vs. non-cancerous</a:t>
+            </a:r>
+          </a:p>
+          <a:p>
+            <a:endParaRPr lang="en-US" dirty="0"/>
+          </a:p>
+          <a:p>
+            <a:endParaRPr lang="en-US" dirty="0"/>
+          </a:p>
+        </p:txBody>
+      </p:sp>
+      <p:sp>
+        <p:nvSpPr>
+          <p:cNvPr id="6" name="Text Placeholder 5">
+            <a:extLst>
+              <a:ext uri="{FF2B5EF4-FFF2-40B4-BE49-F238E27FC236}">
+                <a16:creationId xmlns:a16="http://schemas.microsoft.com/office/drawing/2014/main" id="{16743F76-FD81-DAAA-A5BA-6E77D3B83F8A}"/>
+              </a:ext>
+            </a:extLst>
+          </p:cNvPr>
+          <p:cNvSpPr>
+            <a:spLocks noGrp="1"/>
+          </p:cNvSpPr>
+          <p:nvPr>
+            <p:ph type="body" sz="quarter" idx="3"/>
+          </p:nvPr>
+        </p:nvSpPr>
+        <p:spPr/>
+        <p:txBody>
+          <a:bodyPr/>
+          <a:lstStyle/>
+          <a:p>
+            <a:r>
+              <a:rPr lang="en-US" sz="1200" dirty="0"/>
+              <a:t>Role of deep learning in brain tumor detection and classification</a:t>
+            </a:r>
+          </a:p>
+        </p:txBody>
+      </p:sp>
+      <p:cxnSp>
+        <p:nvCxnSpPr>
+          <p:cNvPr id="27" name="Straight Connector 26">
+            <a:extLst>
+              <a:ext uri="{FF2B5EF4-FFF2-40B4-BE49-F238E27FC236}">
+                <a16:creationId xmlns:a16="http://schemas.microsoft.com/office/drawing/2014/main" id="{E4A534A3-16E3-79AB-9E75-F40D0FDB4C98}"/>
+              </a:ext>
+              <a:ext uri="{C183D7F6-B498-43B3-948B-1728B52AA6E4}">
+                <adec:decorative xmlns:adec="http://schemas.microsoft.com/office/drawing/2017/decorative" val="1"/>
+              </a:ext>
+            </a:extLst>
+          </p:cNvPr>
+          <p:cNvCxnSpPr>
+            <a:cxnSpLocks/>
+          </p:cNvCxnSpPr>
+          <p:nvPr/>
+        </p:nvCxnSpPr>
+        <p:spPr>
+          <a:xfrm>
+            <a:off x="649224" y="2667000"/>
+            <a:ext cx="0" cy="3124200"/>
+          </a:xfrm>
+          <a:prstGeom prst="line">
+            <a:avLst/>
+          </a:prstGeom>
+          <a:ln w="12700">
+            <a:solidFill>
+              <a:schemeClr val="accent1"/>
+            </a:solidFill>
+          </a:ln>
+        </p:spPr>
+        <p:style>
+          <a:lnRef idx="1">
+            <a:schemeClr val="accent1"/>
+          </a:lnRef>
+          <a:fillRef idx="0">
+            <a:schemeClr val="accent1"/>
+          </a:fillRef>
+          <a:effectRef idx="0">
+            <a:schemeClr val="accent1"/>
+          </a:effectRef>
+          <a:fontRef idx="minor">
+            <a:schemeClr val="tx1"/>
+          </a:fontRef>
+        </p:style>
+      </p:cxnSp>
+      <p:pic>
+        <p:nvPicPr>
+          <p:cNvPr id="14" name="Picture 13">
+            <a:extLst>
+              <a:ext uri="{FF2B5EF4-FFF2-40B4-BE49-F238E27FC236}">
+                <a16:creationId xmlns:a16="http://schemas.microsoft.com/office/drawing/2014/main" id="{A219879A-EABD-51E7-CCAD-820ADEFB6A0C}"/>
+              </a:ext>
+            </a:extLst>
+          </p:cNvPr>
+          <p:cNvPicPr>
+            <a:picLocks noChangeAspect="1"/>
+          </p:cNvPicPr>
+          <p:nvPr/>
+        </p:nvPicPr>
+        <p:blipFill>
+          <a:blip r:embed="rId3"/>
+          <a:stretch>
+            <a:fillRect/>
+          </a:stretch>
+        </p:blipFill>
+        <p:spPr>
+          <a:xfrm>
+            <a:off x="7092640" y="3520954"/>
+            <a:ext cx="3319721" cy="3294761"/>
+          </a:xfrm>
+          <a:prstGeom prst="rect">
+            <a:avLst/>
+          </a:prstGeom>
+        </p:spPr>
+      </p:pic>
+    </p:spTree>
+    <p:extLst>
+      <p:ext uri="{BB962C8B-B14F-4D97-AF65-F5344CB8AC3E}">
+        <p14:creationId xmlns:p14="http://schemas.microsoft.com/office/powerpoint/2010/main" val="2499958832"/>
+      </p:ext>
+    </p:extLst>
+  </p:cSld>
+  <p:clrMapOvr>
+    <a:masterClrMapping/>
+  </p:clrMapOvr>
+</p:sld>
+</file>
+
+<file path=ppt/slides/slide6.xml><?xml version="1.0" encoding="utf-8"?>
+<p:sld xmlns:a="http://schemas.openxmlformats.org/drawingml/2006/main" xmlns:r="http://schemas.openxmlformats.org/officeDocument/2006/relationships" xmlns:p="http://schemas.openxmlformats.org/presentationml/2006/main">
+  <p:cSld>
+    <p:spTree>
+      <p:nvGrpSpPr>
+        <p:cNvPr id="1" name=""/>
+        <p:cNvGrpSpPr/>
+        <p:nvPr/>
+      </p:nvGrpSpPr>
+      <p:grpSpPr>
+        <a:xfrm>
+          <a:off x="0" y="0"/>
+          <a:ext cx="0" cy="0"/>
+          <a:chOff x="0" y="0"/>
+          <a:chExt cx="0" cy="0"/>
+        </a:xfrm>
+      </p:grpSpPr>
+      <p:sp>
+        <p:nvSpPr>
+          <p:cNvPr id="2" name="Title 1">
+            <a:extLst>
+              <a:ext uri="{FF2B5EF4-FFF2-40B4-BE49-F238E27FC236}">
+                <a16:creationId xmlns:a16="http://schemas.microsoft.com/office/drawing/2014/main" id="{FE92A9E4-3B33-8623-FB27-6D7248C372EA}"/>
+              </a:ext>
+            </a:extLst>
+          </p:cNvPr>
+          <p:cNvSpPr>
+            <a:spLocks noGrp="1"/>
+          </p:cNvSpPr>
+          <p:nvPr>
+            <p:ph type="title"/>
+          </p:nvPr>
+        </p:nvSpPr>
+        <p:spPr/>
+        <p:txBody>
+          <a:bodyPr/>
+          <a:lstStyle/>
+          <a:p>
+            <a:r>
+              <a:rPr lang="en-US" dirty="0"/>
+              <a:t>Discussion</a:t>
+            </a:r>
+          </a:p>
+        </p:txBody>
+      </p:sp>
+      <p:pic>
+        <p:nvPicPr>
+          <p:cNvPr id="18" name="Picture Placeholder 17">
+            <a:extLst>
+              <a:ext uri="{FF2B5EF4-FFF2-40B4-BE49-F238E27FC236}">
+                <a16:creationId xmlns:a16="http://schemas.microsoft.com/office/drawing/2014/main" id="{1FB107C6-83C2-4539-D841-857D29AC76A1}"/>
+              </a:ext>
+            </a:extLst>
+          </p:cNvPr>
+          <p:cNvPicPr>
+            <a:picLocks noGrp="1" noChangeAspect="1"/>
+          </p:cNvPicPr>
+          <p:nvPr>
+            <p:ph type="pic" sz="quarter" idx="14"/>
+          </p:nvPr>
+        </p:nvPicPr>
+        <p:blipFill>
+          <a:blip r:embed="rId2"/>
+          <a:srcRect/>
+          <a:stretch/>
+        </p:blipFill>
+        <p:spPr>
+          <a:xfrm>
+            <a:off x="1298575" y="612775"/>
             <a:ext cx="3200400" cy="3200400"/>
           </a:xfrm>
           <a:custGeom>
@@ -14492,107 +15111,12 @@
           </a:custGeom>
         </p:spPr>
       </p:pic>
-      <p:sp>
-        <p:nvSpPr>
-          <p:cNvPr id="3" name="Content Placeholder 2">
-            <a:extLst>
-              <a:ext uri="{FF2B5EF4-FFF2-40B4-BE49-F238E27FC236}">
-                <a16:creationId xmlns:a16="http://schemas.microsoft.com/office/drawing/2014/main" id="{77C9C890-ADC6-0AA7-BBC0-05E856AA7C3C}"/>
-              </a:ext>
-            </a:extLst>
-          </p:cNvPr>
-          <p:cNvSpPr>
-            <a:spLocks noGrp="1"/>
-          </p:cNvSpPr>
-          <p:nvPr>
-            <p:ph idx="1"/>
-          </p:nvPr>
-        </p:nvSpPr>
-        <p:spPr/>
-        <p:txBody>
-          <a:bodyPr/>
-          <a:lstStyle/>
-          <a:p>
-            <a:pPr marL="0" indent="0">
-              <a:lnSpc>
-                <a:spcPts val="2400"/>
-              </a:lnSpc>
-              <a:buNone/>
-            </a:pPr>
-            <a:r>
-              <a:rPr lang="en-US" sz="2000" spc="0" dirty="0">
-                <a:ea typeface="+mn-lt"/>
-                <a:cs typeface="+mn-lt"/>
-              </a:rPr>
-              <a:t>At Contoso, we empower organizations to foster collaborative thinking to further drive workplace innovation.</a:t>
-            </a:r>
-          </a:p>
-          <a:p>
-            <a:pPr marL="0" indent="0">
-              <a:lnSpc>
-                <a:spcPts val="2400"/>
-              </a:lnSpc>
-              <a:buNone/>
-            </a:pPr>
-            <a:endParaRPr lang="en-US" sz="2000" spc="0" dirty="0">
-              <a:ea typeface="+mn-lt"/>
-              <a:cs typeface="+mn-lt"/>
-            </a:endParaRPr>
-          </a:p>
-          <a:p>
-            <a:pPr marL="0" indent="0">
-              <a:lnSpc>
-                <a:spcPts val="2400"/>
-              </a:lnSpc>
-              <a:buNone/>
-            </a:pPr>
-            <a:r>
-              <a:rPr lang="en-US" sz="2000" spc="0" dirty="0">
-                <a:ea typeface="+mn-lt"/>
-                <a:cs typeface="+mn-lt"/>
-              </a:rPr>
-              <a:t>By closing the loop and leveraging agile frameworks, we help businesses grow organically and foster a consumer-first mindset.</a:t>
-            </a:r>
-            <a:endParaRPr lang="en-US" sz="2000" spc="0" dirty="0"/>
-          </a:p>
-        </p:txBody>
-      </p:sp>
-    </p:spTree>
-    <p:extLst>
-      <p:ext uri="{BB962C8B-B14F-4D97-AF65-F5344CB8AC3E}">
-        <p14:creationId xmlns:p14="http://schemas.microsoft.com/office/powerpoint/2010/main" val="2810133685"/>
-      </p:ext>
-    </p:extLst>
-  </p:cSld>
-  <p:clrMapOvr>
-    <a:masterClrMapping/>
-  </p:clrMapOvr>
-</p:sld>
-</file>
-
-<file path=ppt/slides/slide4.xml><?xml version="1.0" encoding="utf-8"?>
-<p:sld xmlns:a="http://schemas.openxmlformats.org/drawingml/2006/main" xmlns:r="http://schemas.openxmlformats.org/officeDocument/2006/relationships" xmlns:p="http://schemas.openxmlformats.org/presentationml/2006/main">
-  <p:cSld>
-    <p:spTree>
-      <p:nvGrpSpPr>
-        <p:cNvPr id="1" name=""/>
-        <p:cNvGrpSpPr/>
-        <p:nvPr/>
-      </p:nvGrpSpPr>
-      <p:grpSpPr>
-        <a:xfrm>
-          <a:off x="0" y="0"/>
-          <a:ext cx="0" cy="0"/>
-          <a:chOff x="0" y="0"/>
-          <a:chExt cx="0" cy="0"/>
-        </a:xfrm>
-      </p:grpSpPr>
       <p:pic>
         <p:nvPicPr>
-          <p:cNvPr id="11" name="Picture Placeholder 10" descr="White DNA structure">
-            <a:extLst>
-              <a:ext uri="{FF2B5EF4-FFF2-40B4-BE49-F238E27FC236}">
-                <a16:creationId xmlns:a16="http://schemas.microsoft.com/office/drawing/2014/main" id="{7F21F877-E428-8BB2-045F-D9FA57744C27}"/>
+          <p:cNvPr id="15" name="Picture Placeholder 17" descr="Nerve with solid fill">
+            <a:extLst>
+              <a:ext uri="{FF2B5EF4-FFF2-40B4-BE49-F238E27FC236}">
+                <a16:creationId xmlns:a16="http://schemas.microsoft.com/office/drawing/2014/main" id="{D6EBC2A8-A6B3-B04E-41A4-25A9A0676AD0}"/>
               </a:ext>
             </a:extLst>
           </p:cNvPr>
@@ -14600,43 +15124,111 @@
             <a:picLocks noGrp="1" noChangeAspect="1"/>
           </p:cNvPicPr>
           <p:nvPr>
-            <p:ph type="pic" sz="quarter" idx="10"/>
+            <p:ph type="pic" sz="quarter" idx="17"/>
           </p:nvPr>
         </p:nvPicPr>
-        <p:blipFill rotWithShape="1">
-          <a:blip r:embed="rId2">
-            <a:duotone>
-              <a:schemeClr val="accent1">
-                <a:shade val="45000"/>
-                <a:satMod val="135000"/>
-              </a:schemeClr>
-              <a:prstClr val="white"/>
-            </a:duotone>
+        <p:blipFill>
+          <a:blip r:embed="rId3">
             <a:extLst>
               <a:ext uri="{28A0092B-C50C-407E-A947-70E740481C1C}">
                 <a14:useLocalDpi xmlns:a14="http://schemas.microsoft.com/office/drawing/2010/main" val="0"/>
+              </a:ext>
+              <a:ext uri="{96DAC541-7B7A-43D3-8B79-37D633B846F1}">
+                <asvg:svgBlip xmlns:asvg="http://schemas.microsoft.com/office/drawing/2016/SVG/main" r:embed="rId4"/>
+              </a:ext>
+            </a:extLst>
+          </a:blip>
+          <a:srcRect/>
+          <a:stretch>
+            <a:fillRect/>
+          </a:stretch>
+        </p:blipFill>
+        <p:spPr>
+          <a:xfrm>
+            <a:off x="6245225" y="704850"/>
+            <a:ext cx="914400" cy="914400"/>
+          </a:xfrm>
+        </p:spPr>
+      </p:pic>
+      <p:sp>
+        <p:nvSpPr>
+          <p:cNvPr id="3" name="Text Placeholder 2">
+            <a:extLst>
+              <a:ext uri="{FF2B5EF4-FFF2-40B4-BE49-F238E27FC236}">
+                <a16:creationId xmlns:a16="http://schemas.microsoft.com/office/drawing/2014/main" id="{18559EBB-1744-14F2-6EEA-D5BDC030F0C9}"/>
+              </a:ext>
+            </a:extLst>
+          </p:cNvPr>
+          <p:cNvSpPr>
+            <a:spLocks noGrp="1"/>
+          </p:cNvSpPr>
+          <p:nvPr>
+            <p:ph type="body" idx="1"/>
+          </p:nvPr>
+        </p:nvSpPr>
+        <p:spPr/>
+        <p:txBody>
+          <a:bodyPr/>
+          <a:lstStyle/>
+          <a:p>
+            <a:r>
+              <a:rPr lang="en-US" sz="2000" dirty="0">
+                <a:effectLst/>
+              </a:rPr>
+              <a:t>Coding </a:t>
+            </a:r>
+            <a:endParaRPr lang="en-US" dirty="0"/>
+          </a:p>
+        </p:txBody>
+      </p:sp>
+      <p:pic>
+        <p:nvPicPr>
+          <p:cNvPr id="16" name="Picture Placeholder 19" descr="Brain">
+            <a:extLst>
+              <a:ext uri="{FF2B5EF4-FFF2-40B4-BE49-F238E27FC236}">
+                <a16:creationId xmlns:a16="http://schemas.microsoft.com/office/drawing/2014/main" id="{5231DDDB-E29E-8882-E71C-20340171D8DC}"/>
+              </a:ext>
+            </a:extLst>
+          </p:cNvPr>
+          <p:cNvPicPr>
+            <a:picLocks noGrp="1" noChangeAspect="1"/>
+          </p:cNvPicPr>
+          <p:nvPr>
+            <p:ph type="pic" sz="quarter" idx="18"/>
+          </p:nvPr>
+        </p:nvPicPr>
+        <p:blipFill>
+          <a:blip r:embed="rId5">
+            <a:extLst>
+              <a:ext uri="{96DAC541-7B7A-43D3-8B79-37D633B846F1}">
+                <asvg:svgBlip xmlns:asvg="http://schemas.microsoft.com/office/drawing/2016/SVG/main" r:embed="rId6"/>
               </a:ext>
             </a:extLst>
           </a:blip>
           <a:srcRect/>
           <a:stretch/>
         </p:blipFill>
-        <p:spPr/>
+        <p:spPr>
+          <a:xfrm>
+            <a:off x="6245225" y="3273425"/>
+            <a:ext cx="914400" cy="914400"/>
+          </a:xfrm>
+        </p:spPr>
       </p:pic>
       <p:sp>
         <p:nvSpPr>
-          <p:cNvPr id="3" name="Title 2">
-            <a:extLst>
-              <a:ext uri="{FF2B5EF4-FFF2-40B4-BE49-F238E27FC236}">
-                <a16:creationId xmlns:a16="http://schemas.microsoft.com/office/drawing/2014/main" id="{03924A06-2533-68FE-6815-A6208AD97D3D}"/>
-              </a:ext>
-            </a:extLst>
-          </p:cNvPr>
-          <p:cNvSpPr>
-            <a:spLocks noGrp="1"/>
-          </p:cNvSpPr>
-          <p:nvPr>
-            <p:ph type="title"/>
+          <p:cNvPr id="5" name="Text Placeholder 4">
+            <a:extLst>
+              <a:ext uri="{FF2B5EF4-FFF2-40B4-BE49-F238E27FC236}">
+                <a16:creationId xmlns:a16="http://schemas.microsoft.com/office/drawing/2014/main" id="{621A83F6-ADD2-533E-DD3D-2171EC6F7E11}"/>
+              </a:ext>
+            </a:extLst>
+          </p:cNvPr>
+          <p:cNvSpPr>
+            <a:spLocks noGrp="1"/>
+          </p:cNvSpPr>
+          <p:nvPr>
+            <p:ph type="body" sz="quarter" idx="3"/>
           </p:nvPr>
         </p:nvSpPr>
         <p:spPr/>
@@ -14645,26 +15237,26 @@
           <a:lstStyle/>
           <a:p>
             <a:r>
-              <a:rPr lang="en-US" dirty="0"/>
-              <a:t>Primary goals</a:t>
-            </a:r>
-          </a:p>
-        </p:txBody>
-      </p:sp>
-      <p:sp>
-        <p:nvSpPr>
-          <p:cNvPr id="4" name="Text Placeholder 3">
-            <a:extLst>
-              <a:ext uri="{FF2B5EF4-FFF2-40B4-BE49-F238E27FC236}">
-                <a16:creationId xmlns:a16="http://schemas.microsoft.com/office/drawing/2014/main" id="{78D3FE44-803A-0FCA-D29B-EB40225C360F}"/>
-              </a:ext>
-            </a:extLst>
-          </p:cNvPr>
-          <p:cNvSpPr>
-            <a:spLocks noGrp="1"/>
-          </p:cNvSpPr>
-          <p:nvPr>
-            <p:ph type="body" idx="1"/>
+              <a:rPr lang="en-US" sz="2000" dirty="0"/>
+              <a:t>Classification</a:t>
+            </a:r>
+          </a:p>
+        </p:txBody>
+      </p:sp>
+      <p:sp>
+        <p:nvSpPr>
+          <p:cNvPr id="6" name="Content Placeholder 5">
+            <a:extLst>
+              <a:ext uri="{FF2B5EF4-FFF2-40B4-BE49-F238E27FC236}">
+                <a16:creationId xmlns:a16="http://schemas.microsoft.com/office/drawing/2014/main" id="{D17DB5B2-8F12-4C2A-D018-C12FD16160B5}"/>
+              </a:ext>
+            </a:extLst>
+          </p:cNvPr>
+          <p:cNvSpPr>
+            <a:spLocks noGrp="1"/>
+          </p:cNvSpPr>
+          <p:nvPr>
+            <p:ph sz="quarter" idx="4"/>
           </p:nvPr>
         </p:nvSpPr>
         <p:spPr/>
@@ -14672,1061 +15264,105 @@
           <a:bodyPr/>
           <a:lstStyle/>
           <a:p>
+            <a:pPr marL="342900" indent="-342900">
+              <a:buFont typeface="Arial" panose="020B0604020202020204" pitchFamily="34" charset="0"/>
+              <a:buChar char="•"/>
+            </a:pPr>
             <a:r>
               <a:rPr lang="en-US" dirty="0"/>
-              <a:t>Annual</a:t>
-            </a:r>
-          </a:p>
-          <a:p>
-            <a:r>
-              <a:rPr lang="en-US" dirty="0"/>
-              <a:t>Revenue </a:t>
-            </a:r>
-          </a:p>
-          <a:p>
-            <a:r>
-              <a:rPr lang="en-US" dirty="0"/>
-              <a:t>Growth</a:t>
-            </a:r>
-          </a:p>
-          <a:p>
+              <a:t>Classifying brain tumors into different types of tumors ?</a:t>
+            </a:r>
+          </a:p>
+          <a:p>
+            <a:pPr marL="342900" indent="-342900">
+              <a:buFont typeface="Arial" panose="020B0604020202020204" pitchFamily="34" charset="0"/>
+              <a:buChar char="•"/>
+            </a:pPr>
+            <a:r>
+              <a:rPr lang="en-US" dirty="0">
+                <a:effectLst/>
+              </a:rPr>
+              <a:t>What if tumors are</a:t>
+            </a:r>
+            <a:br>
+              <a:rPr lang="en-US" dirty="0">
+                <a:effectLst/>
+              </a:rPr>
+            </a:br>
             <a:endParaRPr lang="en-US" dirty="0"/>
+          </a:p>
+          <a:p>
+            <a:endParaRPr lang="en-US" dirty="0"/>
+          </a:p>
+        </p:txBody>
+      </p:sp>
+      <p:sp>
+        <p:nvSpPr>
+          <p:cNvPr id="14" name="Content Placeholder 13">
+            <a:extLst>
+              <a:ext uri="{FF2B5EF4-FFF2-40B4-BE49-F238E27FC236}">
+                <a16:creationId xmlns:a16="http://schemas.microsoft.com/office/drawing/2014/main" id="{B9E9A1FC-0BC7-CA6F-D51A-C3748DBACC96}"/>
+              </a:ext>
+            </a:extLst>
+          </p:cNvPr>
+          <p:cNvSpPr>
+            <a:spLocks noGrp="1"/>
+          </p:cNvSpPr>
+          <p:nvPr>
+            <p:ph sz="half" idx="2"/>
+          </p:nvPr>
+        </p:nvSpPr>
+        <p:spPr>
+          <a:xfrm>
+            <a:off x="7498080" y="1069847"/>
+            <a:ext cx="3886200" cy="1913049"/>
+          </a:xfrm>
+        </p:spPr>
+        <p:txBody>
+          <a:bodyPr/>
+          <a:lstStyle/>
+          <a:p>
+            <a:pPr marL="285750" indent="-285750">
+              <a:buFont typeface="Arial" panose="020B0604020202020204" pitchFamily="34" charset="0"/>
+              <a:buChar char="•"/>
+            </a:pPr>
+            <a:r>
+              <a:rPr lang="en-US" sz="1800" dirty="0"/>
+              <a:t>While </a:t>
+            </a:r>
+            <a:r>
+              <a:rPr lang="en-US" sz="1800" dirty="0" err="1"/>
+              <a:t>tensorflow</a:t>
+            </a:r>
+            <a:r>
+              <a:rPr lang="en-US" sz="1800" dirty="0"/>
+              <a:t> and </a:t>
+            </a:r>
+            <a:r>
+              <a:rPr lang="en-US" sz="1800" dirty="0" err="1"/>
+              <a:t>keras</a:t>
+            </a:r>
+            <a:r>
+              <a:rPr lang="en-US" sz="1800" dirty="0"/>
+              <a:t> have both been considered, are there any other suggestions?</a:t>
+            </a:r>
+          </a:p>
+          <a:p>
+            <a:pPr marL="285750" indent="-285750">
+              <a:buFont typeface="Arial" panose="020B0604020202020204" pitchFamily="34" charset="0"/>
+              <a:buChar char="•"/>
+            </a:pPr>
+            <a:r>
+              <a:rPr lang="en-US" sz="1800" dirty="0"/>
+              <a:t>Would another ML model be preferable to compare the NN against? </a:t>
+            </a:r>
           </a:p>
         </p:txBody>
       </p:sp>
     </p:spTree>
     <p:extLst>
       <p:ext uri="{BB962C8B-B14F-4D97-AF65-F5344CB8AC3E}">
-        <p14:creationId xmlns:p14="http://schemas.microsoft.com/office/powerpoint/2010/main" val="2924417010"/>
-      </p:ext>
-    </p:extLst>
-  </p:cSld>
-  <p:clrMapOvr>
-    <a:masterClrMapping/>
-  </p:clrMapOvr>
-</p:sld>
-</file>
-
-<file path=ppt/slides/slide5.xml><?xml version="1.0" encoding="utf-8"?>
-<p:sld xmlns:a="http://schemas.openxmlformats.org/drawingml/2006/main" xmlns:r="http://schemas.openxmlformats.org/officeDocument/2006/relationships" xmlns:p="http://schemas.openxmlformats.org/presentationml/2006/main">
-  <p:cSld>
-    <p:spTree>
-      <p:nvGrpSpPr>
-        <p:cNvPr id="1" name=""/>
-        <p:cNvGrpSpPr/>
-        <p:nvPr/>
-      </p:nvGrpSpPr>
-      <p:grpSpPr>
-        <a:xfrm>
-          <a:off x="0" y="0"/>
-          <a:ext cx="0" cy="0"/>
-          <a:chOff x="0" y="0"/>
-          <a:chExt cx="0" cy="0"/>
-        </a:xfrm>
-      </p:grpSpPr>
-      <p:sp>
-        <p:nvSpPr>
-          <p:cNvPr id="2" name="Title 1">
-            <a:extLst>
-              <a:ext uri="{FF2B5EF4-FFF2-40B4-BE49-F238E27FC236}">
-                <a16:creationId xmlns:a16="http://schemas.microsoft.com/office/drawing/2014/main" id="{5579856F-92A5-9936-EAA5-B01FC81B4FF8}"/>
-              </a:ext>
-            </a:extLst>
-          </p:cNvPr>
-          <p:cNvSpPr>
-            <a:spLocks noGrp="1"/>
-          </p:cNvSpPr>
-          <p:nvPr>
-            <p:ph type="title"/>
-          </p:nvPr>
-        </p:nvSpPr>
-        <p:spPr/>
-        <p:txBody>
-          <a:bodyPr/>
-          <a:lstStyle/>
-          <a:p>
-            <a:r>
-              <a:rPr lang="en-US" dirty="0"/>
-              <a:t>Quarterly performance</a:t>
-            </a:r>
-          </a:p>
-        </p:txBody>
-      </p:sp>
-      <p:sp>
-        <p:nvSpPr>
-          <p:cNvPr id="5" name="Footer Placeholder 4">
-            <a:extLst>
-              <a:ext uri="{FF2B5EF4-FFF2-40B4-BE49-F238E27FC236}">
-                <a16:creationId xmlns:a16="http://schemas.microsoft.com/office/drawing/2014/main" id="{F55E31DF-7A65-925F-3A83-F62DFCE2A228}"/>
-              </a:ext>
-            </a:extLst>
-          </p:cNvPr>
-          <p:cNvSpPr>
-            <a:spLocks noGrp="1"/>
-          </p:cNvSpPr>
-          <p:nvPr>
-            <p:ph type="ftr" sz="quarter" idx="12"/>
-          </p:nvPr>
-        </p:nvSpPr>
-        <p:spPr/>
-        <p:txBody>
-          <a:bodyPr/>
-          <a:lstStyle/>
-          <a:p>
-            <a:r>
-              <a:rPr lang="en-US" dirty="0"/>
-              <a:t>presentation title</a:t>
-            </a:r>
-          </a:p>
-        </p:txBody>
-      </p:sp>
-      <p:sp>
-        <p:nvSpPr>
-          <p:cNvPr id="4" name="Slide Number Placeholder 3">
-            <a:extLst>
-              <a:ext uri="{FF2B5EF4-FFF2-40B4-BE49-F238E27FC236}">
-                <a16:creationId xmlns:a16="http://schemas.microsoft.com/office/drawing/2014/main" id="{AB34DDCD-707A-A5D7-B2C6-B463856CE28B}"/>
-              </a:ext>
-            </a:extLst>
-          </p:cNvPr>
-          <p:cNvSpPr>
-            <a:spLocks noGrp="1"/>
-          </p:cNvSpPr>
-          <p:nvPr>
-            <p:ph type="sldNum" sz="quarter" idx="11"/>
-          </p:nvPr>
-        </p:nvSpPr>
-        <p:spPr/>
-        <p:txBody>
-          <a:bodyPr/>
-          <a:lstStyle/>
-          <a:p>
-            <a:fld id="{75DF2D63-3FF5-D547-96B9-BE9CCD1ABA58}" type="slidenum">
-              <a:rPr lang="en-US" smtClean="0"/>
-              <a:pPr/>
-              <a:t>5</a:t>
-            </a:fld>
-            <a:endParaRPr lang="en-US" dirty="0"/>
-          </a:p>
-        </p:txBody>
-      </p:sp>
-      <p:graphicFrame>
-        <p:nvGraphicFramePr>
-          <p:cNvPr id="6" name="Content Placeholder 5" descr="Bar chart">
-            <a:extLst>
-              <a:ext uri="{FF2B5EF4-FFF2-40B4-BE49-F238E27FC236}">
-                <a16:creationId xmlns:a16="http://schemas.microsoft.com/office/drawing/2014/main" id="{0C13AF58-0A57-17B6-8A17-FFB296CEA922}"/>
-              </a:ext>
-            </a:extLst>
-          </p:cNvPr>
-          <p:cNvGraphicFramePr>
-            <a:graphicFrameLocks noGrp="1"/>
-          </p:cNvGraphicFramePr>
-          <p:nvPr>
-            <p:ph idx="1"/>
-            <p:extLst>
-              <p:ext uri="{D42A27DB-BD31-4B8C-83A1-F6EECF244321}">
-                <p14:modId xmlns:p14="http://schemas.microsoft.com/office/powerpoint/2010/main" val="2791222039"/>
-              </p:ext>
-            </p:extLst>
-          </p:nvPr>
-        </p:nvGraphicFramePr>
-        <p:xfrm>
-          <a:off x="1295400" y="1855788"/>
-          <a:ext cx="9820275" cy="4352925"/>
-        </p:xfrm>
-        <a:graphic>
-          <a:graphicData uri="http://schemas.openxmlformats.org/drawingml/2006/chart">
-            <c:chart xmlns:c="http://schemas.openxmlformats.org/drawingml/2006/chart" xmlns:r="http://schemas.openxmlformats.org/officeDocument/2006/relationships" r:id="rId2"/>
-          </a:graphicData>
-        </a:graphic>
-      </p:graphicFrame>
-    </p:spTree>
-    <p:extLst>
-      <p:ext uri="{BB962C8B-B14F-4D97-AF65-F5344CB8AC3E}">
-        <p14:creationId xmlns:p14="http://schemas.microsoft.com/office/powerpoint/2010/main" val="1263875044"/>
-      </p:ext>
-    </p:extLst>
-  </p:cSld>
-  <p:clrMapOvr>
-    <a:masterClrMapping/>
-  </p:clrMapOvr>
-</p:sld>
-</file>
-
-<file path=ppt/slides/slide6.xml><?xml version="1.0" encoding="utf-8"?>
-<p:sld xmlns:a="http://schemas.openxmlformats.org/drawingml/2006/main" xmlns:r="http://schemas.openxmlformats.org/officeDocument/2006/relationships" xmlns:p="http://schemas.openxmlformats.org/presentationml/2006/main">
-  <p:cSld>
-    <p:spTree>
-      <p:nvGrpSpPr>
-        <p:cNvPr id="1" name=""/>
-        <p:cNvGrpSpPr/>
-        <p:nvPr/>
-      </p:nvGrpSpPr>
-      <p:grpSpPr>
-        <a:xfrm>
-          <a:off x="0" y="0"/>
-          <a:ext cx="0" cy="0"/>
-          <a:chOff x="0" y="0"/>
-          <a:chExt cx="0" cy="0"/>
-        </a:xfrm>
-      </p:grpSpPr>
-      <p:sp>
-        <p:nvSpPr>
-          <p:cNvPr id="2" name="Title 1">
-            <a:extLst>
-              <a:ext uri="{FF2B5EF4-FFF2-40B4-BE49-F238E27FC236}">
-                <a16:creationId xmlns:a16="http://schemas.microsoft.com/office/drawing/2014/main" id="{3359D63F-F67D-B1A6-9772-28B26C238474}"/>
-              </a:ext>
-            </a:extLst>
-          </p:cNvPr>
-          <p:cNvSpPr>
-            <a:spLocks noGrp="1"/>
-          </p:cNvSpPr>
-          <p:nvPr>
-            <p:ph type="title"/>
-          </p:nvPr>
-        </p:nvSpPr>
-        <p:spPr/>
-        <p:txBody>
-          <a:bodyPr/>
-          <a:lstStyle/>
-          <a:p>
-            <a:r>
-              <a:rPr lang="en-US" dirty="0"/>
-              <a:t>Areas of growth</a:t>
-            </a:r>
-          </a:p>
-        </p:txBody>
-      </p:sp>
-      <p:sp>
-        <p:nvSpPr>
-          <p:cNvPr id="5" name="Footer Placeholder 4">
-            <a:extLst>
-              <a:ext uri="{FF2B5EF4-FFF2-40B4-BE49-F238E27FC236}">
-                <a16:creationId xmlns:a16="http://schemas.microsoft.com/office/drawing/2014/main" id="{9DAADF85-A479-7797-B775-BEC735484239}"/>
-              </a:ext>
-            </a:extLst>
-          </p:cNvPr>
-          <p:cNvSpPr>
-            <a:spLocks noGrp="1"/>
-          </p:cNvSpPr>
-          <p:nvPr>
-            <p:ph type="ftr" sz="quarter" idx="12"/>
-          </p:nvPr>
-        </p:nvSpPr>
-        <p:spPr/>
-        <p:txBody>
-          <a:bodyPr/>
-          <a:lstStyle/>
-          <a:p>
-            <a:r>
-              <a:rPr lang="en-US" dirty="0"/>
-              <a:t>presentation title</a:t>
-            </a:r>
-          </a:p>
-        </p:txBody>
-      </p:sp>
-      <p:sp>
-        <p:nvSpPr>
-          <p:cNvPr id="4" name="Slide Number Placeholder 3">
-            <a:extLst>
-              <a:ext uri="{FF2B5EF4-FFF2-40B4-BE49-F238E27FC236}">
-                <a16:creationId xmlns:a16="http://schemas.microsoft.com/office/drawing/2014/main" id="{4D573E4D-D096-DA02-6E8D-C161D57C298E}"/>
-              </a:ext>
-            </a:extLst>
-          </p:cNvPr>
-          <p:cNvSpPr>
-            <a:spLocks noGrp="1"/>
-          </p:cNvSpPr>
-          <p:nvPr>
-            <p:ph type="sldNum" sz="quarter" idx="11"/>
-          </p:nvPr>
-        </p:nvSpPr>
-        <p:spPr/>
-        <p:txBody>
-          <a:bodyPr/>
-          <a:lstStyle/>
-          <a:p>
-            <a:fld id="{75DF2D63-3FF5-D547-96B9-BE9CCD1ABA58}" type="slidenum">
-              <a:rPr lang="en-US" smtClean="0"/>
-              <a:pPr/>
-              <a:t>6</a:t>
-            </a:fld>
-            <a:endParaRPr lang="en-US" dirty="0"/>
-          </a:p>
-        </p:txBody>
-      </p:sp>
-      <p:graphicFrame>
-        <p:nvGraphicFramePr>
-          <p:cNvPr id="6" name="Table 4">
-            <a:extLst>
-              <a:ext uri="{FF2B5EF4-FFF2-40B4-BE49-F238E27FC236}">
-                <a16:creationId xmlns:a16="http://schemas.microsoft.com/office/drawing/2014/main" id="{0A0DC889-C77D-3D3E-D081-3D572EC949AE}"/>
-              </a:ext>
-            </a:extLst>
-          </p:cNvPr>
-          <p:cNvGraphicFramePr>
-            <a:graphicFrameLocks noGrp="1"/>
-          </p:cNvGraphicFramePr>
-          <p:nvPr>
-            <p:ph idx="1"/>
-            <p:extLst>
-              <p:ext uri="{D42A27DB-BD31-4B8C-83A1-F6EECF244321}">
-                <p14:modId xmlns:p14="http://schemas.microsoft.com/office/powerpoint/2010/main" val="330002472"/>
-              </p:ext>
-            </p:extLst>
-          </p:nvPr>
-        </p:nvGraphicFramePr>
-        <p:xfrm>
-          <a:off x="1181260" y="1746250"/>
-          <a:ext cx="9829480" cy="4422775"/>
-        </p:xfrm>
-        <a:graphic>
-          <a:graphicData uri="http://schemas.openxmlformats.org/drawingml/2006/table">
-            <a:tbl>
-              <a:tblPr firstRow="1" bandRow="1">
-                <a:tableStyleId>{5C22544A-7EE6-4342-B048-85BDC9FD1C3A}</a:tableStyleId>
-              </a:tblPr>
-              <a:tblGrid>
-                <a:gridCol w="1965896">
-                  <a:extLst>
-                    <a:ext uri="{9D8B030D-6E8A-4147-A177-3AD203B41FA5}">
-                      <a16:colId xmlns:a16="http://schemas.microsoft.com/office/drawing/2014/main" val="1689330750"/>
-                    </a:ext>
-                  </a:extLst>
-                </a:gridCol>
-                <a:gridCol w="1965896">
-                  <a:extLst>
-                    <a:ext uri="{9D8B030D-6E8A-4147-A177-3AD203B41FA5}">
-                      <a16:colId xmlns:a16="http://schemas.microsoft.com/office/drawing/2014/main" val="2660631934"/>
-                    </a:ext>
-                  </a:extLst>
-                </a:gridCol>
-                <a:gridCol w="1965896">
-                  <a:extLst>
-                    <a:ext uri="{9D8B030D-6E8A-4147-A177-3AD203B41FA5}">
-                      <a16:colId xmlns:a16="http://schemas.microsoft.com/office/drawing/2014/main" val="3909717689"/>
-                    </a:ext>
-                  </a:extLst>
-                </a:gridCol>
-                <a:gridCol w="1965896">
-                  <a:extLst>
-                    <a:ext uri="{9D8B030D-6E8A-4147-A177-3AD203B41FA5}">
-                      <a16:colId xmlns:a16="http://schemas.microsoft.com/office/drawing/2014/main" val="1603189107"/>
-                    </a:ext>
-                  </a:extLst>
-                </a:gridCol>
-                <a:gridCol w="1965896">
-                  <a:extLst>
-                    <a:ext uri="{9D8B030D-6E8A-4147-A177-3AD203B41FA5}">
-                      <a16:colId xmlns:a16="http://schemas.microsoft.com/office/drawing/2014/main" val="2755691855"/>
-                    </a:ext>
-                  </a:extLst>
-                </a:gridCol>
-              </a:tblGrid>
-              <a:tr h="884555">
-                <a:tc>
-                  <a:txBody>
-                    <a:bodyPr/>
-                    <a:lstStyle/>
-                    <a:p>
-                      <a:pPr algn="ctr"/>
-                      <a:r>
-                        <a:rPr lang="en-US" sz="1400" b="0" i="0" cap="all" spc="200" baseline="0" dirty="0">
-                          <a:solidFill>
-                            <a:schemeClr val="tx1"/>
-                          </a:solidFill>
-                          <a:latin typeface="Posterama" panose="020B0504020200020000" pitchFamily="34" charset="0"/>
-                        </a:rPr>
-                        <a:t>2022</a:t>
-                      </a:r>
-                    </a:p>
-                  </a:txBody>
-                  <a:tcPr anchor="ctr">
-                    <a:solidFill>
-                      <a:schemeClr val="accent4"/>
-                    </a:solidFill>
-                  </a:tcPr>
-                </a:tc>
-                <a:tc>
-                  <a:txBody>
-                    <a:bodyPr/>
-                    <a:lstStyle/>
-                    <a:p>
-                      <a:pPr algn="ctr"/>
-                      <a:r>
-                        <a:rPr lang="en-US" sz="1400" b="0" i="0" cap="all" spc="200" baseline="0" dirty="0">
-                          <a:solidFill>
-                            <a:schemeClr val="tx1"/>
-                          </a:solidFill>
-                          <a:latin typeface="Posterama" panose="020B0504020200020000" pitchFamily="34" charset="0"/>
-                          <a:cs typeface="Posterama" panose="020B0504020200020000" pitchFamily="34" charset="0"/>
-                        </a:rPr>
-                        <a:t>B2B</a:t>
-                      </a:r>
-                    </a:p>
-                  </a:txBody>
-                  <a:tcPr anchor="ctr">
-                    <a:solidFill>
-                      <a:schemeClr val="accent4"/>
-                    </a:solidFill>
-                  </a:tcPr>
-                </a:tc>
-                <a:tc>
-                  <a:txBody>
-                    <a:bodyPr/>
-                    <a:lstStyle/>
-                    <a:p>
-                      <a:pPr algn="ctr"/>
-                      <a:r>
-                        <a:rPr lang="en-US" sz="1400" b="0" i="0" cap="all" spc="200" baseline="0" dirty="0">
-                          <a:solidFill>
-                            <a:schemeClr val="tx1"/>
-                          </a:solidFill>
-                          <a:latin typeface="Posterama" panose="020B0504020200020000" pitchFamily="34" charset="0"/>
-                          <a:cs typeface="Posterama" panose="020B0504020200020000" pitchFamily="34" charset="0"/>
-                        </a:rPr>
-                        <a:t>Supply chain</a:t>
-                      </a:r>
-                    </a:p>
-                  </a:txBody>
-                  <a:tcPr anchor="ctr">
-                    <a:solidFill>
-                      <a:schemeClr val="accent4"/>
-                    </a:solidFill>
-                  </a:tcPr>
-                </a:tc>
-                <a:tc>
-                  <a:txBody>
-                    <a:bodyPr/>
-                    <a:lstStyle/>
-                    <a:p>
-                      <a:pPr algn="ctr"/>
-                      <a:r>
-                        <a:rPr lang="en-US" sz="1400" b="0" i="0" cap="all" spc="200" baseline="0" dirty="0">
-                          <a:solidFill>
-                            <a:schemeClr val="tx1"/>
-                          </a:solidFill>
-                          <a:latin typeface="Posterama" panose="020B0504020200020000" pitchFamily="34" charset="0"/>
-                          <a:cs typeface="Posterama" panose="020B0504020200020000" pitchFamily="34" charset="0"/>
-                        </a:rPr>
-                        <a:t>ROI</a:t>
-                      </a:r>
-                    </a:p>
-                  </a:txBody>
-                  <a:tcPr anchor="ctr">
-                    <a:solidFill>
-                      <a:schemeClr val="accent4"/>
-                    </a:solidFill>
-                  </a:tcPr>
-                </a:tc>
-                <a:tc>
-                  <a:txBody>
-                    <a:bodyPr/>
-                    <a:lstStyle/>
-                    <a:p>
-                      <a:pPr algn="ctr"/>
-                      <a:r>
-                        <a:rPr lang="en-US" sz="1400" b="0" i="0" cap="all" spc="200" baseline="0" dirty="0">
-                          <a:solidFill>
-                            <a:schemeClr val="tx1"/>
-                          </a:solidFill>
-                          <a:latin typeface="Posterama" panose="020B0504020200020000" pitchFamily="34" charset="0"/>
-                          <a:cs typeface="Posterama" panose="020B0504020200020000" pitchFamily="34" charset="0"/>
-                        </a:rPr>
-                        <a:t>E-commerce</a:t>
-                      </a:r>
-                    </a:p>
-                  </a:txBody>
-                  <a:tcPr anchor="ctr">
-                    <a:solidFill>
-                      <a:schemeClr val="accent4"/>
-                    </a:solidFill>
-                  </a:tcPr>
-                </a:tc>
-                <a:extLst>
-                  <a:ext uri="{0D108BD9-81ED-4DB2-BD59-A6C34878D82A}">
-                    <a16:rowId xmlns:a16="http://schemas.microsoft.com/office/drawing/2014/main" val="479928716"/>
-                  </a:ext>
-                </a:extLst>
-              </a:tr>
-              <a:tr h="884555">
-                <a:tc>
-                  <a:txBody>
-                    <a:bodyPr/>
-                    <a:lstStyle/>
-                    <a:p>
-                      <a:pPr algn="ctr"/>
-                      <a:r>
-                        <a:rPr lang="en-US" sz="1400" b="0" i="0" baseline="0" dirty="0">
-                          <a:solidFill>
-                            <a:schemeClr val="tx2">
-                              <a:lumMod val="75000"/>
-                            </a:schemeClr>
-                          </a:solidFill>
-                          <a:latin typeface="Daytona Pro Condensed Light" panose="020B0306030503040204" pitchFamily="34" charset="0"/>
-                        </a:rPr>
-                        <a:t>Q1</a:t>
-                      </a:r>
-                    </a:p>
-                  </a:txBody>
-                  <a:tcPr anchor="ctr">
-                    <a:solidFill>
-                      <a:schemeClr val="accent2">
-                        <a:alpha val="10000"/>
-                      </a:schemeClr>
-                    </a:solidFill>
-                  </a:tcPr>
-                </a:tc>
-                <a:tc>
-                  <a:txBody>
-                    <a:bodyPr/>
-                    <a:lstStyle/>
-                    <a:p>
-                      <a:pPr algn="ctr"/>
-                      <a:r>
-                        <a:rPr lang="en-US" sz="1400" b="0" i="0" baseline="0" dirty="0">
-                          <a:solidFill>
-                            <a:schemeClr val="tx2">
-                              <a:lumMod val="75000"/>
-                            </a:schemeClr>
-                          </a:solidFill>
-                          <a:latin typeface="Daytona Pro Condensed Light" panose="020B0306030503040204" pitchFamily="34" charset="0"/>
-                        </a:rPr>
-                        <a:t>4.5</a:t>
-                      </a:r>
-                    </a:p>
-                  </a:txBody>
-                  <a:tcPr anchor="ctr">
-                    <a:solidFill>
-                      <a:schemeClr val="accent2">
-                        <a:alpha val="10000"/>
-                      </a:schemeClr>
-                    </a:solidFill>
-                  </a:tcPr>
-                </a:tc>
-                <a:tc>
-                  <a:txBody>
-                    <a:bodyPr/>
-                    <a:lstStyle/>
-                    <a:p>
-                      <a:pPr algn="ctr"/>
-                      <a:r>
-                        <a:rPr lang="en-US" sz="1400" b="0" i="0" baseline="0" dirty="0">
-                          <a:solidFill>
-                            <a:schemeClr val="tx2">
-                              <a:lumMod val="75000"/>
-                            </a:schemeClr>
-                          </a:solidFill>
-                          <a:latin typeface="Daytona Pro Condensed Light" panose="020B0306030503040204" pitchFamily="34" charset="0"/>
-                        </a:rPr>
-                        <a:t>2.3</a:t>
-                      </a:r>
-                    </a:p>
-                  </a:txBody>
-                  <a:tcPr anchor="ctr">
-                    <a:solidFill>
-                      <a:schemeClr val="accent2">
-                        <a:alpha val="10000"/>
-                      </a:schemeClr>
-                    </a:solidFill>
-                  </a:tcPr>
-                </a:tc>
-                <a:tc>
-                  <a:txBody>
-                    <a:bodyPr/>
-                    <a:lstStyle/>
-                    <a:p>
-                      <a:pPr algn="ctr"/>
-                      <a:r>
-                        <a:rPr lang="en-US" sz="1400" b="0" i="0" baseline="0" dirty="0">
-                          <a:solidFill>
-                            <a:schemeClr val="tx2">
-                              <a:lumMod val="75000"/>
-                            </a:schemeClr>
-                          </a:solidFill>
-                          <a:latin typeface="Daytona Pro Condensed Light" panose="020B0306030503040204" pitchFamily="34" charset="0"/>
-                        </a:rPr>
-                        <a:t>1.7</a:t>
-                      </a:r>
-                    </a:p>
-                  </a:txBody>
-                  <a:tcPr anchor="ctr">
-                    <a:solidFill>
-                      <a:schemeClr val="accent2">
-                        <a:alpha val="10000"/>
-                      </a:schemeClr>
-                    </a:solidFill>
-                  </a:tcPr>
-                </a:tc>
-                <a:tc>
-                  <a:txBody>
-                    <a:bodyPr/>
-                    <a:lstStyle/>
-                    <a:p>
-                      <a:pPr algn="ctr"/>
-                      <a:r>
-                        <a:rPr lang="en-US" sz="1400" b="0" i="0" baseline="0" dirty="0">
-                          <a:solidFill>
-                            <a:schemeClr val="tx2">
-                              <a:lumMod val="75000"/>
-                            </a:schemeClr>
-                          </a:solidFill>
-                          <a:latin typeface="Daytona Pro Condensed Light" panose="020B0306030503040204" pitchFamily="34" charset="0"/>
-                        </a:rPr>
-                        <a:t>5.0</a:t>
-                      </a:r>
-                    </a:p>
-                  </a:txBody>
-                  <a:tcPr anchor="ctr">
-                    <a:solidFill>
-                      <a:schemeClr val="accent2">
-                        <a:alpha val="10000"/>
-                      </a:schemeClr>
-                    </a:solidFill>
-                  </a:tcPr>
-                </a:tc>
-                <a:extLst>
-                  <a:ext uri="{0D108BD9-81ED-4DB2-BD59-A6C34878D82A}">
-                    <a16:rowId xmlns:a16="http://schemas.microsoft.com/office/drawing/2014/main" val="1760208656"/>
-                  </a:ext>
-                </a:extLst>
-              </a:tr>
-              <a:tr h="884555">
-                <a:tc>
-                  <a:txBody>
-                    <a:bodyPr/>
-                    <a:lstStyle/>
-                    <a:p>
-                      <a:pPr algn="ctr"/>
-                      <a:r>
-                        <a:rPr lang="en-US" sz="1400" b="0" i="0" baseline="0" dirty="0">
-                          <a:solidFill>
-                            <a:schemeClr val="tx2">
-                              <a:lumMod val="75000"/>
-                            </a:schemeClr>
-                          </a:solidFill>
-                          <a:latin typeface="Daytona Pro Condensed Light" panose="020B0306030503040204" pitchFamily="34" charset="0"/>
-                        </a:rPr>
-                        <a:t>Q2</a:t>
-                      </a:r>
-                    </a:p>
-                  </a:txBody>
-                  <a:tcPr anchor="ctr">
-                    <a:solidFill>
-                      <a:schemeClr val="accent1">
-                        <a:alpha val="15000"/>
-                      </a:schemeClr>
-                    </a:solidFill>
-                  </a:tcPr>
-                </a:tc>
-                <a:tc>
-                  <a:txBody>
-                    <a:bodyPr/>
-                    <a:lstStyle/>
-                    <a:p>
-                      <a:pPr algn="ctr"/>
-                      <a:r>
-                        <a:rPr lang="en-US" sz="1400" b="0" i="0" baseline="0" dirty="0">
-                          <a:solidFill>
-                            <a:schemeClr val="tx2">
-                              <a:lumMod val="75000"/>
-                            </a:schemeClr>
-                          </a:solidFill>
-                          <a:latin typeface="Daytona Pro Condensed Light" panose="020B0306030503040204" pitchFamily="34" charset="0"/>
-                        </a:rPr>
-                        <a:t>3.2</a:t>
-                      </a:r>
-                    </a:p>
-                  </a:txBody>
-                  <a:tcPr anchor="ctr">
-                    <a:solidFill>
-                      <a:schemeClr val="accent1">
-                        <a:alpha val="15000"/>
-                      </a:schemeClr>
-                    </a:solidFill>
-                  </a:tcPr>
-                </a:tc>
-                <a:tc>
-                  <a:txBody>
-                    <a:bodyPr/>
-                    <a:lstStyle/>
-                    <a:p>
-                      <a:pPr algn="ctr"/>
-                      <a:r>
-                        <a:rPr lang="en-US" sz="1400" b="0" i="0" baseline="0" dirty="0">
-                          <a:solidFill>
-                            <a:schemeClr val="tx2">
-                              <a:lumMod val="75000"/>
-                            </a:schemeClr>
-                          </a:solidFill>
-                          <a:latin typeface="Daytona Pro Condensed Light" panose="020B0306030503040204" pitchFamily="34" charset="0"/>
-                        </a:rPr>
-                        <a:t>5.1</a:t>
-                      </a:r>
-                    </a:p>
-                  </a:txBody>
-                  <a:tcPr anchor="ctr">
-                    <a:solidFill>
-                      <a:schemeClr val="accent1">
-                        <a:alpha val="15000"/>
-                      </a:schemeClr>
-                    </a:solidFill>
-                  </a:tcPr>
-                </a:tc>
-                <a:tc>
-                  <a:txBody>
-                    <a:bodyPr/>
-                    <a:lstStyle/>
-                    <a:p>
-                      <a:pPr algn="ctr"/>
-                      <a:r>
-                        <a:rPr lang="en-US" sz="1400" b="0" i="0" baseline="0" dirty="0">
-                          <a:solidFill>
-                            <a:schemeClr val="tx2">
-                              <a:lumMod val="75000"/>
-                            </a:schemeClr>
-                          </a:solidFill>
-                          <a:latin typeface="Daytona Pro Condensed Light" panose="020B0306030503040204" pitchFamily="34" charset="0"/>
-                        </a:rPr>
-                        <a:t>4.4</a:t>
-                      </a:r>
-                    </a:p>
-                  </a:txBody>
-                  <a:tcPr anchor="ctr">
-                    <a:solidFill>
-                      <a:schemeClr val="accent1">
-                        <a:alpha val="15000"/>
-                      </a:schemeClr>
-                    </a:solidFill>
-                  </a:tcPr>
-                </a:tc>
-                <a:tc>
-                  <a:txBody>
-                    <a:bodyPr/>
-                    <a:lstStyle/>
-                    <a:p>
-                      <a:pPr algn="ctr"/>
-                      <a:r>
-                        <a:rPr lang="en-US" sz="1400" b="0" i="0" baseline="0" dirty="0">
-                          <a:solidFill>
-                            <a:schemeClr val="tx2">
-                              <a:lumMod val="75000"/>
-                            </a:schemeClr>
-                          </a:solidFill>
-                          <a:latin typeface="Daytona Pro Condensed Light" panose="020B0306030503040204" pitchFamily="34" charset="0"/>
-                        </a:rPr>
-                        <a:t>3.0</a:t>
-                      </a:r>
-                    </a:p>
-                  </a:txBody>
-                  <a:tcPr anchor="ctr">
-                    <a:solidFill>
-                      <a:schemeClr val="accent1">
-                        <a:alpha val="15000"/>
-                      </a:schemeClr>
-                    </a:solidFill>
-                  </a:tcPr>
-                </a:tc>
-                <a:extLst>
-                  <a:ext uri="{0D108BD9-81ED-4DB2-BD59-A6C34878D82A}">
-                    <a16:rowId xmlns:a16="http://schemas.microsoft.com/office/drawing/2014/main" val="3634243071"/>
-                  </a:ext>
-                </a:extLst>
-              </a:tr>
-              <a:tr h="884555">
-                <a:tc>
-                  <a:txBody>
-                    <a:bodyPr/>
-                    <a:lstStyle/>
-                    <a:p>
-                      <a:pPr algn="ctr"/>
-                      <a:r>
-                        <a:rPr lang="en-US" sz="1400" b="0" i="0" baseline="0" dirty="0">
-                          <a:solidFill>
-                            <a:schemeClr val="tx2">
-                              <a:lumMod val="75000"/>
-                            </a:schemeClr>
-                          </a:solidFill>
-                          <a:latin typeface="Daytona Pro Condensed Light" panose="020B0306030503040204" pitchFamily="34" charset="0"/>
-                        </a:rPr>
-                        <a:t>Q3</a:t>
-                      </a:r>
-                    </a:p>
-                  </a:txBody>
-                  <a:tcPr anchor="ctr">
-                    <a:solidFill>
-                      <a:schemeClr val="accent2">
-                        <a:alpha val="10000"/>
-                      </a:schemeClr>
-                    </a:solidFill>
-                  </a:tcPr>
-                </a:tc>
-                <a:tc>
-                  <a:txBody>
-                    <a:bodyPr/>
-                    <a:lstStyle/>
-                    <a:p>
-                      <a:pPr algn="ctr"/>
-                      <a:r>
-                        <a:rPr lang="en-US" sz="1400" b="0" i="0" baseline="0" dirty="0">
-                          <a:solidFill>
-                            <a:schemeClr val="tx2">
-                              <a:lumMod val="75000"/>
-                            </a:schemeClr>
-                          </a:solidFill>
-                          <a:latin typeface="Daytona Pro Condensed Light" panose="020B0306030503040204" pitchFamily="34" charset="0"/>
-                        </a:rPr>
-                        <a:t>2.1</a:t>
-                      </a:r>
-                    </a:p>
-                  </a:txBody>
-                  <a:tcPr anchor="ctr">
-                    <a:solidFill>
-                      <a:schemeClr val="accent2">
-                        <a:alpha val="10000"/>
-                      </a:schemeClr>
-                    </a:solidFill>
-                  </a:tcPr>
-                </a:tc>
-                <a:tc>
-                  <a:txBody>
-                    <a:bodyPr/>
-                    <a:lstStyle/>
-                    <a:p>
-                      <a:pPr algn="ctr"/>
-                      <a:r>
-                        <a:rPr lang="en-US" sz="1400" b="0" i="0" baseline="0" dirty="0">
-                          <a:solidFill>
-                            <a:schemeClr val="tx2">
-                              <a:lumMod val="75000"/>
-                            </a:schemeClr>
-                          </a:solidFill>
-                          <a:latin typeface="Daytona Pro Condensed Light" panose="020B0306030503040204" pitchFamily="34" charset="0"/>
-                        </a:rPr>
-                        <a:t>1.7</a:t>
-                      </a:r>
-                    </a:p>
-                  </a:txBody>
-                  <a:tcPr anchor="ctr">
-                    <a:solidFill>
-                      <a:schemeClr val="accent2">
-                        <a:alpha val="10000"/>
-                      </a:schemeClr>
-                    </a:solidFill>
-                  </a:tcPr>
-                </a:tc>
-                <a:tc>
-                  <a:txBody>
-                    <a:bodyPr/>
-                    <a:lstStyle/>
-                    <a:p>
-                      <a:pPr algn="ctr"/>
-                      <a:r>
-                        <a:rPr lang="en-US" sz="1400" b="0" i="0" baseline="0" dirty="0">
-                          <a:solidFill>
-                            <a:schemeClr val="tx2">
-                              <a:lumMod val="75000"/>
-                            </a:schemeClr>
-                          </a:solidFill>
-                          <a:latin typeface="Daytona Pro Condensed Light" panose="020B0306030503040204" pitchFamily="34" charset="0"/>
-                        </a:rPr>
-                        <a:t>2.5</a:t>
-                      </a:r>
-                    </a:p>
-                  </a:txBody>
-                  <a:tcPr marL="0" marR="0" marT="0" marB="0" anchor="ctr">
-                    <a:solidFill>
-                      <a:schemeClr val="accent2">
-                        <a:alpha val="10000"/>
-                      </a:schemeClr>
-                    </a:solidFill>
-                  </a:tcPr>
-                </a:tc>
-                <a:tc>
-                  <a:txBody>
-                    <a:bodyPr/>
-                    <a:lstStyle/>
-                    <a:p>
-                      <a:pPr algn="ctr"/>
-                      <a:r>
-                        <a:rPr lang="en-US" sz="1400" b="0" i="0" baseline="0" dirty="0">
-                          <a:solidFill>
-                            <a:schemeClr val="tx2">
-                              <a:lumMod val="75000"/>
-                            </a:schemeClr>
-                          </a:solidFill>
-                          <a:latin typeface="Daytona Pro Condensed Light" panose="020B0306030503040204" pitchFamily="34" charset="0"/>
-                        </a:rPr>
-                        <a:t>2.8</a:t>
-                      </a:r>
-                    </a:p>
-                  </a:txBody>
-                  <a:tcPr anchor="ctr">
-                    <a:solidFill>
-                      <a:schemeClr val="accent2">
-                        <a:alpha val="10000"/>
-                      </a:schemeClr>
-                    </a:solidFill>
-                  </a:tcPr>
-                </a:tc>
-                <a:extLst>
-                  <a:ext uri="{0D108BD9-81ED-4DB2-BD59-A6C34878D82A}">
-                    <a16:rowId xmlns:a16="http://schemas.microsoft.com/office/drawing/2014/main" val="415808797"/>
-                  </a:ext>
-                </a:extLst>
-              </a:tr>
-              <a:tr h="884555">
-                <a:tc>
-                  <a:txBody>
-                    <a:bodyPr/>
-                    <a:lstStyle/>
-                    <a:p>
-                      <a:pPr algn="ctr"/>
-                      <a:r>
-                        <a:rPr lang="en-US" sz="1400" b="0" i="0" baseline="0" dirty="0">
-                          <a:solidFill>
-                            <a:schemeClr val="tx2">
-                              <a:lumMod val="75000"/>
-                            </a:schemeClr>
-                          </a:solidFill>
-                          <a:latin typeface="Daytona Pro Condensed Light" panose="020B0306030503040204" pitchFamily="34" charset="0"/>
-                        </a:rPr>
-                        <a:t>Q4</a:t>
-                      </a:r>
-                    </a:p>
-                  </a:txBody>
-                  <a:tcPr anchor="ctr">
-                    <a:solidFill>
-                      <a:schemeClr val="accent1">
-                        <a:alpha val="15000"/>
-                      </a:schemeClr>
-                    </a:solidFill>
-                  </a:tcPr>
-                </a:tc>
-                <a:tc>
-                  <a:txBody>
-                    <a:bodyPr/>
-                    <a:lstStyle/>
-                    <a:p>
-                      <a:pPr algn="ctr"/>
-                      <a:r>
-                        <a:rPr lang="en-US" sz="1400" b="0" i="0" baseline="0" dirty="0">
-                          <a:solidFill>
-                            <a:schemeClr val="tx2">
-                              <a:lumMod val="75000"/>
-                            </a:schemeClr>
-                          </a:solidFill>
-                          <a:latin typeface="Daytona Pro Condensed Light" panose="020B0306030503040204" pitchFamily="34" charset="0"/>
-                        </a:rPr>
-                        <a:t>4.5</a:t>
-                      </a:r>
-                    </a:p>
-                  </a:txBody>
-                  <a:tcPr anchor="ctr">
-                    <a:solidFill>
-                      <a:schemeClr val="accent1">
-                        <a:alpha val="15000"/>
-                      </a:schemeClr>
-                    </a:solidFill>
-                  </a:tcPr>
-                </a:tc>
-                <a:tc>
-                  <a:txBody>
-                    <a:bodyPr/>
-                    <a:lstStyle/>
-                    <a:p>
-                      <a:pPr algn="ctr"/>
-                      <a:r>
-                        <a:rPr lang="en-US" sz="1400" b="0" i="0" baseline="0" dirty="0">
-                          <a:solidFill>
-                            <a:schemeClr val="tx2">
-                              <a:lumMod val="75000"/>
-                            </a:schemeClr>
-                          </a:solidFill>
-                          <a:latin typeface="Daytona Pro Condensed Light" panose="020B0306030503040204" pitchFamily="34" charset="0"/>
-                        </a:rPr>
-                        <a:t>2.2</a:t>
-                      </a:r>
-                    </a:p>
-                  </a:txBody>
-                  <a:tcPr anchor="ctr">
-                    <a:solidFill>
-                      <a:schemeClr val="accent1">
-                        <a:alpha val="15000"/>
-                      </a:schemeClr>
-                    </a:solidFill>
-                  </a:tcPr>
-                </a:tc>
-                <a:tc>
-                  <a:txBody>
-                    <a:bodyPr/>
-                    <a:lstStyle/>
-                    <a:p>
-                      <a:pPr algn="ctr"/>
-                      <a:r>
-                        <a:rPr lang="en-US" sz="1400" b="0" i="0" baseline="0" dirty="0">
-                          <a:solidFill>
-                            <a:schemeClr val="tx2">
-                              <a:lumMod val="75000"/>
-                            </a:schemeClr>
-                          </a:solidFill>
-                          <a:latin typeface="Daytona Pro Condensed Light" panose="020B0306030503040204" pitchFamily="34" charset="0"/>
-                        </a:rPr>
-                        <a:t>1.7</a:t>
-                      </a:r>
-                    </a:p>
-                  </a:txBody>
-                  <a:tcPr anchor="ctr">
-                    <a:solidFill>
-                      <a:schemeClr val="accent1">
-                        <a:alpha val="15000"/>
-                      </a:schemeClr>
-                    </a:solidFill>
-                  </a:tcPr>
-                </a:tc>
-                <a:tc>
-                  <a:txBody>
-                    <a:bodyPr/>
-                    <a:lstStyle/>
-                    <a:p>
-                      <a:pPr algn="ctr"/>
-                      <a:r>
-                        <a:rPr lang="en-US" sz="1400" b="0" i="0" baseline="0" dirty="0">
-                          <a:solidFill>
-                            <a:schemeClr val="tx2">
-                              <a:lumMod val="75000"/>
-                            </a:schemeClr>
-                          </a:solidFill>
-                          <a:latin typeface="Daytona Pro Condensed Light" panose="020B0306030503040204" pitchFamily="34" charset="0"/>
-                        </a:rPr>
-                        <a:t>7.0</a:t>
-                      </a:r>
-                    </a:p>
-                  </a:txBody>
-                  <a:tcPr anchor="ctr">
-                    <a:solidFill>
-                      <a:schemeClr val="accent1">
-                        <a:alpha val="15000"/>
-                      </a:schemeClr>
-                    </a:solidFill>
-                  </a:tcPr>
-                </a:tc>
-                <a:extLst>
-                  <a:ext uri="{0D108BD9-81ED-4DB2-BD59-A6C34878D82A}">
-                    <a16:rowId xmlns:a16="http://schemas.microsoft.com/office/drawing/2014/main" val="380950325"/>
-                  </a:ext>
-                </a:extLst>
-              </a:tr>
-            </a:tbl>
-          </a:graphicData>
-        </a:graphic>
-      </p:graphicFrame>
-    </p:spTree>
-    <p:extLst>
-      <p:ext uri="{BB962C8B-B14F-4D97-AF65-F5344CB8AC3E}">
-        <p14:creationId xmlns:p14="http://schemas.microsoft.com/office/powerpoint/2010/main" val="1239358510"/>
+        <p14:creationId xmlns:p14="http://schemas.microsoft.com/office/powerpoint/2010/main" val="394375464"/>
       </p:ext>
     </p:extLst>
   </p:cSld>
@@ -15755,10 +15391,10 @@
       </p:grpSpPr>
       <p:pic>
         <p:nvPicPr>
-          <p:cNvPr id="13" name="Picture Placeholder 12" descr="Test tubes with one test tube in orange with drops">
-            <a:extLst>
-              <a:ext uri="{FF2B5EF4-FFF2-40B4-BE49-F238E27FC236}">
-                <a16:creationId xmlns:a16="http://schemas.microsoft.com/office/drawing/2014/main" id="{B085A606-2989-65E2-7F4F-7E3355B7763A}"/>
+          <p:cNvPr id="17" name="Picture Placeholder 16" descr="White DNA structure">
+            <a:extLst>
+              <a:ext uri="{FF2B5EF4-FFF2-40B4-BE49-F238E27FC236}">
+                <a16:creationId xmlns:a16="http://schemas.microsoft.com/office/drawing/2014/main" id="{6D8705D1-EA1F-3113-ABE0-EC474D1F18DA}"/>
               </a:ext>
             </a:extLst>
           </p:cNvPr>
@@ -15766,18 +15402,12 @@
             <a:picLocks noGrp="1" noChangeAspect="1"/>
           </p:cNvPicPr>
           <p:nvPr>
-            <p:ph type="pic" sz="quarter" idx="10"/>
+            <p:ph type="pic" sz="quarter" idx="12"/>
           </p:nvPr>
         </p:nvPicPr>
         <p:blipFill rotWithShape="1">
           <a:blip r:embed="rId2">
-            <a:duotone>
-              <a:schemeClr val="accent1">
-                <a:shade val="45000"/>
-                <a:satMod val="135000"/>
-              </a:schemeClr>
-              <a:prstClr val="white"/>
-            </a:duotone>
+            <a:alphaModFix amt="50000"/>
             <a:extLst>
               <a:ext uri="{28A0092B-C50C-407E-A947-70E740481C1C}">
                 <a14:useLocalDpi xmlns:a14="http://schemas.microsoft.com/office/drawing/2010/main" val="0"/>
@@ -15791,10 +15421,10 @@
       </p:pic>
       <p:sp>
         <p:nvSpPr>
-          <p:cNvPr id="2" name="Title 1">
-            <a:extLst>
-              <a:ext uri="{FF2B5EF4-FFF2-40B4-BE49-F238E27FC236}">
-                <a16:creationId xmlns:a16="http://schemas.microsoft.com/office/drawing/2014/main" id="{CD3927EA-A6AD-97BC-1ADB-6D8D1A4FCEBA}"/>
+          <p:cNvPr id="19" name="Title 18">
+            <a:extLst>
+              <a:ext uri="{FF2B5EF4-FFF2-40B4-BE49-F238E27FC236}">
+                <a16:creationId xmlns:a16="http://schemas.microsoft.com/office/drawing/2014/main" id="{1130D679-D78E-1F15-EC3D-4BED6D69B35F}"/>
               </a:ext>
             </a:extLst>
           </p:cNvPr>
@@ -15812,1403 +15442,43 @@
           <a:p>
             <a:r>
               <a:rPr lang="en-US" dirty="0"/>
-              <a:t>“Business opportunities are like buses.</a:t>
-            </a:r>
-            <a:br>
-              <a:rPr lang="en-US" dirty="0"/>
-            </a:br>
-            <a:r>
-              <a:rPr lang="en-US" dirty="0"/>
-              <a:t>There’s always another one coming.”</a:t>
-            </a:r>
-          </a:p>
-        </p:txBody>
-      </p:sp>
-      <p:sp>
-        <p:nvSpPr>
-          <p:cNvPr id="10" name="Subtitle 9">
-            <a:extLst>
-              <a:ext uri="{FF2B5EF4-FFF2-40B4-BE49-F238E27FC236}">
-                <a16:creationId xmlns:a16="http://schemas.microsoft.com/office/drawing/2014/main" id="{67D9C04C-425B-8D00-23BB-5E9C397029D3}"/>
-              </a:ext>
-            </a:extLst>
-          </p:cNvPr>
-          <p:cNvSpPr>
-            <a:spLocks noGrp="1"/>
-          </p:cNvSpPr>
-          <p:nvPr>
-            <p:ph type="subTitle" idx="1"/>
-          </p:nvPr>
-        </p:nvSpPr>
-        <p:spPr/>
-        <p:txBody>
-          <a:bodyPr/>
-          <a:lstStyle/>
-          <a:p>
-            <a:r>
-              <a:rPr lang="en-US" dirty="0"/>
-              <a:t>Richard Branson</a:t>
-            </a:r>
-          </a:p>
-          <a:p>
-            <a:endParaRPr lang="en-US" dirty="0"/>
-          </a:p>
-        </p:txBody>
-      </p:sp>
-      <p:sp>
-        <p:nvSpPr>
-          <p:cNvPr id="4" name="Footer Placeholder 3">
-            <a:extLst>
-              <a:ext uri="{FF2B5EF4-FFF2-40B4-BE49-F238E27FC236}">
-                <a16:creationId xmlns:a16="http://schemas.microsoft.com/office/drawing/2014/main" id="{6D8B5CE3-4B9A-F4CE-7CFA-737572BD3527}"/>
-              </a:ext>
-            </a:extLst>
-          </p:cNvPr>
-          <p:cNvSpPr>
-            <a:spLocks noGrp="1"/>
-          </p:cNvSpPr>
-          <p:nvPr>
-            <p:ph type="ftr" sz="quarter" idx="12"/>
-          </p:nvPr>
-        </p:nvSpPr>
-        <p:spPr/>
-        <p:txBody>
-          <a:bodyPr/>
-          <a:lstStyle/>
-          <a:p>
-            <a:r>
-              <a:rPr lang="en-US" dirty="0"/>
-              <a:t>presentation title</a:t>
-            </a:r>
-          </a:p>
-        </p:txBody>
-      </p:sp>
-      <p:sp>
-        <p:nvSpPr>
-          <p:cNvPr id="3" name="Slide Number Placeholder 2">
-            <a:extLst>
-              <a:ext uri="{FF2B5EF4-FFF2-40B4-BE49-F238E27FC236}">
-                <a16:creationId xmlns:a16="http://schemas.microsoft.com/office/drawing/2014/main" id="{3153FD9C-E800-BC25-A5D0-315AB602F483}"/>
-              </a:ext>
-            </a:extLst>
-          </p:cNvPr>
-          <p:cNvSpPr>
-            <a:spLocks noGrp="1"/>
-          </p:cNvSpPr>
-          <p:nvPr>
-            <p:ph type="sldNum" sz="quarter" idx="11"/>
-          </p:nvPr>
-        </p:nvSpPr>
-        <p:spPr/>
-        <p:txBody>
-          <a:bodyPr/>
-          <a:lstStyle/>
-          <a:p>
-            <a:fld id="{75DF2D63-3FF5-D547-96B9-BE9CCD1ABA58}" type="slidenum">
-              <a:rPr lang="en-US" smtClean="0"/>
-              <a:pPr/>
-              <a:t>7</a:t>
-            </a:fld>
-            <a:endParaRPr lang="en-US" dirty="0"/>
-          </a:p>
-        </p:txBody>
-      </p:sp>
+              <a:t>Thank you </a:t>
+            </a:r>
+          </a:p>
+        </p:txBody>
+      </p:sp>
+      <p:pic>
+        <p:nvPicPr>
+          <p:cNvPr id="22" name="Picture Placeholder 25">
+            <a:extLst>
+              <a:ext uri="{FF2B5EF4-FFF2-40B4-BE49-F238E27FC236}">
+                <a16:creationId xmlns:a16="http://schemas.microsoft.com/office/drawing/2014/main" id="{862BA3D8-52E1-692C-F244-F7882DAD2287}"/>
+              </a:ext>
+            </a:extLst>
+          </p:cNvPr>
+          <p:cNvPicPr>
+            <a:picLocks noGrp="1" noChangeAspect="1"/>
+          </p:cNvPicPr>
+          <p:nvPr>
+            <p:ph type="pic" sz="quarter" idx="13"/>
+          </p:nvPr>
+        </p:nvPicPr>
+        <p:blipFill>
+          <a:blip r:embed="rId3"/>
+          <a:srcRect/>
+          <a:stretch/>
+        </p:blipFill>
+        <p:spPr>
+          <a:xfrm>
+            <a:off x="4757691" y="774111"/>
+            <a:ext cx="2442099" cy="2310970"/>
+          </a:xfrm>
+        </p:spPr>
+      </p:pic>
     </p:spTree>
     <p:extLst>
       <p:ext uri="{BB962C8B-B14F-4D97-AF65-F5344CB8AC3E}">
-        <p14:creationId xmlns:p14="http://schemas.microsoft.com/office/powerpoint/2010/main" val="2590855744"/>
-      </p:ext>
-    </p:extLst>
-  </p:cSld>
-  <p:clrMapOvr>
-    <a:masterClrMapping/>
-  </p:clrMapOvr>
-</p:sld>
-</file>
-
-<file path=ppt/slides/slide8.xml><?xml version="1.0" encoding="utf-8"?>
-<p:sld xmlns:a="http://schemas.openxmlformats.org/drawingml/2006/main" xmlns:r="http://schemas.openxmlformats.org/officeDocument/2006/relationships" xmlns:p="http://schemas.openxmlformats.org/presentationml/2006/main">
-  <p:cSld>
-    <p:spTree>
-      <p:nvGrpSpPr>
-        <p:cNvPr id="1" name=""/>
-        <p:cNvGrpSpPr/>
-        <p:nvPr/>
-      </p:nvGrpSpPr>
-      <p:grpSpPr>
-        <a:xfrm>
-          <a:off x="0" y="0"/>
-          <a:ext cx="0" cy="0"/>
-          <a:chOff x="0" y="0"/>
-          <a:chExt cx="0" cy="0"/>
-        </a:xfrm>
-      </p:grpSpPr>
-      <p:sp>
-        <p:nvSpPr>
-          <p:cNvPr id="3" name="Title 2">
-            <a:extLst>
-              <a:ext uri="{FF2B5EF4-FFF2-40B4-BE49-F238E27FC236}">
-                <a16:creationId xmlns:a16="http://schemas.microsoft.com/office/drawing/2014/main" id="{58A45141-45F1-0A77-FE4E-CBCA53A2BEB0}"/>
-              </a:ext>
-            </a:extLst>
-          </p:cNvPr>
-          <p:cNvSpPr>
-            <a:spLocks noGrp="1"/>
-          </p:cNvSpPr>
-          <p:nvPr>
-            <p:ph type="title"/>
-          </p:nvPr>
-        </p:nvSpPr>
-        <p:spPr/>
-        <p:txBody>
-          <a:bodyPr/>
-          <a:lstStyle/>
-          <a:p>
-            <a:r>
-              <a:rPr lang="en-US" sz="4800" dirty="0"/>
-              <a:t>Plan for </a:t>
-            </a:r>
-            <a:br>
-              <a:rPr lang="en-US" sz="4800" dirty="0"/>
-            </a:br>
-            <a:r>
-              <a:rPr lang="en-US" sz="4800" dirty="0"/>
-              <a:t>product launch</a:t>
-            </a:r>
-            <a:endParaRPr lang="en-US" dirty="0"/>
-          </a:p>
-        </p:txBody>
-      </p:sp>
-      <p:sp>
-        <p:nvSpPr>
-          <p:cNvPr id="5" name="Footer Placeholder 4">
-            <a:extLst>
-              <a:ext uri="{FF2B5EF4-FFF2-40B4-BE49-F238E27FC236}">
-                <a16:creationId xmlns:a16="http://schemas.microsoft.com/office/drawing/2014/main" id="{F0D8A8D9-0655-E1FF-7DED-F2EC492D6EE1}"/>
-              </a:ext>
-            </a:extLst>
-          </p:cNvPr>
-          <p:cNvSpPr>
-            <a:spLocks noGrp="1"/>
-          </p:cNvSpPr>
-          <p:nvPr>
-            <p:ph type="ftr" sz="quarter" idx="11"/>
-          </p:nvPr>
-        </p:nvSpPr>
-        <p:spPr/>
-        <p:txBody>
-          <a:bodyPr/>
-          <a:lstStyle/>
-          <a:p>
-            <a:r>
-              <a:rPr lang="en-US" dirty="0"/>
-              <a:t>presentation title</a:t>
-            </a:r>
-          </a:p>
-        </p:txBody>
-      </p:sp>
-      <p:sp>
-        <p:nvSpPr>
-          <p:cNvPr id="6" name="Text Placeholder 5">
-            <a:extLst>
-              <a:ext uri="{FF2B5EF4-FFF2-40B4-BE49-F238E27FC236}">
-                <a16:creationId xmlns:a16="http://schemas.microsoft.com/office/drawing/2014/main" id="{8A56D8AC-E390-DBD3-E5E6-5C36EE1E422A}"/>
-              </a:ext>
-            </a:extLst>
-          </p:cNvPr>
-          <p:cNvSpPr>
-            <a:spLocks noGrp="1"/>
-          </p:cNvSpPr>
-          <p:nvPr>
-            <p:ph type="body" sz="quarter" idx="16"/>
-          </p:nvPr>
-        </p:nvSpPr>
-        <p:spPr/>
-        <p:txBody>
-          <a:bodyPr/>
-          <a:lstStyle/>
-          <a:p>
-            <a:r>
-              <a:rPr lang="en-US" dirty="0"/>
-              <a:t>planning</a:t>
-            </a:r>
-          </a:p>
-        </p:txBody>
-      </p:sp>
-      <p:sp>
-        <p:nvSpPr>
-          <p:cNvPr id="7" name="Text Placeholder 6">
-            <a:extLst>
-              <a:ext uri="{FF2B5EF4-FFF2-40B4-BE49-F238E27FC236}">
-                <a16:creationId xmlns:a16="http://schemas.microsoft.com/office/drawing/2014/main" id="{E09179A7-F937-7895-8FC1-19E3BCFE6A3B}"/>
-              </a:ext>
-            </a:extLst>
-          </p:cNvPr>
-          <p:cNvSpPr>
-            <a:spLocks noGrp="1"/>
-          </p:cNvSpPr>
-          <p:nvPr>
-            <p:ph type="body" sz="quarter" idx="17"/>
-          </p:nvPr>
-        </p:nvSpPr>
-        <p:spPr/>
-        <p:txBody>
-          <a:bodyPr/>
-          <a:lstStyle/>
-          <a:p>
-            <a:pPr>
-              <a:spcBef>
-                <a:spcPts val="0"/>
-              </a:spcBef>
-              <a:spcAft>
-                <a:spcPts val="0"/>
-              </a:spcAft>
-            </a:pPr>
-            <a:r>
-              <a:rPr lang="en-US" dirty="0"/>
-              <a:t>Synergize scalable </a:t>
-            </a:r>
-          </a:p>
-          <a:p>
-            <a:pPr>
-              <a:spcBef>
-                <a:spcPts val="0"/>
-              </a:spcBef>
-              <a:spcAft>
-                <a:spcPts val="0"/>
-              </a:spcAft>
-            </a:pPr>
-            <a:r>
-              <a:rPr lang="en-US" dirty="0"/>
-              <a:t>e-commerce</a:t>
-            </a:r>
-          </a:p>
-          <a:p>
-            <a:endParaRPr lang="en-US" dirty="0"/>
-          </a:p>
-        </p:txBody>
-      </p:sp>
-      <p:sp>
-        <p:nvSpPr>
-          <p:cNvPr id="8" name="Text Placeholder 7">
-            <a:extLst>
-              <a:ext uri="{FF2B5EF4-FFF2-40B4-BE49-F238E27FC236}">
-                <a16:creationId xmlns:a16="http://schemas.microsoft.com/office/drawing/2014/main" id="{55462C4A-E218-EEFA-1C3B-FC78BE890049}"/>
-              </a:ext>
-            </a:extLst>
-          </p:cNvPr>
-          <p:cNvSpPr>
-            <a:spLocks noGrp="1"/>
-          </p:cNvSpPr>
-          <p:nvPr>
-            <p:ph type="body" sz="quarter" idx="18"/>
-          </p:nvPr>
-        </p:nvSpPr>
-        <p:spPr/>
-        <p:txBody>
-          <a:bodyPr/>
-          <a:lstStyle/>
-          <a:p>
-            <a:r>
-              <a:rPr lang="en-US" dirty="0"/>
-              <a:t>marketing</a:t>
-            </a:r>
-          </a:p>
-        </p:txBody>
-      </p:sp>
-      <p:sp>
-        <p:nvSpPr>
-          <p:cNvPr id="9" name="Text Placeholder 8">
-            <a:extLst>
-              <a:ext uri="{FF2B5EF4-FFF2-40B4-BE49-F238E27FC236}">
-                <a16:creationId xmlns:a16="http://schemas.microsoft.com/office/drawing/2014/main" id="{54E48D88-9438-AF74-9E7B-54985E0231C6}"/>
-              </a:ext>
-            </a:extLst>
-          </p:cNvPr>
-          <p:cNvSpPr>
-            <a:spLocks noGrp="1"/>
-          </p:cNvSpPr>
-          <p:nvPr>
-            <p:ph type="body" sz="quarter" idx="19"/>
-          </p:nvPr>
-        </p:nvSpPr>
-        <p:spPr/>
-        <p:txBody>
-          <a:bodyPr/>
-          <a:lstStyle/>
-          <a:p>
-            <a:r>
-              <a:rPr lang="en-US" dirty="0"/>
-              <a:t>Disseminate standardized metrics</a:t>
-            </a:r>
-          </a:p>
-          <a:p>
-            <a:endParaRPr lang="en-US" dirty="0"/>
-          </a:p>
-        </p:txBody>
-      </p:sp>
-      <p:sp>
-        <p:nvSpPr>
-          <p:cNvPr id="10" name="Text Placeholder 9">
-            <a:extLst>
-              <a:ext uri="{FF2B5EF4-FFF2-40B4-BE49-F238E27FC236}">
-                <a16:creationId xmlns:a16="http://schemas.microsoft.com/office/drawing/2014/main" id="{04554076-E5E4-8026-26DB-B67E2F12CFD7}"/>
-              </a:ext>
-            </a:extLst>
-          </p:cNvPr>
-          <p:cNvSpPr>
-            <a:spLocks noGrp="1"/>
-          </p:cNvSpPr>
-          <p:nvPr>
-            <p:ph type="body" sz="quarter" idx="20"/>
-          </p:nvPr>
-        </p:nvSpPr>
-        <p:spPr/>
-        <p:txBody>
-          <a:bodyPr/>
-          <a:lstStyle/>
-          <a:p>
-            <a:r>
-              <a:rPr lang="en-US" dirty="0"/>
-              <a:t>design</a:t>
-            </a:r>
-          </a:p>
-        </p:txBody>
-      </p:sp>
-      <p:sp>
-        <p:nvSpPr>
-          <p:cNvPr id="11" name="Text Placeholder 10">
-            <a:extLst>
-              <a:ext uri="{FF2B5EF4-FFF2-40B4-BE49-F238E27FC236}">
-                <a16:creationId xmlns:a16="http://schemas.microsoft.com/office/drawing/2014/main" id="{EAE8038A-B730-4711-D7B5-851B7FAAD8A7}"/>
-              </a:ext>
-            </a:extLst>
-          </p:cNvPr>
-          <p:cNvSpPr>
-            <a:spLocks noGrp="1"/>
-          </p:cNvSpPr>
-          <p:nvPr>
-            <p:ph type="body" sz="quarter" idx="21"/>
-          </p:nvPr>
-        </p:nvSpPr>
-        <p:spPr/>
-        <p:txBody>
-          <a:bodyPr/>
-          <a:lstStyle/>
-          <a:p>
-            <a:pPr>
-              <a:spcBef>
-                <a:spcPts val="0"/>
-              </a:spcBef>
-              <a:spcAft>
-                <a:spcPts val="0"/>
-              </a:spcAft>
-            </a:pPr>
-            <a:r>
-              <a:rPr lang="en-US" dirty="0"/>
-              <a:t>Coordinate</a:t>
-            </a:r>
-          </a:p>
-          <a:p>
-            <a:pPr>
-              <a:spcBef>
-                <a:spcPts val="0"/>
-              </a:spcBef>
-              <a:spcAft>
-                <a:spcPts val="0"/>
-              </a:spcAft>
-            </a:pPr>
-            <a:r>
-              <a:rPr lang="en-US" dirty="0"/>
-              <a:t>e-business applications</a:t>
-            </a:r>
-          </a:p>
-          <a:p>
-            <a:endParaRPr lang="en-US" dirty="0"/>
-          </a:p>
-        </p:txBody>
-      </p:sp>
-      <p:sp>
-        <p:nvSpPr>
-          <p:cNvPr id="12" name="Text Placeholder 11">
-            <a:extLst>
-              <a:ext uri="{FF2B5EF4-FFF2-40B4-BE49-F238E27FC236}">
-                <a16:creationId xmlns:a16="http://schemas.microsoft.com/office/drawing/2014/main" id="{357CF821-3BB7-EAAC-D7BB-89DCEE250798}"/>
-              </a:ext>
-            </a:extLst>
-          </p:cNvPr>
-          <p:cNvSpPr>
-            <a:spLocks noGrp="1"/>
-          </p:cNvSpPr>
-          <p:nvPr>
-            <p:ph type="body" sz="quarter" idx="22"/>
-          </p:nvPr>
-        </p:nvSpPr>
-        <p:spPr/>
-        <p:txBody>
-          <a:bodyPr/>
-          <a:lstStyle/>
-          <a:p>
-            <a:r>
-              <a:rPr lang="en-US" dirty="0"/>
-              <a:t>strategy</a:t>
-            </a:r>
-          </a:p>
-        </p:txBody>
-      </p:sp>
-      <p:sp>
-        <p:nvSpPr>
-          <p:cNvPr id="13" name="Text Placeholder 12">
-            <a:extLst>
-              <a:ext uri="{FF2B5EF4-FFF2-40B4-BE49-F238E27FC236}">
-                <a16:creationId xmlns:a16="http://schemas.microsoft.com/office/drawing/2014/main" id="{808185AA-496A-A5EB-3328-97A615D131B5}"/>
-              </a:ext>
-            </a:extLst>
-          </p:cNvPr>
-          <p:cNvSpPr>
-            <a:spLocks noGrp="1"/>
-          </p:cNvSpPr>
-          <p:nvPr>
-            <p:ph type="body" sz="quarter" idx="23"/>
-          </p:nvPr>
-        </p:nvSpPr>
-        <p:spPr/>
-        <p:txBody>
-          <a:bodyPr/>
-          <a:lstStyle/>
-          <a:p>
-            <a:r>
-              <a:rPr lang="en-US" dirty="0"/>
-              <a:t>Foster holistically superior methodologies</a:t>
-            </a:r>
-          </a:p>
-          <a:p>
-            <a:endParaRPr lang="en-US" dirty="0"/>
-          </a:p>
-        </p:txBody>
-      </p:sp>
-      <p:sp>
-        <p:nvSpPr>
-          <p:cNvPr id="14" name="Text Placeholder 13">
-            <a:extLst>
-              <a:ext uri="{FF2B5EF4-FFF2-40B4-BE49-F238E27FC236}">
-                <a16:creationId xmlns:a16="http://schemas.microsoft.com/office/drawing/2014/main" id="{37831CC4-0B09-14AA-184F-D3ECC41DECED}"/>
-              </a:ext>
-            </a:extLst>
-          </p:cNvPr>
-          <p:cNvSpPr>
-            <a:spLocks noGrp="1"/>
-          </p:cNvSpPr>
-          <p:nvPr>
-            <p:ph type="body" sz="quarter" idx="28"/>
-          </p:nvPr>
-        </p:nvSpPr>
-        <p:spPr/>
-        <p:txBody>
-          <a:bodyPr/>
-          <a:lstStyle/>
-          <a:p>
-            <a:r>
-              <a:rPr lang="en-US" dirty="0"/>
-              <a:t>Launch</a:t>
-            </a:r>
-          </a:p>
-        </p:txBody>
-      </p:sp>
-      <p:sp>
-        <p:nvSpPr>
-          <p:cNvPr id="15" name="Text Placeholder 14">
-            <a:extLst>
-              <a:ext uri="{FF2B5EF4-FFF2-40B4-BE49-F238E27FC236}">
-                <a16:creationId xmlns:a16="http://schemas.microsoft.com/office/drawing/2014/main" id="{7511B12E-ED27-B573-2E5E-DBA687F9987D}"/>
-              </a:ext>
-            </a:extLst>
-          </p:cNvPr>
-          <p:cNvSpPr>
-            <a:spLocks noGrp="1"/>
-          </p:cNvSpPr>
-          <p:nvPr>
-            <p:ph type="body" sz="quarter" idx="29"/>
-          </p:nvPr>
-        </p:nvSpPr>
-        <p:spPr/>
-        <p:txBody>
-          <a:bodyPr/>
-          <a:lstStyle/>
-          <a:p>
-            <a:pPr>
-              <a:spcBef>
-                <a:spcPts val="0"/>
-              </a:spcBef>
-              <a:spcAft>
-                <a:spcPts val="0"/>
-              </a:spcAft>
-            </a:pPr>
-            <a:r>
-              <a:rPr lang="en-US" dirty="0"/>
-              <a:t>Deploy strategic networks with compelling </a:t>
-            </a:r>
-          </a:p>
-          <a:p>
-            <a:pPr>
-              <a:spcBef>
-                <a:spcPts val="0"/>
-              </a:spcBef>
-              <a:spcAft>
-                <a:spcPts val="0"/>
-              </a:spcAft>
-            </a:pPr>
-            <a:r>
-              <a:rPr lang="en-US" dirty="0"/>
-              <a:t>e-business needs</a:t>
-            </a:r>
-          </a:p>
-          <a:p>
-            <a:endParaRPr lang="en-US" dirty="0"/>
-          </a:p>
-        </p:txBody>
-      </p:sp>
-      <p:pic>
-        <p:nvPicPr>
-          <p:cNvPr id="16" name="Content Placeholder 25" descr="Microscopic view of a suspended bubble-like material with water in it">
-            <a:extLst>
-              <a:ext uri="{FF2B5EF4-FFF2-40B4-BE49-F238E27FC236}">
-                <a16:creationId xmlns:a16="http://schemas.microsoft.com/office/drawing/2014/main" id="{B083ED63-584D-2579-2721-B716F3BC8F6B}"/>
-              </a:ext>
-            </a:extLst>
-          </p:cNvPr>
-          <p:cNvPicPr>
-            <a:picLocks noGrp="1" noChangeAspect="1"/>
-          </p:cNvPicPr>
-          <p:nvPr>
-            <p:ph type="pic" sz="quarter" idx="30"/>
-          </p:nvPr>
-        </p:nvPicPr>
-        <p:blipFill>
-          <a:blip r:embed="rId2">
-            <a:alphaModFix amt="70000"/>
-            <a:duotone>
-              <a:schemeClr val="accent3">
-                <a:shade val="45000"/>
-                <a:satMod val="135000"/>
-              </a:schemeClr>
-              <a:prstClr val="white"/>
-            </a:duotone>
-            <a:extLst>
-              <a:ext uri="{28A0092B-C50C-407E-A947-70E740481C1C}">
-                <a14:useLocalDpi xmlns:a14="http://schemas.microsoft.com/office/drawing/2010/main" val="0"/>
-              </a:ext>
-            </a:extLst>
-          </a:blip>
-          <a:srcRect/>
-          <a:stretch/>
-        </p:blipFill>
-        <p:spPr>
-          <a:xfrm>
-            <a:off x="0" y="5175250"/>
-            <a:ext cx="12188825" cy="1682750"/>
-          </a:xfrm>
-          <a:custGeom>
-            <a:avLst/>
-            <a:gdLst>
-              <a:gd name="connsiteX0" fmla="*/ 0 w 12192000"/>
-              <a:gd name="connsiteY0" fmla="*/ 0 h 1588010"/>
-              <a:gd name="connsiteX1" fmla="*/ 12192000 w 12192000"/>
-              <a:gd name="connsiteY1" fmla="*/ 0 h 1588010"/>
-              <a:gd name="connsiteX2" fmla="*/ 12192000 w 12192000"/>
-              <a:gd name="connsiteY2" fmla="*/ 1588010 h 1588010"/>
-              <a:gd name="connsiteX3" fmla="*/ 0 w 12192000"/>
-              <a:gd name="connsiteY3" fmla="*/ 1588010 h 1588010"/>
-            </a:gdLst>
-            <a:ahLst/>
-            <a:cxnLst>
-              <a:cxn ang="0">
-                <a:pos x="connsiteX0" y="connsiteY0"/>
-              </a:cxn>
-              <a:cxn ang="0">
-                <a:pos x="connsiteX1" y="connsiteY1"/>
-              </a:cxn>
-              <a:cxn ang="0">
-                <a:pos x="connsiteX2" y="connsiteY2"/>
-              </a:cxn>
-              <a:cxn ang="0">
-                <a:pos x="connsiteX3" y="connsiteY3"/>
-              </a:cxn>
-            </a:cxnLst>
-            <a:rect l="l" t="t" r="r" b="b"/>
-            <a:pathLst>
-              <a:path w="12192000" h="1588010">
-                <a:moveTo>
-                  <a:pt x="0" y="0"/>
-                </a:moveTo>
-                <a:lnTo>
-                  <a:pt x="12192000" y="0"/>
-                </a:lnTo>
-                <a:lnTo>
-                  <a:pt x="12192000" y="1588010"/>
-                </a:lnTo>
-                <a:lnTo>
-                  <a:pt x="0" y="1588010"/>
-                </a:lnTo>
-                <a:close/>
-              </a:path>
-            </a:pathLst>
-          </a:custGeom>
-          <a:solidFill>
-            <a:schemeClr val="accent2"/>
-          </a:solidFill>
-        </p:spPr>
-      </p:pic>
-      <p:cxnSp>
-        <p:nvCxnSpPr>
-          <p:cNvPr id="17" name="Straight Connector 16">
-            <a:extLst>
-              <a:ext uri="{FF2B5EF4-FFF2-40B4-BE49-F238E27FC236}">
-                <a16:creationId xmlns:a16="http://schemas.microsoft.com/office/drawing/2014/main" id="{8488A0F8-E720-D31B-750D-634FA849B5A9}"/>
-              </a:ext>
-              <a:ext uri="{C183D7F6-B498-43B3-948B-1728B52AA6E4}">
-                <adec:decorative xmlns:adec="http://schemas.microsoft.com/office/drawing/2017/decorative" val="1"/>
-              </a:ext>
-            </a:extLst>
-          </p:cNvPr>
-          <p:cNvCxnSpPr>
-            <a:cxnSpLocks/>
-          </p:cNvCxnSpPr>
-          <p:nvPr/>
-        </p:nvCxnSpPr>
-        <p:spPr>
-          <a:xfrm>
-            <a:off x="649224" y="5172458"/>
-            <a:ext cx="0" cy="618742"/>
-          </a:xfrm>
-          <a:prstGeom prst="line">
-            <a:avLst/>
-          </a:prstGeom>
-          <a:ln w="12700">
-            <a:solidFill>
-              <a:schemeClr val="bg1"/>
-            </a:solidFill>
-          </a:ln>
-        </p:spPr>
-        <p:style>
-          <a:lnRef idx="1">
-            <a:schemeClr val="accent1"/>
-          </a:lnRef>
-          <a:fillRef idx="0">
-            <a:schemeClr val="accent1"/>
-          </a:fillRef>
-          <a:effectRef idx="0">
-            <a:schemeClr val="accent1"/>
-          </a:effectRef>
-          <a:fontRef idx="minor">
-            <a:schemeClr val="tx1"/>
-          </a:fontRef>
-        </p:style>
-      </p:cxnSp>
-      <p:sp>
-        <p:nvSpPr>
-          <p:cNvPr id="4" name="Slide Number Placeholder 3">
-            <a:extLst>
-              <a:ext uri="{FF2B5EF4-FFF2-40B4-BE49-F238E27FC236}">
-                <a16:creationId xmlns:a16="http://schemas.microsoft.com/office/drawing/2014/main" id="{B63EE887-A172-F01E-98D1-8781769CBEDE}"/>
-              </a:ext>
-            </a:extLst>
-          </p:cNvPr>
-          <p:cNvSpPr>
-            <a:spLocks noGrp="1"/>
-          </p:cNvSpPr>
-          <p:nvPr>
-            <p:ph type="sldNum" sz="quarter" idx="10"/>
-          </p:nvPr>
-        </p:nvSpPr>
-        <p:spPr/>
-        <p:txBody>
-          <a:bodyPr/>
-          <a:lstStyle/>
-          <a:p>
-            <a:fld id="{75DF2D63-3FF5-D547-96B9-BE9CCD1ABA58}" type="slidenum">
-              <a:rPr lang="en-US" smtClean="0"/>
-              <a:pPr/>
-              <a:t>8</a:t>
-            </a:fld>
-            <a:endParaRPr lang="en-US" dirty="0"/>
-          </a:p>
-        </p:txBody>
-      </p:sp>
-    </p:spTree>
-    <p:extLst>
-      <p:ext uri="{BB962C8B-B14F-4D97-AF65-F5344CB8AC3E}">
-        <p14:creationId xmlns:p14="http://schemas.microsoft.com/office/powerpoint/2010/main" val="2607450225"/>
-      </p:ext>
-    </p:extLst>
-  </p:cSld>
-  <p:clrMapOvr>
-    <a:masterClrMapping/>
-  </p:clrMapOvr>
-</p:sld>
-</file>
-
-<file path=ppt/slides/slide9.xml><?xml version="1.0" encoding="utf-8"?>
-<p:sld xmlns:a="http://schemas.openxmlformats.org/drawingml/2006/main" xmlns:r="http://schemas.openxmlformats.org/officeDocument/2006/relationships" xmlns:p="http://schemas.openxmlformats.org/presentationml/2006/main">
-  <p:cSld>
-    <p:spTree>
-      <p:nvGrpSpPr>
-        <p:cNvPr id="1" name=""/>
-        <p:cNvGrpSpPr/>
-        <p:nvPr/>
-      </p:nvGrpSpPr>
-      <p:grpSpPr>
-        <a:xfrm>
-          <a:off x="0" y="0"/>
-          <a:ext cx="0" cy="0"/>
-          <a:chOff x="0" y="0"/>
-          <a:chExt cx="0" cy="0"/>
-        </a:xfrm>
-      </p:grpSpPr>
-      <p:sp>
-        <p:nvSpPr>
-          <p:cNvPr id="3" name="Title 2">
-            <a:extLst>
-              <a:ext uri="{FF2B5EF4-FFF2-40B4-BE49-F238E27FC236}">
-                <a16:creationId xmlns:a16="http://schemas.microsoft.com/office/drawing/2014/main" id="{5E5327E6-13FB-2F71-A207-72E15A0136DB}"/>
-              </a:ext>
-            </a:extLst>
-          </p:cNvPr>
-          <p:cNvSpPr>
-            <a:spLocks noGrp="1"/>
-          </p:cNvSpPr>
-          <p:nvPr>
-            <p:ph type="title"/>
-          </p:nvPr>
-        </p:nvSpPr>
-        <p:spPr/>
-        <p:txBody>
-          <a:bodyPr/>
-          <a:lstStyle/>
-          <a:p>
-            <a:r>
-              <a:rPr lang="en-US" dirty="0"/>
-              <a:t>Timeline </a:t>
-            </a:r>
-          </a:p>
-        </p:txBody>
-      </p:sp>
-      <p:pic>
-        <p:nvPicPr>
-          <p:cNvPr id="21" name="Content Placeholder 25" descr="Test tubes with one test tube in orange with drops">
-            <a:extLst>
-              <a:ext uri="{FF2B5EF4-FFF2-40B4-BE49-F238E27FC236}">
-                <a16:creationId xmlns:a16="http://schemas.microsoft.com/office/drawing/2014/main" id="{FE365C49-5FBF-04F7-2612-59A6D6F84C37}"/>
-              </a:ext>
-            </a:extLst>
-          </p:cNvPr>
-          <p:cNvPicPr>
-            <a:picLocks noGrp="1" noChangeAspect="1"/>
-          </p:cNvPicPr>
-          <p:nvPr>
-            <p:ph type="pic" sz="quarter" idx="30"/>
-          </p:nvPr>
-        </p:nvPicPr>
-        <p:blipFill rotWithShape="1">
-          <a:blip r:embed="rId2">
-            <a:duotone>
-              <a:schemeClr val="accent1">
-                <a:shade val="45000"/>
-                <a:satMod val="135000"/>
-              </a:schemeClr>
-              <a:prstClr val="white"/>
-            </a:duotone>
-            <a:extLst>
-              <a:ext uri="{28A0092B-C50C-407E-A947-70E740481C1C}">
-                <a14:useLocalDpi xmlns:a14="http://schemas.microsoft.com/office/drawing/2010/main" val="0"/>
-              </a:ext>
-            </a:extLst>
-          </a:blip>
-          <a:srcRect/>
-          <a:stretch/>
-        </p:blipFill>
-        <p:spPr/>
-      </p:pic>
-      <p:sp>
-        <p:nvSpPr>
-          <p:cNvPr id="22" name="Rectangle 21">
-            <a:extLst>
-              <a:ext uri="{FF2B5EF4-FFF2-40B4-BE49-F238E27FC236}">
-                <a16:creationId xmlns:a16="http://schemas.microsoft.com/office/drawing/2014/main" id="{F6BA20C7-F48C-429D-2FA7-B7B83A800FA9}"/>
-              </a:ext>
-              <a:ext uri="{C183D7F6-B498-43B3-948B-1728B52AA6E4}">
-                <adec:decorative xmlns:adec="http://schemas.microsoft.com/office/drawing/2017/decorative" val="1"/>
-              </a:ext>
-            </a:extLst>
-          </p:cNvPr>
-          <p:cNvSpPr/>
-          <p:nvPr/>
-        </p:nvSpPr>
-        <p:spPr>
-          <a:xfrm>
-            <a:off x="-1" y="0"/>
-            <a:ext cx="2285995" cy="1685542"/>
-          </a:xfrm>
-          <a:prstGeom prst="rect">
-            <a:avLst/>
-          </a:prstGeom>
-          <a:gradFill flip="none" rotWithShape="1">
-            <a:gsLst>
-              <a:gs pos="0">
-                <a:schemeClr val="bg1">
-                  <a:alpha val="0"/>
-                </a:schemeClr>
-              </a:gs>
-              <a:gs pos="80000">
-                <a:schemeClr val="bg1"/>
-              </a:gs>
-            </a:gsLst>
-            <a:lin ang="10800000" scaled="1"/>
-            <a:tileRect/>
-          </a:gradFill>
-          <a:ln>
-            <a:noFill/>
-          </a:ln>
-        </p:spPr>
-        <p:style>
-          <a:lnRef idx="2">
-            <a:schemeClr val="accent1">
-              <a:shade val="50000"/>
-            </a:schemeClr>
-          </a:lnRef>
-          <a:fillRef idx="1">
-            <a:schemeClr val="accent1"/>
-          </a:fillRef>
-          <a:effectRef idx="0">
-            <a:schemeClr val="accent1"/>
-          </a:effectRef>
-          <a:fontRef idx="minor">
-            <a:schemeClr val="lt1"/>
-          </a:fontRef>
-        </p:style>
-        <p:txBody>
-          <a:bodyPr rtlCol="0" anchor="ctr"/>
-          <a:lstStyle/>
-          <a:p>
-            <a:pPr algn="ctr"/>
-            <a:endParaRPr lang="en-US" dirty="0"/>
-          </a:p>
-        </p:txBody>
-      </p:sp>
-      <p:sp>
-        <p:nvSpPr>
-          <p:cNvPr id="5" name="Footer Placeholder 4">
-            <a:extLst>
-              <a:ext uri="{FF2B5EF4-FFF2-40B4-BE49-F238E27FC236}">
-                <a16:creationId xmlns:a16="http://schemas.microsoft.com/office/drawing/2014/main" id="{90BE788E-706D-5D5C-B17F-51759A2CC61A}"/>
-              </a:ext>
-            </a:extLst>
-          </p:cNvPr>
-          <p:cNvSpPr>
-            <a:spLocks noGrp="1"/>
-          </p:cNvSpPr>
-          <p:nvPr>
-            <p:ph type="ftr" sz="quarter" idx="11"/>
-          </p:nvPr>
-        </p:nvSpPr>
-        <p:spPr/>
-        <p:txBody>
-          <a:bodyPr/>
-          <a:lstStyle/>
-          <a:p>
-            <a:r>
-              <a:rPr lang="en-US" dirty="0"/>
-              <a:t>presentation title</a:t>
-            </a:r>
-          </a:p>
-        </p:txBody>
-      </p:sp>
-      <p:sp>
-        <p:nvSpPr>
-          <p:cNvPr id="4" name="Slide Number Placeholder 3">
-            <a:extLst>
-              <a:ext uri="{FF2B5EF4-FFF2-40B4-BE49-F238E27FC236}">
-                <a16:creationId xmlns:a16="http://schemas.microsoft.com/office/drawing/2014/main" id="{A9519E8E-7F0D-C4E6-CC87-3F8B896EF0E1}"/>
-              </a:ext>
-            </a:extLst>
-          </p:cNvPr>
-          <p:cNvSpPr>
-            <a:spLocks noGrp="1"/>
-          </p:cNvSpPr>
-          <p:nvPr>
-            <p:ph type="sldNum" sz="quarter" idx="10"/>
-          </p:nvPr>
-        </p:nvSpPr>
-        <p:spPr/>
-        <p:txBody>
-          <a:bodyPr/>
-          <a:lstStyle/>
-          <a:p>
-            <a:fld id="{75DF2D63-3FF5-D547-96B9-BE9CCD1ABA58}" type="slidenum">
-              <a:rPr lang="en-US" smtClean="0"/>
-              <a:pPr/>
-              <a:t>9</a:t>
-            </a:fld>
-            <a:endParaRPr lang="en-US" dirty="0"/>
-          </a:p>
-        </p:txBody>
-      </p:sp>
-      <p:sp>
-        <p:nvSpPr>
-          <p:cNvPr id="82" name="Text Placeholder 81">
-            <a:extLst>
-              <a:ext uri="{FF2B5EF4-FFF2-40B4-BE49-F238E27FC236}">
-                <a16:creationId xmlns:a16="http://schemas.microsoft.com/office/drawing/2014/main" id="{2E1F38AB-E038-4CD1-618A-52B12F7A4BB5}"/>
-              </a:ext>
-            </a:extLst>
-          </p:cNvPr>
-          <p:cNvSpPr>
-            <a:spLocks noGrp="1"/>
-          </p:cNvSpPr>
-          <p:nvPr>
-            <p:ph type="body" sz="quarter" idx="32"/>
-          </p:nvPr>
-        </p:nvSpPr>
-        <p:spPr/>
-        <p:txBody>
-          <a:bodyPr/>
-          <a:lstStyle/>
-          <a:p>
-            <a:endParaRPr lang="en-US" dirty="0"/>
-          </a:p>
-        </p:txBody>
-      </p:sp>
-      <p:sp>
-        <p:nvSpPr>
-          <p:cNvPr id="6" name="Text Placeholder 5">
-            <a:extLst>
-              <a:ext uri="{FF2B5EF4-FFF2-40B4-BE49-F238E27FC236}">
-                <a16:creationId xmlns:a16="http://schemas.microsoft.com/office/drawing/2014/main" id="{D0A77C80-D935-F537-F818-8C03F02AF5D4}"/>
-              </a:ext>
-            </a:extLst>
-          </p:cNvPr>
-          <p:cNvSpPr>
-            <a:spLocks noGrp="1"/>
-          </p:cNvSpPr>
-          <p:nvPr>
-            <p:ph type="body" sz="quarter" idx="16"/>
-          </p:nvPr>
-        </p:nvSpPr>
-        <p:spPr/>
-        <p:txBody>
-          <a:bodyPr/>
-          <a:lstStyle/>
-          <a:p>
-            <a:r>
-              <a:rPr lang="en-US" dirty="0"/>
-              <a:t>Sep</a:t>
-            </a:r>
-          </a:p>
-        </p:txBody>
-      </p:sp>
-      <p:sp>
-        <p:nvSpPr>
-          <p:cNvPr id="11" name="Text Placeholder 10">
-            <a:extLst>
-              <a:ext uri="{FF2B5EF4-FFF2-40B4-BE49-F238E27FC236}">
-                <a16:creationId xmlns:a16="http://schemas.microsoft.com/office/drawing/2014/main" id="{9E703999-0627-E209-2471-30DBE4AD3C40}"/>
-              </a:ext>
-            </a:extLst>
-          </p:cNvPr>
-          <p:cNvSpPr>
-            <a:spLocks noGrp="1"/>
-          </p:cNvSpPr>
-          <p:nvPr>
-            <p:ph type="body" sz="quarter" idx="17"/>
-          </p:nvPr>
-        </p:nvSpPr>
-        <p:spPr/>
-        <p:txBody>
-          <a:bodyPr/>
-          <a:lstStyle/>
-          <a:p>
-            <a:pPr lvl="0"/>
-            <a:r>
-              <a:rPr lang="en-US" dirty="0"/>
-              <a:t>Synergize scalable </a:t>
-            </a:r>
-          </a:p>
-          <a:p>
-            <a:pPr lvl="0"/>
-            <a:r>
-              <a:rPr lang="en-US" dirty="0"/>
-              <a:t>e-commerce</a:t>
-            </a:r>
-          </a:p>
-          <a:p>
-            <a:endParaRPr lang="en-US" dirty="0"/>
-          </a:p>
-        </p:txBody>
-      </p:sp>
-      <p:sp>
-        <p:nvSpPr>
-          <p:cNvPr id="81" name="Text Placeholder 80">
-            <a:extLst>
-              <a:ext uri="{FF2B5EF4-FFF2-40B4-BE49-F238E27FC236}">
-                <a16:creationId xmlns:a16="http://schemas.microsoft.com/office/drawing/2014/main" id="{F670FB6E-8396-CF15-B901-347F21C06620}"/>
-              </a:ext>
-            </a:extLst>
-          </p:cNvPr>
-          <p:cNvSpPr>
-            <a:spLocks noGrp="1"/>
-          </p:cNvSpPr>
-          <p:nvPr>
-            <p:ph type="body" sz="quarter" idx="31"/>
-          </p:nvPr>
-        </p:nvSpPr>
-        <p:spPr/>
-        <p:txBody>
-          <a:bodyPr/>
-          <a:lstStyle/>
-          <a:p>
-            <a:endParaRPr lang="en-US" dirty="0"/>
-          </a:p>
-        </p:txBody>
-      </p:sp>
-      <p:sp>
-        <p:nvSpPr>
-          <p:cNvPr id="7" name="Text Placeholder 6">
-            <a:extLst>
-              <a:ext uri="{FF2B5EF4-FFF2-40B4-BE49-F238E27FC236}">
-                <a16:creationId xmlns:a16="http://schemas.microsoft.com/office/drawing/2014/main" id="{CB9A58C4-B167-911B-151E-289752AE22A4}"/>
-              </a:ext>
-            </a:extLst>
-          </p:cNvPr>
-          <p:cNvSpPr>
-            <a:spLocks noGrp="1"/>
-          </p:cNvSpPr>
-          <p:nvPr>
-            <p:ph type="body" sz="quarter" idx="18"/>
-          </p:nvPr>
-        </p:nvSpPr>
-        <p:spPr/>
-        <p:txBody>
-          <a:bodyPr/>
-          <a:lstStyle/>
-          <a:p>
-            <a:r>
-              <a:rPr lang="en-US" dirty="0"/>
-              <a:t>oct</a:t>
-            </a:r>
-          </a:p>
-        </p:txBody>
-      </p:sp>
-      <p:sp>
-        <p:nvSpPr>
-          <p:cNvPr id="12" name="Text Placeholder 11">
-            <a:extLst>
-              <a:ext uri="{FF2B5EF4-FFF2-40B4-BE49-F238E27FC236}">
-                <a16:creationId xmlns:a16="http://schemas.microsoft.com/office/drawing/2014/main" id="{C5EC4B8C-DA99-ED1F-A340-C03D85FEEB16}"/>
-              </a:ext>
-            </a:extLst>
-          </p:cNvPr>
-          <p:cNvSpPr>
-            <a:spLocks noGrp="1"/>
-          </p:cNvSpPr>
-          <p:nvPr>
-            <p:ph type="body" sz="quarter" idx="19"/>
-          </p:nvPr>
-        </p:nvSpPr>
-        <p:spPr/>
-        <p:txBody>
-          <a:bodyPr/>
-          <a:lstStyle/>
-          <a:p>
-            <a:pPr lvl="0"/>
-            <a:r>
-              <a:rPr lang="en-US" dirty="0"/>
-              <a:t>Disseminate standardized </a:t>
-            </a:r>
-          </a:p>
-          <a:p>
-            <a:pPr lvl="0"/>
-            <a:r>
-              <a:rPr lang="en-US" dirty="0"/>
-              <a:t>metrics</a:t>
-            </a:r>
-          </a:p>
-          <a:p>
-            <a:endParaRPr lang="en-US" dirty="0"/>
-          </a:p>
-        </p:txBody>
-      </p:sp>
-      <p:sp>
-        <p:nvSpPr>
-          <p:cNvPr id="83" name="Text Placeholder 82">
-            <a:extLst>
-              <a:ext uri="{FF2B5EF4-FFF2-40B4-BE49-F238E27FC236}">
-                <a16:creationId xmlns:a16="http://schemas.microsoft.com/office/drawing/2014/main" id="{D1FC7473-B976-1C94-F51C-63C1354C6881}"/>
-              </a:ext>
-            </a:extLst>
-          </p:cNvPr>
-          <p:cNvSpPr>
-            <a:spLocks noGrp="1"/>
-          </p:cNvSpPr>
-          <p:nvPr>
-            <p:ph type="body" sz="quarter" idx="33"/>
-          </p:nvPr>
-        </p:nvSpPr>
-        <p:spPr/>
-        <p:txBody>
-          <a:bodyPr/>
-          <a:lstStyle/>
-          <a:p>
-            <a:endParaRPr lang="en-US" dirty="0"/>
-          </a:p>
-        </p:txBody>
-      </p:sp>
-      <p:sp>
-        <p:nvSpPr>
-          <p:cNvPr id="8" name="Text Placeholder 7">
-            <a:extLst>
-              <a:ext uri="{FF2B5EF4-FFF2-40B4-BE49-F238E27FC236}">
-                <a16:creationId xmlns:a16="http://schemas.microsoft.com/office/drawing/2014/main" id="{CE2FC2AA-1AF5-2B4E-0A3F-ADBC8EED82AE}"/>
-              </a:ext>
-            </a:extLst>
-          </p:cNvPr>
-          <p:cNvSpPr>
-            <a:spLocks noGrp="1"/>
-          </p:cNvSpPr>
-          <p:nvPr>
-            <p:ph type="body" sz="quarter" idx="20"/>
-          </p:nvPr>
-        </p:nvSpPr>
-        <p:spPr/>
-        <p:txBody>
-          <a:bodyPr/>
-          <a:lstStyle/>
-          <a:p>
-            <a:r>
-              <a:rPr lang="en-US" dirty="0"/>
-              <a:t>nov</a:t>
-            </a:r>
-          </a:p>
-        </p:txBody>
-      </p:sp>
-      <p:sp>
-        <p:nvSpPr>
-          <p:cNvPr id="13" name="Text Placeholder 12">
-            <a:extLst>
-              <a:ext uri="{FF2B5EF4-FFF2-40B4-BE49-F238E27FC236}">
-                <a16:creationId xmlns:a16="http://schemas.microsoft.com/office/drawing/2014/main" id="{2F88EBF3-B74B-2BAE-FD85-77076F5567F5}"/>
-              </a:ext>
-            </a:extLst>
-          </p:cNvPr>
-          <p:cNvSpPr>
-            <a:spLocks noGrp="1"/>
-          </p:cNvSpPr>
-          <p:nvPr>
-            <p:ph type="body" sz="quarter" idx="21"/>
-          </p:nvPr>
-        </p:nvSpPr>
-        <p:spPr/>
-        <p:txBody>
-          <a:bodyPr/>
-          <a:lstStyle/>
-          <a:p>
-            <a:pPr lvl="0"/>
-            <a:r>
-              <a:rPr lang="en-US" dirty="0"/>
-              <a:t>Coordinate </a:t>
-            </a:r>
-          </a:p>
-          <a:p>
-            <a:pPr lvl="0"/>
-            <a:r>
-              <a:rPr lang="en-US" dirty="0"/>
-              <a:t>e-business applications</a:t>
-            </a:r>
-          </a:p>
-          <a:p>
-            <a:endParaRPr lang="en-US" dirty="0"/>
-          </a:p>
-        </p:txBody>
-      </p:sp>
-      <p:sp>
-        <p:nvSpPr>
-          <p:cNvPr id="84" name="Text Placeholder 83">
-            <a:extLst>
-              <a:ext uri="{FF2B5EF4-FFF2-40B4-BE49-F238E27FC236}">
-                <a16:creationId xmlns:a16="http://schemas.microsoft.com/office/drawing/2014/main" id="{3FE9BB50-1FAA-348B-F236-D51B9527BE3B}"/>
-              </a:ext>
-            </a:extLst>
-          </p:cNvPr>
-          <p:cNvSpPr>
-            <a:spLocks noGrp="1"/>
-          </p:cNvSpPr>
-          <p:nvPr>
-            <p:ph type="body" sz="quarter" idx="34"/>
-          </p:nvPr>
-        </p:nvSpPr>
-        <p:spPr/>
-        <p:txBody>
-          <a:bodyPr/>
-          <a:lstStyle/>
-          <a:p>
-            <a:endParaRPr lang="en-US" dirty="0"/>
-          </a:p>
-        </p:txBody>
-      </p:sp>
-      <p:sp>
-        <p:nvSpPr>
-          <p:cNvPr id="9" name="Text Placeholder 8">
-            <a:extLst>
-              <a:ext uri="{FF2B5EF4-FFF2-40B4-BE49-F238E27FC236}">
-                <a16:creationId xmlns:a16="http://schemas.microsoft.com/office/drawing/2014/main" id="{94E29500-4B8C-7CD9-C95A-3169C7062B63}"/>
-              </a:ext>
-            </a:extLst>
-          </p:cNvPr>
-          <p:cNvSpPr>
-            <a:spLocks noGrp="1"/>
-          </p:cNvSpPr>
-          <p:nvPr>
-            <p:ph type="body" sz="quarter" idx="22"/>
-          </p:nvPr>
-        </p:nvSpPr>
-        <p:spPr/>
-        <p:txBody>
-          <a:bodyPr/>
-          <a:lstStyle/>
-          <a:p>
-            <a:r>
-              <a:rPr lang="en-US" dirty="0"/>
-              <a:t>dec</a:t>
-            </a:r>
-          </a:p>
-        </p:txBody>
-      </p:sp>
-      <p:sp>
-        <p:nvSpPr>
-          <p:cNvPr id="14" name="Text Placeholder 13">
-            <a:extLst>
-              <a:ext uri="{FF2B5EF4-FFF2-40B4-BE49-F238E27FC236}">
-                <a16:creationId xmlns:a16="http://schemas.microsoft.com/office/drawing/2014/main" id="{24E8877F-2403-58C2-433E-442614700804}"/>
-              </a:ext>
-            </a:extLst>
-          </p:cNvPr>
-          <p:cNvSpPr>
-            <a:spLocks noGrp="1"/>
-          </p:cNvSpPr>
-          <p:nvPr>
-            <p:ph type="body" sz="quarter" idx="23"/>
-          </p:nvPr>
-        </p:nvSpPr>
-        <p:spPr/>
-        <p:txBody>
-          <a:bodyPr/>
-          <a:lstStyle/>
-          <a:p>
-            <a:r>
-              <a:rPr lang="en-US" dirty="0"/>
-              <a:t>Foster holistically superior methodologies</a:t>
-            </a:r>
-          </a:p>
-          <a:p>
-            <a:endParaRPr lang="en-US" dirty="0"/>
-          </a:p>
-        </p:txBody>
-      </p:sp>
-      <p:sp>
-        <p:nvSpPr>
-          <p:cNvPr id="85" name="Text Placeholder 84">
-            <a:extLst>
-              <a:ext uri="{FF2B5EF4-FFF2-40B4-BE49-F238E27FC236}">
-                <a16:creationId xmlns:a16="http://schemas.microsoft.com/office/drawing/2014/main" id="{158572BB-F863-F698-0C6D-57D4F3772E56}"/>
-              </a:ext>
-            </a:extLst>
-          </p:cNvPr>
-          <p:cNvSpPr>
-            <a:spLocks noGrp="1"/>
-          </p:cNvSpPr>
-          <p:nvPr>
-            <p:ph type="body" sz="quarter" idx="35"/>
-          </p:nvPr>
-        </p:nvSpPr>
-        <p:spPr/>
-        <p:txBody>
-          <a:bodyPr/>
-          <a:lstStyle/>
-          <a:p>
-            <a:endParaRPr lang="en-US" dirty="0"/>
-          </a:p>
-        </p:txBody>
-      </p:sp>
-      <p:sp>
-        <p:nvSpPr>
-          <p:cNvPr id="10" name="Text Placeholder 9">
-            <a:extLst>
-              <a:ext uri="{FF2B5EF4-FFF2-40B4-BE49-F238E27FC236}">
-                <a16:creationId xmlns:a16="http://schemas.microsoft.com/office/drawing/2014/main" id="{F9A6F37A-B065-126D-BAD3-C956D8BD8717}"/>
-              </a:ext>
-            </a:extLst>
-          </p:cNvPr>
-          <p:cNvSpPr>
-            <a:spLocks noGrp="1"/>
-          </p:cNvSpPr>
-          <p:nvPr>
-            <p:ph type="body" sz="quarter" idx="28"/>
-          </p:nvPr>
-        </p:nvSpPr>
-        <p:spPr/>
-        <p:txBody>
-          <a:bodyPr/>
-          <a:lstStyle/>
-          <a:p>
-            <a:r>
-              <a:rPr lang="en-US" dirty="0"/>
-              <a:t>jan</a:t>
-            </a:r>
-          </a:p>
-        </p:txBody>
-      </p:sp>
-      <p:sp>
-        <p:nvSpPr>
-          <p:cNvPr id="15" name="Text Placeholder 14">
-            <a:extLst>
-              <a:ext uri="{FF2B5EF4-FFF2-40B4-BE49-F238E27FC236}">
-                <a16:creationId xmlns:a16="http://schemas.microsoft.com/office/drawing/2014/main" id="{9AE2A7F3-EC70-CDB1-A10E-1EEDBFBDD571}"/>
-              </a:ext>
-            </a:extLst>
-          </p:cNvPr>
-          <p:cNvSpPr>
-            <a:spLocks noGrp="1"/>
-          </p:cNvSpPr>
-          <p:nvPr>
-            <p:ph type="body" sz="quarter" idx="29"/>
-          </p:nvPr>
-        </p:nvSpPr>
-        <p:spPr/>
-        <p:txBody>
-          <a:bodyPr/>
-          <a:lstStyle/>
-          <a:p>
-            <a:pPr lvl="0"/>
-            <a:r>
-              <a:rPr lang="en-US" dirty="0"/>
-              <a:t>Deploy strategic networks with compelling </a:t>
-            </a:r>
-          </a:p>
-          <a:p>
-            <a:pPr lvl="0"/>
-            <a:r>
-              <a:rPr lang="en-US" dirty="0"/>
-              <a:t>e-business needs</a:t>
-            </a:r>
-          </a:p>
-          <a:p>
-            <a:endParaRPr lang="en-US" dirty="0"/>
-          </a:p>
-        </p:txBody>
-      </p:sp>
-    </p:spTree>
-    <p:extLst>
-      <p:ext uri="{BB962C8B-B14F-4D97-AF65-F5344CB8AC3E}">
-        <p14:creationId xmlns:p14="http://schemas.microsoft.com/office/powerpoint/2010/main" val="758882227"/>
+        <p14:creationId xmlns:p14="http://schemas.microsoft.com/office/powerpoint/2010/main" val="3334127647"/>
       </p:ext>
     </p:extLst>
   </p:cSld>
@@ -18010,6 +16280,26 @@
 </file>
 
 <file path=customXml/item1.xml><?xml version="1.0" encoding="utf-8"?>
+<p:properties xmlns:p="http://schemas.microsoft.com/office/2006/metadata/properties" xmlns:xsi="http://www.w3.org/2001/XMLSchema-instance" xmlns:pc="http://schemas.microsoft.com/office/infopath/2007/PartnerControls">
+  <documentManagement>
+    <_ip_UnifiedCompliancePolicyUIAction xmlns="http://schemas.microsoft.com/sharepoint/v3" xsi:nil="true"/>
+    <Image xmlns="71af3243-3dd4-4a8d-8c0d-dd76da1f02a5">
+      <Url xsi:nil="true"/>
+      <Description xsi:nil="true"/>
+    </Image>
+    <Status xmlns="71af3243-3dd4-4a8d-8c0d-dd76da1f02a5">Not started</Status>
+    <Background xmlns="71af3243-3dd4-4a8d-8c0d-dd76da1f02a5">false</Background>
+    <_ip_UnifiedCompliancePolicyProperties xmlns="http://schemas.microsoft.com/sharepoint/v3" xsi:nil="true"/>
+    <ImageTagsTaxHTField xmlns="71af3243-3dd4-4a8d-8c0d-dd76da1f02a5">
+      <Terms xmlns="http://schemas.microsoft.com/office/infopath/2007/PartnerControls"/>
+    </ImageTagsTaxHTField>
+    <TaxCatchAll xmlns="230e9df3-be65-4c73-a93b-d1236ebd677e" xsi:nil="true"/>
+    <MediaServiceKeyPoints xmlns="71af3243-3dd4-4a8d-8c0d-dd76da1f02a5" xsi:nil="true"/>
+  </documentManagement>
+</p:properties>
+</file>
+
+<file path=customXml/item2.xml><?xml version="1.0" encoding="utf-8"?>
 <ct:contentTypeSchema xmlns:ct="http://schemas.microsoft.com/office/2006/metadata/contentType" xmlns:ma="http://schemas.microsoft.com/office/2006/metadata/properties/metaAttributes" ct:_="" ma:_="" ma:contentTypeName="Document" ma:contentTypeID="0x01010079F111ED35F8CC479449609E8A0923A6" ma:contentTypeVersion="25" ma:contentTypeDescription="Create a new document." ma:contentTypeScope="" ma:versionID="e02306daf00165b375dc6a58966960be">
   <xsd:schema xmlns:xsd="http://www.w3.org/2001/XMLSchema" xmlns:xs="http://www.w3.org/2001/XMLSchema" xmlns:p="http://schemas.microsoft.com/office/2006/metadata/properties" xmlns:ns1="http://schemas.microsoft.com/sharepoint/v3" xmlns:ns2="71af3243-3dd4-4a8d-8c0d-dd76da1f02a5" xmlns:ns3="16c05727-aa75-4e4a-9b5f-8a80a1165891" xmlns:ns4="230e9df3-be65-4c73-a93b-d1236ebd677e" targetNamespace="http://schemas.microsoft.com/office/2006/metadata/properties" ma:root="true" ma:fieldsID="df88fb76bf5f555224557953949c1ec9" ns1:_="" ns2:_="" ns3:_="" ns4:_="">
     <xsd:import namespace="http://schemas.microsoft.com/sharepoint/v3"/>
@@ -18303,26 +16593,6 @@
 </ct:contentTypeSchema>
 </file>
 
-<file path=customXml/item2.xml><?xml version="1.0" encoding="utf-8"?>
-<p:properties xmlns:p="http://schemas.microsoft.com/office/2006/metadata/properties" xmlns:xsi="http://www.w3.org/2001/XMLSchema-instance" xmlns:pc="http://schemas.microsoft.com/office/infopath/2007/PartnerControls">
-  <documentManagement>
-    <_ip_UnifiedCompliancePolicyUIAction xmlns="http://schemas.microsoft.com/sharepoint/v3" xsi:nil="true"/>
-    <Image xmlns="71af3243-3dd4-4a8d-8c0d-dd76da1f02a5">
-      <Url xsi:nil="true"/>
-      <Description xsi:nil="true"/>
-    </Image>
-    <Status xmlns="71af3243-3dd4-4a8d-8c0d-dd76da1f02a5">Not started</Status>
-    <Background xmlns="71af3243-3dd4-4a8d-8c0d-dd76da1f02a5">false</Background>
-    <_ip_UnifiedCompliancePolicyProperties xmlns="http://schemas.microsoft.com/sharepoint/v3" xsi:nil="true"/>
-    <ImageTagsTaxHTField xmlns="71af3243-3dd4-4a8d-8c0d-dd76da1f02a5">
-      <Terms xmlns="http://schemas.microsoft.com/office/infopath/2007/PartnerControls"/>
-    </ImageTagsTaxHTField>
-    <TaxCatchAll xmlns="230e9df3-be65-4c73-a93b-d1236ebd677e" xsi:nil="true"/>
-    <MediaServiceKeyPoints xmlns="71af3243-3dd4-4a8d-8c0d-dd76da1f02a5" xsi:nil="true"/>
-  </documentManagement>
-</p:properties>
-</file>
-
 <file path=customXml/item3.xml><?xml version="1.0" encoding="utf-8"?>
 <?mso-contentType ?>
 <FormTemplates xmlns="http://schemas.microsoft.com/sharepoint/v3/contenttype/forms">
@@ -18333,6 +16603,18 @@
 </file>
 
 <file path=customXml/itemProps1.xml><?xml version="1.0" encoding="utf-8"?>
+<ds:datastoreItem xmlns:ds="http://schemas.openxmlformats.org/officeDocument/2006/customXml" ds:itemID="{99746342-5E84-430E-9251-61001F208E7A}">
+  <ds:schemaRefs>
+    <ds:schemaRef ds:uri="http://schemas.microsoft.com/office/2006/metadata/properties"/>
+    <ds:schemaRef ds:uri="http://schemas.microsoft.com/office/infopath/2007/PartnerControls"/>
+    <ds:schemaRef ds:uri="http://schemas.microsoft.com/sharepoint/v3"/>
+    <ds:schemaRef ds:uri="71af3243-3dd4-4a8d-8c0d-dd76da1f02a5"/>
+    <ds:schemaRef ds:uri="230e9df3-be65-4c73-a93b-d1236ebd677e"/>
+  </ds:schemaRefs>
+</ds:datastoreItem>
+</file>
+
+<file path=customXml/itemProps2.xml><?xml version="1.0" encoding="utf-8"?>
 <ds:datastoreItem xmlns:ds="http://schemas.openxmlformats.org/officeDocument/2006/customXml" ds:itemID="{2EB2FABB-45EC-440E-B647-8CA57BA45ACA}">
   <ds:schemaRefs>
     <ds:schemaRef ds:uri="http://schemas.microsoft.com/office/2006/metadata/contentType"/>
@@ -18353,18 +16635,6 @@
 </ds:datastoreItem>
 </file>
 
-<file path=customXml/itemProps2.xml><?xml version="1.0" encoding="utf-8"?>
-<ds:datastoreItem xmlns:ds="http://schemas.openxmlformats.org/officeDocument/2006/customXml" ds:itemID="{99746342-5E84-430E-9251-61001F208E7A}">
-  <ds:schemaRefs>
-    <ds:schemaRef ds:uri="http://schemas.microsoft.com/office/2006/metadata/properties"/>
-    <ds:schemaRef ds:uri="http://schemas.microsoft.com/office/infopath/2007/PartnerControls"/>
-    <ds:schemaRef ds:uri="http://schemas.microsoft.com/sharepoint/v3"/>
-    <ds:schemaRef ds:uri="71af3243-3dd4-4a8d-8c0d-dd76da1f02a5"/>
-    <ds:schemaRef ds:uri="230e9df3-be65-4c73-a93b-d1236ebd677e"/>
-  </ds:schemaRefs>
-</ds:datastoreItem>
-</file>
-
 <file path=customXml/itemProps3.xml><?xml version="1.0" encoding="utf-8"?>
 <ds:datastoreItem xmlns:ds="http://schemas.openxmlformats.org/officeDocument/2006/customXml" ds:itemID="{0E8B3377-22F1-4153-96F0-CC2E4BE41C57}">
   <ds:schemaRefs>
